--- a/meeting_slides/week3.pptx
+++ b/meeting_slides/week3.pptx
@@ -5,10 +5,10 @@
     <p:sldMasterId id="2147484163" r:id="rId1"/>
   </p:sldMasterIdLst>
   <p:notesMasterIdLst>
-    <p:notesMasterId r:id="rId15"/>
+    <p:notesMasterId r:id="rId10"/>
   </p:notesMasterIdLst>
   <p:handoutMasterIdLst>
-    <p:handoutMasterId r:id="rId16"/>
+    <p:handoutMasterId r:id="rId11"/>
   </p:handoutMasterIdLst>
   <p:sldIdLst>
     <p:sldId id="574" r:id="rId2"/>
@@ -19,11 +19,6 @@
     <p:sldId id="644" r:id="rId7"/>
     <p:sldId id="645" r:id="rId8"/>
     <p:sldId id="646" r:id="rId9"/>
-    <p:sldId id="636" r:id="rId10"/>
-    <p:sldId id="637" r:id="rId11"/>
-    <p:sldId id="640" r:id="rId12"/>
-    <p:sldId id="641" r:id="rId13"/>
-    <p:sldId id="638" r:id="rId14"/>
   </p:sldIdLst>
   <p:sldSz cx="9144000" cy="6858000" type="screen4x3"/>
   <p:notesSz cx="7315200" cy="9601200"/>
@@ -197,19 +192,19 @@
 <pc:chgInfo xmlns:a="http://schemas.openxmlformats.org/drawingml/2006/main" xmlns:r="http://schemas.openxmlformats.org/officeDocument/2006/relationships" xmlns:ac="http://schemas.microsoft.com/office/drawing/2013/main/command" xmlns:pc="http://schemas.microsoft.com/office/powerpoint/2013/main/command">
   <pc:docChgLst>
     <pc:chgData name="kwon o hwang" userId="9e01780f946e1363" providerId="LiveId" clId="{B54D5D76-889A-4C1B-862E-C7A97EE964FA}"/>
-    <pc:docChg chg="undo custSel addSld modSld">
-      <pc:chgData name="kwon o hwang" userId="9e01780f946e1363" providerId="LiveId" clId="{B54D5D76-889A-4C1B-862E-C7A97EE964FA}" dt="2023-06-08T18:08:30.769" v="1915" actId="20577"/>
+    <pc:docChg chg="undo custSel addSld delSld modSld">
+      <pc:chgData name="kwon o hwang" userId="9e01780f946e1363" providerId="LiveId" clId="{B54D5D76-889A-4C1B-862E-C7A97EE964FA}" dt="2023-06-12T18:54:16.014" v="1918" actId="47"/>
       <pc:docMkLst>
         <pc:docMk/>
       </pc:docMkLst>
       <pc:sldChg chg="modSp mod">
-        <pc:chgData name="kwon o hwang" userId="9e01780f946e1363" providerId="LiveId" clId="{B54D5D76-889A-4C1B-862E-C7A97EE964FA}" dt="2023-06-08T17:32:39.682" v="76" actId="20577"/>
+        <pc:chgData name="kwon o hwang" userId="9e01780f946e1363" providerId="LiveId" clId="{B54D5D76-889A-4C1B-862E-C7A97EE964FA}" dt="2023-06-12T18:53:30.319" v="1917" actId="20577"/>
         <pc:sldMkLst>
           <pc:docMk/>
           <pc:sldMk cId="0" sldId="574"/>
         </pc:sldMkLst>
         <pc:spChg chg="mod">
-          <ac:chgData name="kwon o hwang" userId="9e01780f946e1363" providerId="LiveId" clId="{B54D5D76-889A-4C1B-862E-C7A97EE964FA}" dt="2023-06-08T17:32:39.682" v="76" actId="20577"/>
+          <ac:chgData name="kwon o hwang" userId="9e01780f946e1363" providerId="LiveId" clId="{B54D5D76-889A-4C1B-862E-C7A97EE964FA}" dt="2023-06-12T18:53:30.319" v="1917" actId="20577"/>
           <ac:spMkLst>
             <pc:docMk/>
             <pc:sldMk cId="0" sldId="574"/>
@@ -430,6 +425,41 @@
             <ac:cxnSpMk id="43" creationId="{05D617C5-1BEE-AFB7-8274-BDC36DCA7F43}"/>
           </ac:cxnSpMkLst>
         </pc:cxnChg>
+      </pc:sldChg>
+      <pc:sldChg chg="del">
+        <pc:chgData name="kwon o hwang" userId="9e01780f946e1363" providerId="LiveId" clId="{B54D5D76-889A-4C1B-862E-C7A97EE964FA}" dt="2023-06-12T18:54:16.014" v="1918" actId="47"/>
+        <pc:sldMkLst>
+          <pc:docMk/>
+          <pc:sldMk cId="2703243872" sldId="636"/>
+        </pc:sldMkLst>
+      </pc:sldChg>
+      <pc:sldChg chg="del">
+        <pc:chgData name="kwon o hwang" userId="9e01780f946e1363" providerId="LiveId" clId="{B54D5D76-889A-4C1B-862E-C7A97EE964FA}" dt="2023-06-12T18:54:16.014" v="1918" actId="47"/>
+        <pc:sldMkLst>
+          <pc:docMk/>
+          <pc:sldMk cId="2668208034" sldId="637"/>
+        </pc:sldMkLst>
+      </pc:sldChg>
+      <pc:sldChg chg="del">
+        <pc:chgData name="kwon o hwang" userId="9e01780f946e1363" providerId="LiveId" clId="{B54D5D76-889A-4C1B-862E-C7A97EE964FA}" dt="2023-06-12T18:54:16.014" v="1918" actId="47"/>
+        <pc:sldMkLst>
+          <pc:docMk/>
+          <pc:sldMk cId="1437640584" sldId="638"/>
+        </pc:sldMkLst>
+      </pc:sldChg>
+      <pc:sldChg chg="del">
+        <pc:chgData name="kwon o hwang" userId="9e01780f946e1363" providerId="LiveId" clId="{B54D5D76-889A-4C1B-862E-C7A97EE964FA}" dt="2023-06-12T18:54:16.014" v="1918" actId="47"/>
+        <pc:sldMkLst>
+          <pc:docMk/>
+          <pc:sldMk cId="3243939165" sldId="640"/>
+        </pc:sldMkLst>
+      </pc:sldChg>
+      <pc:sldChg chg="del">
+        <pc:chgData name="kwon o hwang" userId="9e01780f946e1363" providerId="LiveId" clId="{B54D5D76-889A-4C1B-862E-C7A97EE964FA}" dt="2023-06-12T18:54:16.014" v="1918" actId="47"/>
+        <pc:sldMkLst>
+          <pc:docMk/>
+          <pc:sldMk cId="1610307617" sldId="641"/>
+        </pc:sldMkLst>
       </pc:sldChg>
       <pc:sldChg chg="addSp delSp modSp add mod">
         <pc:chgData name="kwon o hwang" userId="9e01780f946e1363" providerId="LiveId" clId="{B54D5D76-889A-4C1B-862E-C7A97EE964FA}" dt="2023-06-08T17:51:47.872" v="953" actId="1076"/>
@@ -1457,566 +1487,6 @@
 </p:notes>
 </file>
 
-<file path=ppt/notesSlides/notesSlide10.xml><?xml version="1.0" encoding="utf-8"?>
-<p:notes xmlns:a="http://schemas.openxmlformats.org/drawingml/2006/main" xmlns:r="http://schemas.openxmlformats.org/officeDocument/2006/relationships" xmlns:p="http://schemas.openxmlformats.org/presentationml/2006/main">
-  <p:cSld>
-    <p:spTree>
-      <p:nvGrpSpPr>
-        <p:cNvPr id="1" name=""/>
-        <p:cNvGrpSpPr/>
-        <p:nvPr/>
-      </p:nvGrpSpPr>
-      <p:grpSpPr>
-        <a:xfrm>
-          <a:off x="0" y="0"/>
-          <a:ext cx="0" cy="0"/>
-          <a:chOff x="0" y="0"/>
-          <a:chExt cx="0" cy="0"/>
-        </a:xfrm>
-      </p:grpSpPr>
-      <p:sp>
-        <p:nvSpPr>
-          <p:cNvPr id="2" name="슬라이드 이미지 개체 틀 1"/>
-          <p:cNvSpPr>
-            <a:spLocks noGrp="1" noRot="1" noChangeAspect="1"/>
-          </p:cNvSpPr>
-          <p:nvPr>
-            <p:ph type="sldImg"/>
-          </p:nvPr>
-        </p:nvSpPr>
-        <p:spPr/>
-      </p:sp>
-      <p:sp>
-        <p:nvSpPr>
-          <p:cNvPr id="3" name="슬라이드 노트 개체 틀 2"/>
-          <p:cNvSpPr>
-            <a:spLocks noGrp="1"/>
-          </p:cNvSpPr>
-          <p:nvPr>
-            <p:ph type="body" idx="1"/>
-          </p:nvPr>
-        </p:nvSpPr>
-        <p:spPr/>
-        <p:txBody>
-          <a:bodyPr/>
-          <a:lstStyle/>
-          <a:p>
-            <a:r>
-              <a:rPr lang="en-US" altLang="ko-KR" dirty="0"/>
-              <a:t>Next tutorial</a:t>
-            </a:r>
-            <a:r>
-              <a:rPr lang="ko-KR" altLang="en-US" dirty="0"/>
-              <a:t> </a:t>
-            </a:r>
-            <a:r>
-              <a:rPr lang="en-US" altLang="ko-KR" dirty="0"/>
-              <a:t>I</a:t>
-            </a:r>
-            <a:r>
-              <a:rPr lang="ko-KR" altLang="en-US" dirty="0"/>
-              <a:t> </a:t>
-            </a:r>
-            <a:r>
-              <a:rPr lang="en-US" altLang="ko-KR" dirty="0"/>
-              <a:t>completed</a:t>
-            </a:r>
-            <a:r>
-              <a:rPr lang="ko-KR" altLang="en-US" dirty="0"/>
-              <a:t> </a:t>
-            </a:r>
-            <a:r>
-              <a:rPr lang="en-US" altLang="ko-KR" dirty="0"/>
-              <a:t>is</a:t>
-            </a:r>
-            <a:r>
-              <a:rPr lang="ko-KR" altLang="en-US" dirty="0"/>
-              <a:t> </a:t>
-            </a:r>
-            <a:r>
-              <a:rPr lang="en-US" altLang="ko-KR" dirty="0"/>
-              <a:t>about</a:t>
-            </a:r>
-            <a:r>
-              <a:rPr lang="ko-KR" altLang="en-US" dirty="0"/>
-              <a:t> </a:t>
-            </a:r>
-            <a:r>
-              <a:rPr lang="en-US" altLang="ko-KR" dirty="0"/>
-              <a:t>convolutional</a:t>
-            </a:r>
-            <a:r>
-              <a:rPr lang="ko-KR" altLang="en-US" dirty="0"/>
-              <a:t> </a:t>
-            </a:r>
-            <a:r>
-              <a:rPr lang="en-US" altLang="ko-KR" dirty="0"/>
-              <a:t>neural</a:t>
-            </a:r>
-            <a:r>
-              <a:rPr lang="ko-KR" altLang="en-US" dirty="0"/>
-              <a:t> </a:t>
-            </a:r>
-            <a:r>
-              <a:rPr lang="en-US" altLang="ko-KR" dirty="0"/>
-              <a:t>networks.</a:t>
-            </a:r>
-            <a:r>
-              <a:rPr lang="ko-KR" altLang="en-US" dirty="0"/>
-              <a:t> </a:t>
-            </a:r>
-            <a:endParaRPr lang="en-US" altLang="ko-KR" dirty="0"/>
-          </a:p>
-          <a:p>
-            <a:r>
-              <a:rPr lang="en-US" dirty="0"/>
-              <a:t>This model is frequently used in the image classification. </a:t>
-            </a:r>
-          </a:p>
-          <a:p>
-            <a:endParaRPr lang="en-US" dirty="0"/>
-          </a:p>
-          <a:p>
-            <a:r>
-              <a:rPr lang="en-US" dirty="0"/>
-              <a:t>I also completed the tutorial related to the image classification. </a:t>
-            </a:r>
-          </a:p>
-          <a:p>
-            <a:r>
-              <a:rPr lang="en-US" dirty="0"/>
-              <a:t>In this case, the problem became different in that it is classification problem, not a regression problem. </a:t>
-            </a:r>
-          </a:p>
-          <a:p>
-            <a:r>
-              <a:rPr lang="en-US" dirty="0"/>
-              <a:t>Our input will be an image file. The machine should classify whether it is a raisin muffin or it is a dog. </a:t>
-            </a:r>
-          </a:p>
-          <a:p>
-            <a:r>
-              <a:rPr lang="en-US" dirty="0"/>
-              <a:t>I want to point out how we, human being actually perceive these visual information. </a:t>
-            </a:r>
-          </a:p>
-          <a:p>
-            <a:r>
-              <a:rPr lang="en-US" dirty="0"/>
-              <a:t>We don’t need a microscope to classify those images. Right?</a:t>
-            </a:r>
-          </a:p>
-          <a:p>
-            <a:r>
-              <a:rPr lang="en-US" dirty="0"/>
-              <a:t>The first thing we do when we perceive visual information is to extract the important features.</a:t>
-            </a:r>
-          </a:p>
-        </p:txBody>
-      </p:sp>
-      <p:sp>
-        <p:nvSpPr>
-          <p:cNvPr id="4" name="슬라이드 번호 개체 틀 3"/>
-          <p:cNvSpPr>
-            <a:spLocks noGrp="1"/>
-          </p:cNvSpPr>
-          <p:nvPr>
-            <p:ph type="sldNum" sz="quarter" idx="5"/>
-          </p:nvPr>
-        </p:nvSpPr>
-        <p:spPr/>
-        <p:txBody>
-          <a:bodyPr/>
-          <a:lstStyle/>
-          <a:p>
-            <a:pPr>
-              <a:defRPr/>
-            </a:pPr>
-            <a:fld id="{A6E9A276-2B14-42AC-884B-EC73CBBF17F6}" type="slidenum">
-              <a:rPr lang="en-US" smtClean="0"/>
-              <a:pPr>
-                <a:defRPr/>
-              </a:pPr>
-              <a:t>10</a:t>
-            </a:fld>
-            <a:endParaRPr lang="en-US" dirty="0"/>
-          </a:p>
-        </p:txBody>
-      </p:sp>
-    </p:spTree>
-    <p:extLst>
-      <p:ext uri="{BB962C8B-B14F-4D97-AF65-F5344CB8AC3E}">
-        <p14:creationId xmlns:p14="http://schemas.microsoft.com/office/powerpoint/2010/main" val="3822704883"/>
-      </p:ext>
-    </p:extLst>
-  </p:cSld>
-  <p:clrMapOvr>
-    <a:masterClrMapping/>
-  </p:clrMapOvr>
-</p:notes>
-</file>
-
-<file path=ppt/notesSlides/notesSlide11.xml><?xml version="1.0" encoding="utf-8"?>
-<p:notes xmlns:a="http://schemas.openxmlformats.org/drawingml/2006/main" xmlns:r="http://schemas.openxmlformats.org/officeDocument/2006/relationships" xmlns:p="http://schemas.openxmlformats.org/presentationml/2006/main">
-  <p:cSld>
-    <p:spTree>
-      <p:nvGrpSpPr>
-        <p:cNvPr id="1" name=""/>
-        <p:cNvGrpSpPr/>
-        <p:nvPr/>
-      </p:nvGrpSpPr>
-      <p:grpSpPr>
-        <a:xfrm>
-          <a:off x="0" y="0"/>
-          <a:ext cx="0" cy="0"/>
-          <a:chOff x="0" y="0"/>
-          <a:chExt cx="0" cy="0"/>
-        </a:xfrm>
-      </p:grpSpPr>
-      <p:sp>
-        <p:nvSpPr>
-          <p:cNvPr id="2" name="슬라이드 이미지 개체 틀 1"/>
-          <p:cNvSpPr>
-            <a:spLocks noGrp="1" noRot="1" noChangeAspect="1"/>
-          </p:cNvSpPr>
-          <p:nvPr>
-            <p:ph type="sldImg"/>
-          </p:nvPr>
-        </p:nvSpPr>
-        <p:spPr/>
-      </p:sp>
-      <p:sp>
-        <p:nvSpPr>
-          <p:cNvPr id="3" name="슬라이드 노트 개체 틀 2"/>
-          <p:cNvSpPr>
-            <a:spLocks noGrp="1"/>
-          </p:cNvSpPr>
-          <p:nvPr>
-            <p:ph type="body" idx="1"/>
-          </p:nvPr>
-        </p:nvSpPr>
-        <p:spPr/>
-        <p:txBody>
-          <a:bodyPr/>
-          <a:lstStyle/>
-          <a:p>
-            <a:r>
-              <a:rPr lang="en-US" dirty="0"/>
-              <a:t>So, we can apply that fact to the machine learning. </a:t>
-            </a:r>
-          </a:p>
-          <a:p>
-            <a:endParaRPr lang="en-US" dirty="0"/>
-          </a:p>
-          <a:p>
-            <a:r>
-              <a:rPr lang="en-US" dirty="0"/>
-              <a:t>Simply speaking, other than analyzing pixel by pixel, we can extract the important features using the first few layers, and then we can take more details into account. </a:t>
-            </a:r>
-          </a:p>
-          <a:p>
-            <a:r>
-              <a:rPr lang="en-US" dirty="0"/>
-              <a:t>That is what convolutional neural networks do. </a:t>
-            </a:r>
-          </a:p>
-          <a:p>
-            <a:endParaRPr lang="en-US" dirty="0"/>
-          </a:p>
-          <a:p>
-            <a:endParaRPr lang="en-US" dirty="0"/>
-          </a:p>
-        </p:txBody>
-      </p:sp>
-      <p:sp>
-        <p:nvSpPr>
-          <p:cNvPr id="4" name="슬라이드 번호 개체 틀 3"/>
-          <p:cNvSpPr>
-            <a:spLocks noGrp="1"/>
-          </p:cNvSpPr>
-          <p:nvPr>
-            <p:ph type="sldNum" sz="quarter" idx="5"/>
-          </p:nvPr>
-        </p:nvSpPr>
-        <p:spPr/>
-        <p:txBody>
-          <a:bodyPr/>
-          <a:lstStyle/>
-          <a:p>
-            <a:pPr>
-              <a:defRPr/>
-            </a:pPr>
-            <a:fld id="{A6E9A276-2B14-42AC-884B-EC73CBBF17F6}" type="slidenum">
-              <a:rPr lang="en-US" smtClean="0"/>
-              <a:pPr>
-                <a:defRPr/>
-              </a:pPr>
-              <a:t>11</a:t>
-            </a:fld>
-            <a:endParaRPr lang="en-US" dirty="0"/>
-          </a:p>
-        </p:txBody>
-      </p:sp>
-    </p:spTree>
-    <p:extLst>
-      <p:ext uri="{BB962C8B-B14F-4D97-AF65-F5344CB8AC3E}">
-        <p14:creationId xmlns:p14="http://schemas.microsoft.com/office/powerpoint/2010/main" val="3056258210"/>
-      </p:ext>
-    </p:extLst>
-  </p:cSld>
-  <p:clrMapOvr>
-    <a:masterClrMapping/>
-  </p:clrMapOvr>
-</p:notes>
-</file>
-
-<file path=ppt/notesSlides/notesSlide12.xml><?xml version="1.0" encoding="utf-8"?>
-<p:notes xmlns:a="http://schemas.openxmlformats.org/drawingml/2006/main" xmlns:r="http://schemas.openxmlformats.org/officeDocument/2006/relationships" xmlns:p="http://schemas.openxmlformats.org/presentationml/2006/main">
-  <p:cSld>
-    <p:spTree>
-      <p:nvGrpSpPr>
-        <p:cNvPr id="1" name=""/>
-        <p:cNvGrpSpPr/>
-        <p:nvPr/>
-      </p:nvGrpSpPr>
-      <p:grpSpPr>
-        <a:xfrm>
-          <a:off x="0" y="0"/>
-          <a:ext cx="0" cy="0"/>
-          <a:chOff x="0" y="0"/>
-          <a:chExt cx="0" cy="0"/>
-        </a:xfrm>
-      </p:grpSpPr>
-      <p:sp>
-        <p:nvSpPr>
-          <p:cNvPr id="2" name="슬라이드 이미지 개체 틀 1"/>
-          <p:cNvSpPr>
-            <a:spLocks noGrp="1" noRot="1" noChangeAspect="1"/>
-          </p:cNvSpPr>
-          <p:nvPr>
-            <p:ph type="sldImg"/>
-          </p:nvPr>
-        </p:nvSpPr>
-        <p:spPr/>
-      </p:sp>
-      <p:sp>
-        <p:nvSpPr>
-          <p:cNvPr id="3" name="슬라이드 노트 개체 틀 2"/>
-          <p:cNvSpPr>
-            <a:spLocks noGrp="1"/>
-          </p:cNvSpPr>
-          <p:nvPr>
-            <p:ph type="body" idx="1"/>
-          </p:nvPr>
-        </p:nvSpPr>
-        <p:spPr/>
-        <p:txBody>
-          <a:bodyPr/>
-          <a:lstStyle/>
-          <a:p>
-            <a:r>
-              <a:rPr lang="en-US" dirty="0"/>
-              <a:t>This feature intuitively explains what </a:t>
-            </a:r>
-            <a:r>
-              <a:rPr lang="en-US" dirty="0" err="1"/>
-              <a:t>cnn</a:t>
-            </a:r>
-            <a:r>
-              <a:rPr lang="en-US" dirty="0"/>
-              <a:t> really is. </a:t>
-            </a:r>
-          </a:p>
-          <a:p>
-            <a:r>
-              <a:rPr lang="en-US" dirty="0"/>
-              <a:t>The left side image represents our input image, which is represented by the array of numerical values. </a:t>
-            </a:r>
-          </a:p>
-          <a:p>
-            <a:endParaRPr lang="en-US" dirty="0"/>
-          </a:p>
-          <a:p>
-            <a:r>
-              <a:rPr lang="en-US" dirty="0"/>
-              <a:t>Then, we can see the 3*3 filters. Those filters will tell you whether the input image has certain feature or not. </a:t>
-            </a:r>
-          </a:p>
-          <a:p>
-            <a:r>
-              <a:rPr lang="en-US" dirty="0"/>
-              <a:t>If the input has the feature, the output value will be large. </a:t>
-            </a:r>
-          </a:p>
-          <a:p>
-            <a:r>
-              <a:rPr lang="en-US" dirty="0"/>
-              <a:t>Otherwise, it would be close to zero.</a:t>
-            </a:r>
-          </a:p>
-          <a:p>
-            <a:endParaRPr lang="en-US" dirty="0"/>
-          </a:p>
-          <a:p>
-            <a:r>
-              <a:rPr lang="en-US" dirty="0"/>
-              <a:t>For example, we can put 3 filters for that chihuahua and muffin problem. </a:t>
-            </a:r>
-          </a:p>
-          <a:p>
-            <a:r>
-              <a:rPr lang="en-US" dirty="0"/>
-              <a:t>Chihuahua has eyes, nose, and ears. </a:t>
-            </a:r>
-          </a:p>
-          <a:p>
-            <a:r>
-              <a:rPr lang="en-US" dirty="0"/>
-              <a:t>So we can put filters for those important features. Once the machine recognizes those important features, it will classify the image much more efficiently.</a:t>
-            </a:r>
-          </a:p>
-        </p:txBody>
-      </p:sp>
-      <p:sp>
-        <p:nvSpPr>
-          <p:cNvPr id="4" name="슬라이드 번호 개체 틀 3"/>
-          <p:cNvSpPr>
-            <a:spLocks noGrp="1"/>
-          </p:cNvSpPr>
-          <p:nvPr>
-            <p:ph type="sldNum" sz="quarter" idx="5"/>
-          </p:nvPr>
-        </p:nvSpPr>
-        <p:spPr/>
-        <p:txBody>
-          <a:bodyPr/>
-          <a:lstStyle/>
-          <a:p>
-            <a:pPr>
-              <a:defRPr/>
-            </a:pPr>
-            <a:fld id="{A6E9A276-2B14-42AC-884B-EC73CBBF17F6}" type="slidenum">
-              <a:rPr lang="en-US" smtClean="0"/>
-              <a:pPr>
-                <a:defRPr/>
-              </a:pPr>
-              <a:t>12</a:t>
-            </a:fld>
-            <a:endParaRPr lang="en-US" dirty="0"/>
-          </a:p>
-        </p:txBody>
-      </p:sp>
-    </p:spTree>
-    <p:extLst>
-      <p:ext uri="{BB962C8B-B14F-4D97-AF65-F5344CB8AC3E}">
-        <p14:creationId xmlns:p14="http://schemas.microsoft.com/office/powerpoint/2010/main" val="3526946276"/>
-      </p:ext>
-    </p:extLst>
-  </p:cSld>
-  <p:clrMapOvr>
-    <a:masterClrMapping/>
-  </p:clrMapOvr>
-</p:notes>
-</file>
-
-<file path=ppt/notesSlides/notesSlide13.xml><?xml version="1.0" encoding="utf-8"?>
-<p:notes xmlns:a="http://schemas.openxmlformats.org/drawingml/2006/main" xmlns:r="http://schemas.openxmlformats.org/officeDocument/2006/relationships" xmlns:p="http://schemas.openxmlformats.org/presentationml/2006/main">
-  <p:cSld>
-    <p:spTree>
-      <p:nvGrpSpPr>
-        <p:cNvPr id="1" name=""/>
-        <p:cNvGrpSpPr/>
-        <p:nvPr/>
-      </p:nvGrpSpPr>
-      <p:grpSpPr>
-        <a:xfrm>
-          <a:off x="0" y="0"/>
-          <a:ext cx="0" cy="0"/>
-          <a:chOff x="0" y="0"/>
-          <a:chExt cx="0" cy="0"/>
-        </a:xfrm>
-      </p:grpSpPr>
-      <p:sp>
-        <p:nvSpPr>
-          <p:cNvPr id="2" name="슬라이드 이미지 개체 틀 1"/>
-          <p:cNvSpPr>
-            <a:spLocks noGrp="1" noRot="1" noChangeAspect="1"/>
-          </p:cNvSpPr>
-          <p:nvPr>
-            <p:ph type="sldImg"/>
-          </p:nvPr>
-        </p:nvSpPr>
-        <p:spPr/>
-      </p:sp>
-      <p:sp>
-        <p:nvSpPr>
-          <p:cNvPr id="3" name="슬라이드 노트 개체 틀 2"/>
-          <p:cNvSpPr>
-            <a:spLocks noGrp="1"/>
-          </p:cNvSpPr>
-          <p:nvPr>
-            <p:ph type="body" idx="1"/>
-          </p:nvPr>
-        </p:nvSpPr>
-        <p:spPr/>
-        <p:txBody>
-          <a:bodyPr/>
-          <a:lstStyle/>
-          <a:p>
-            <a:r>
-              <a:rPr lang="en-US" dirty="0"/>
-              <a:t>This is the actual tutorial I did using MNIST data</a:t>
-            </a:r>
-            <a:r>
-              <a:rPr lang="en-US"/>
-              <a:t>. </a:t>
-            </a:r>
-            <a:endParaRPr lang="en-US" dirty="0"/>
-          </a:p>
-        </p:txBody>
-      </p:sp>
-      <p:sp>
-        <p:nvSpPr>
-          <p:cNvPr id="4" name="슬라이드 번호 개체 틀 3"/>
-          <p:cNvSpPr>
-            <a:spLocks noGrp="1"/>
-          </p:cNvSpPr>
-          <p:nvPr>
-            <p:ph type="sldNum" sz="quarter" idx="5"/>
-          </p:nvPr>
-        </p:nvSpPr>
-        <p:spPr/>
-        <p:txBody>
-          <a:bodyPr/>
-          <a:lstStyle/>
-          <a:p>
-            <a:pPr>
-              <a:defRPr/>
-            </a:pPr>
-            <a:fld id="{A6E9A276-2B14-42AC-884B-EC73CBBF17F6}" type="slidenum">
-              <a:rPr lang="en-US" smtClean="0"/>
-              <a:pPr>
-                <a:defRPr/>
-              </a:pPr>
-              <a:t>13</a:t>
-            </a:fld>
-            <a:endParaRPr lang="en-US" dirty="0"/>
-          </a:p>
-        </p:txBody>
-      </p:sp>
-    </p:spTree>
-    <p:extLst>
-      <p:ext uri="{BB962C8B-B14F-4D97-AF65-F5344CB8AC3E}">
-        <p14:creationId xmlns:p14="http://schemas.microsoft.com/office/powerpoint/2010/main" val="2084064780"/>
-      </p:ext>
-    </p:extLst>
-  </p:cSld>
-  <p:clrMapOvr>
-    <a:masterClrMapping/>
-  </p:clrMapOvr>
-</p:notes>
-</file>
-
 <file path=ppt/notesSlides/notesSlide2.xml><?xml version="1.0" encoding="utf-8"?>
 <p:notes xmlns:a="http://schemas.openxmlformats.org/drawingml/2006/main" xmlns:r="http://schemas.openxmlformats.org/officeDocument/2006/relationships" xmlns:p="http://schemas.openxmlformats.org/presentationml/2006/main">
   <p:cSld>
@@ -2869,161 +2339,6 @@
     <p:extLst>
       <p:ext uri="{BB962C8B-B14F-4D97-AF65-F5344CB8AC3E}">
         <p14:creationId xmlns:p14="http://schemas.microsoft.com/office/powerpoint/2010/main" val="3806401647"/>
-      </p:ext>
-    </p:extLst>
-  </p:cSld>
-  <p:clrMapOvr>
-    <a:masterClrMapping/>
-  </p:clrMapOvr>
-</p:notes>
-</file>
-
-<file path=ppt/notesSlides/notesSlide9.xml><?xml version="1.0" encoding="utf-8"?>
-<p:notes xmlns:a="http://schemas.openxmlformats.org/drawingml/2006/main" xmlns:r="http://schemas.openxmlformats.org/officeDocument/2006/relationships" xmlns:p="http://schemas.openxmlformats.org/presentationml/2006/main">
-  <p:cSld>
-    <p:spTree>
-      <p:nvGrpSpPr>
-        <p:cNvPr id="1" name=""/>
-        <p:cNvGrpSpPr/>
-        <p:nvPr/>
-      </p:nvGrpSpPr>
-      <p:grpSpPr>
-        <a:xfrm>
-          <a:off x="0" y="0"/>
-          <a:ext cx="0" cy="0"/>
-          <a:chOff x="0" y="0"/>
-          <a:chExt cx="0" cy="0"/>
-        </a:xfrm>
-      </p:grpSpPr>
-      <p:sp>
-        <p:nvSpPr>
-          <p:cNvPr id="2" name="슬라이드 이미지 개체 틀 1"/>
-          <p:cNvSpPr>
-            <a:spLocks noGrp="1" noRot="1" noChangeAspect="1"/>
-          </p:cNvSpPr>
-          <p:nvPr>
-            <p:ph type="sldImg"/>
-          </p:nvPr>
-        </p:nvSpPr>
-        <p:spPr/>
-      </p:sp>
-      <p:sp>
-        <p:nvSpPr>
-          <p:cNvPr id="3" name="슬라이드 노트 개체 틀 2"/>
-          <p:cNvSpPr>
-            <a:spLocks noGrp="1"/>
-          </p:cNvSpPr>
-          <p:nvPr>
-            <p:ph type="body" idx="1"/>
-          </p:nvPr>
-        </p:nvSpPr>
-        <p:spPr/>
-        <p:txBody>
-          <a:bodyPr/>
-          <a:lstStyle/>
-          <a:p>
-            <a:r>
-              <a:rPr lang="en-US" dirty="0"/>
-              <a:t>From now on, I would like to share what I did so far. </a:t>
-            </a:r>
-          </a:p>
-          <a:p>
-            <a:r>
-              <a:rPr lang="en-US" dirty="0"/>
-              <a:t>I started to study some basic neural network models as a preparation for the NLP. </a:t>
-            </a:r>
-          </a:p>
-          <a:p>
-            <a:r>
-              <a:rPr lang="en-US" dirty="0"/>
-              <a:t>In this meeting, I would like to present two models. One is Recurrent neural network, the other is Convolutional Neural Network. </a:t>
-            </a:r>
-          </a:p>
-          <a:p>
-            <a:endParaRPr lang="en-US" dirty="0"/>
-          </a:p>
-          <a:p>
-            <a:r>
-              <a:rPr lang="en-US" dirty="0"/>
-              <a:t>First, RNN is widely used when we need to take the sequence into account. </a:t>
-            </a:r>
-          </a:p>
-          <a:p>
-            <a:r>
-              <a:rPr lang="en-US" dirty="0"/>
-              <a:t>The tutorial I did was about predicting the number of the international airline passengers based on the previous year’s data. </a:t>
-            </a:r>
-          </a:p>
-          <a:p>
-            <a:endParaRPr lang="en-US" dirty="0"/>
-          </a:p>
-          <a:p>
-            <a:r>
-              <a:rPr lang="en-US" altLang="ko-KR" dirty="0"/>
-              <a:t>This code below represent what RNN really is. </a:t>
-            </a:r>
-          </a:p>
-          <a:p>
-            <a:r>
-              <a:rPr lang="en-US" altLang="ko-KR" dirty="0"/>
-              <a:t>This is a function that creates dataset for the machine training. </a:t>
-            </a:r>
-          </a:p>
-          <a:p>
-            <a:r>
-              <a:rPr lang="en-US" altLang="ko-KR" dirty="0"/>
-              <a:t>Look back represents the number of past years that we want to take into account. </a:t>
-            </a:r>
-          </a:p>
-          <a:p>
-            <a:r>
-              <a:rPr lang="en-US" altLang="ko-KR" dirty="0"/>
-              <a:t>By using this function, input data and the output data will be generated as a pair based on the </a:t>
-            </a:r>
-            <a:r>
-              <a:rPr lang="en-US" altLang="ko-KR" dirty="0" err="1"/>
-              <a:t>look_back</a:t>
-            </a:r>
-            <a:r>
-              <a:rPr lang="en-US" altLang="ko-KR" dirty="0"/>
-              <a:t> parameter. </a:t>
-            </a:r>
-          </a:p>
-        </p:txBody>
-      </p:sp>
-      <p:sp>
-        <p:nvSpPr>
-          <p:cNvPr id="4" name="슬라이드 번호 개체 틀 3"/>
-          <p:cNvSpPr>
-            <a:spLocks noGrp="1"/>
-          </p:cNvSpPr>
-          <p:nvPr>
-            <p:ph type="sldNum" sz="quarter" idx="5"/>
-          </p:nvPr>
-        </p:nvSpPr>
-        <p:spPr/>
-        <p:txBody>
-          <a:bodyPr/>
-          <a:lstStyle/>
-          <a:p>
-            <a:pPr>
-              <a:defRPr/>
-            </a:pPr>
-            <a:fld id="{A6E9A276-2B14-42AC-884B-EC73CBBF17F6}" type="slidenum">
-              <a:rPr lang="en-US" smtClean="0"/>
-              <a:pPr>
-                <a:defRPr/>
-              </a:pPr>
-              <a:t>9</a:t>
-            </a:fld>
-            <a:endParaRPr lang="en-US" dirty="0"/>
-          </a:p>
-        </p:txBody>
-      </p:sp>
-    </p:spTree>
-    <p:extLst>
-      <p:ext uri="{BB962C8B-B14F-4D97-AF65-F5344CB8AC3E}">
-        <p14:creationId xmlns:p14="http://schemas.microsoft.com/office/powerpoint/2010/main" val="2942304501"/>
       </p:ext>
     </p:extLst>
   </p:cSld>
@@ -3197,7 +2512,7 @@
                 </a:solidFill>
               </a:rPr>
               <a:pPr algn="r"/>
-              <a:t>June 9, 2023</a:t>
+              <a:t>June 13, 2023</a:t>
             </a:fld>
             <a:endParaRPr lang="en-US" sz="1350" dirty="0">
               <a:solidFill>
@@ -3422,7 +2737,7 @@
                 <a:effectLst/>
               </a:rPr>
               <a:pPr algn="ctr"/>
-              <a:t>June 9, 2023</a:t>
+              <a:t>June 13, 2023</a:t>
             </a:fld>
             <a:endParaRPr lang="en-US" sz="2400" b="0" cap="none" spc="0" dirty="0">
               <a:ln>
@@ -4763,7 +4078,7 @@
         <p:spPr>
           <a:xfrm>
             <a:off x="0" y="1883482"/>
-            <a:ext cx="8925791" cy="1478418"/>
+            <a:ext cx="8925791" cy="739754"/>
           </a:xfrm>
         </p:spPr>
         <p:txBody>
@@ -4779,13 +4094,6 @@
             <a:r>
               <a:rPr lang="en-US" altLang="ko-KR" dirty="0"/>
               <a:t>Progress updates</a:t>
-            </a:r>
-            <a:br>
-              <a:rPr lang="en-US" altLang="ko-KR" dirty="0"/>
-            </a:br>
-            <a:r>
-              <a:rPr lang="en-US" altLang="ko-KR" dirty="0"/>
-              <a:t>- Nuclear Tweets NLP</a:t>
             </a:r>
           </a:p>
         </p:txBody>
@@ -4848,554 +4156,6 @@
         </p:txBody>
       </p:sp>
     </p:spTree>
-  </p:cSld>
-  <p:clrMapOvr>
-    <a:masterClrMapping/>
-  </p:clrMapOvr>
-  <p:transition/>
-</p:sld>
-</file>
-
-<file path=ppt/slides/slide10.xml><?xml version="1.0" encoding="utf-8"?>
-<p:sld xmlns:a="http://schemas.openxmlformats.org/drawingml/2006/main" xmlns:r="http://schemas.openxmlformats.org/officeDocument/2006/relationships" xmlns:p="http://schemas.openxmlformats.org/presentationml/2006/main">
-  <p:cSld>
-    <p:spTree>
-      <p:nvGrpSpPr>
-        <p:cNvPr id="1" name=""/>
-        <p:cNvGrpSpPr/>
-        <p:nvPr/>
-      </p:nvGrpSpPr>
-      <p:grpSpPr>
-        <a:xfrm>
-          <a:off x="0" y="0"/>
-          <a:ext cx="0" cy="0"/>
-          <a:chOff x="0" y="0"/>
-          <a:chExt cx="0" cy="0"/>
-        </a:xfrm>
-      </p:grpSpPr>
-      <p:sp>
-        <p:nvSpPr>
-          <p:cNvPr id="3" name="Title 2"/>
-          <p:cNvSpPr>
-            <a:spLocks noGrp="1"/>
-          </p:cNvSpPr>
-          <p:nvPr>
-            <p:ph type="title"/>
-          </p:nvPr>
-        </p:nvSpPr>
-        <p:spPr>
-          <a:xfrm>
-            <a:off x="339725" y="330200"/>
-            <a:ext cx="8450263" cy="378565"/>
-          </a:xfrm>
-        </p:spPr>
-        <p:txBody>
-          <a:bodyPr/>
-          <a:lstStyle/>
-          <a:p>
-            <a:pPr lvl="0">
-              <a:defRPr/>
-            </a:pPr>
-            <a:r>
-              <a:rPr lang="en-US" altLang="ko-KR" sz="2400" dirty="0"/>
-              <a:t>Current Progress – Convolutional Neural Network (CNN)</a:t>
-            </a:r>
-          </a:p>
-        </p:txBody>
-      </p:sp>
-      <p:sp>
-        <p:nvSpPr>
-          <p:cNvPr id="16" name="내용 개체 틀 15">
-            <a:extLst>
-              <a:ext uri="{FF2B5EF4-FFF2-40B4-BE49-F238E27FC236}">
-                <a16:creationId xmlns:a16="http://schemas.microsoft.com/office/drawing/2014/main" id="{09DD59F4-5D31-E398-91E4-8216F44DBCC2}"/>
-              </a:ext>
-            </a:extLst>
-          </p:cNvPr>
-          <p:cNvSpPr>
-            <a:spLocks noGrp="1"/>
-          </p:cNvSpPr>
-          <p:nvPr>
-            <p:ph idx="1"/>
-          </p:nvPr>
-        </p:nvSpPr>
-        <p:spPr>
-          <a:xfrm>
-            <a:off x="346076" y="874567"/>
-            <a:ext cx="8370202" cy="378565"/>
-          </a:xfrm>
-        </p:spPr>
-        <p:txBody>
-          <a:bodyPr/>
-          <a:lstStyle/>
-          <a:p>
-            <a:r>
-              <a:rPr lang="en-US" sz="1600" dirty="0"/>
-              <a:t>Convolutional neural network is frequently used in visual classification problems.</a:t>
-            </a:r>
-          </a:p>
-        </p:txBody>
-      </p:sp>
-      <p:pic>
-        <p:nvPicPr>
-          <p:cNvPr id="2" name="Picture 2" descr="Chihuahua or muffin? My search for the best computer vision API">
-            <a:extLst>
-              <a:ext uri="{FF2B5EF4-FFF2-40B4-BE49-F238E27FC236}">
-                <a16:creationId xmlns:a16="http://schemas.microsoft.com/office/drawing/2014/main" id="{17926221-1817-4D15-4554-D0EC9B7318D4}"/>
-              </a:ext>
-            </a:extLst>
-          </p:cNvPr>
-          <p:cNvPicPr>
-            <a:picLocks noChangeAspect="1" noChangeArrowheads="1"/>
-          </p:cNvPicPr>
-          <p:nvPr/>
-        </p:nvPicPr>
-        <p:blipFill>
-          <a:blip r:embed="rId3">
-            <a:extLst>
-              <a:ext uri="{28A0092B-C50C-407E-A947-70E740481C1C}">
-                <a14:useLocalDpi xmlns:a14="http://schemas.microsoft.com/office/drawing/2010/main" val="0"/>
-              </a:ext>
-            </a:extLst>
-          </a:blip>
-          <a:srcRect/>
-          <a:stretch>
-            <a:fillRect/>
-          </a:stretch>
-        </p:blipFill>
-        <p:spPr bwMode="auto">
-          <a:xfrm>
-            <a:off x="721177" y="1253132"/>
-            <a:ext cx="7620000" cy="3333750"/>
-          </a:xfrm>
-          <a:prstGeom prst="rect">
-            <a:avLst/>
-          </a:prstGeom>
-          <a:noFill/>
-          <a:extLst>
-            <a:ext uri="{909E8E84-426E-40DD-AFC4-6F175D3DCCD1}">
-              <a14:hiddenFill xmlns:a14="http://schemas.microsoft.com/office/drawing/2010/main">
-                <a:solidFill>
-                  <a:srgbClr val="FFFFFF"/>
-                </a:solidFill>
-              </a14:hiddenFill>
-            </a:ext>
-          </a:extLst>
-        </p:spPr>
-      </p:pic>
-    </p:spTree>
-    <p:extLst>
-      <p:ext uri="{BB962C8B-B14F-4D97-AF65-F5344CB8AC3E}">
-        <p14:creationId xmlns:p14="http://schemas.microsoft.com/office/powerpoint/2010/main" val="2668208034"/>
-      </p:ext>
-    </p:extLst>
-  </p:cSld>
-  <p:clrMapOvr>
-    <a:masterClrMapping/>
-  </p:clrMapOvr>
-  <p:transition/>
-</p:sld>
-</file>
-
-<file path=ppt/slides/slide11.xml><?xml version="1.0" encoding="utf-8"?>
-<p:sld xmlns:a="http://schemas.openxmlformats.org/drawingml/2006/main" xmlns:r="http://schemas.openxmlformats.org/officeDocument/2006/relationships" xmlns:p="http://schemas.openxmlformats.org/presentationml/2006/main">
-  <p:cSld>
-    <p:spTree>
-      <p:nvGrpSpPr>
-        <p:cNvPr id="1" name=""/>
-        <p:cNvGrpSpPr/>
-        <p:nvPr/>
-      </p:nvGrpSpPr>
-      <p:grpSpPr>
-        <a:xfrm>
-          <a:off x="0" y="0"/>
-          <a:ext cx="0" cy="0"/>
-          <a:chOff x="0" y="0"/>
-          <a:chExt cx="0" cy="0"/>
-        </a:xfrm>
-      </p:grpSpPr>
-      <p:sp>
-        <p:nvSpPr>
-          <p:cNvPr id="3" name="Title 2"/>
-          <p:cNvSpPr>
-            <a:spLocks noGrp="1"/>
-          </p:cNvSpPr>
-          <p:nvPr>
-            <p:ph type="title"/>
-          </p:nvPr>
-        </p:nvSpPr>
-        <p:spPr>
-          <a:xfrm>
-            <a:off x="339725" y="330200"/>
-            <a:ext cx="8450263" cy="378565"/>
-          </a:xfrm>
-        </p:spPr>
-        <p:txBody>
-          <a:bodyPr/>
-          <a:lstStyle/>
-          <a:p>
-            <a:pPr lvl="0">
-              <a:defRPr/>
-            </a:pPr>
-            <a:r>
-              <a:rPr lang="en-US" altLang="ko-KR" sz="2400" dirty="0"/>
-              <a:t>Current Progress – Convolutional Neural Network (CNN)</a:t>
-            </a:r>
-          </a:p>
-        </p:txBody>
-      </p:sp>
-      <p:pic>
-        <p:nvPicPr>
-          <p:cNvPr id="5" name="Picture 4" descr="Image Processing using CNN | Beginner's Guide to Image Processing">
-            <a:extLst>
-              <a:ext uri="{FF2B5EF4-FFF2-40B4-BE49-F238E27FC236}">
-                <a16:creationId xmlns:a16="http://schemas.microsoft.com/office/drawing/2014/main" id="{B2E11859-DCE0-2824-9F1E-7D200B96B6ED}"/>
-              </a:ext>
-            </a:extLst>
-          </p:cNvPr>
-          <p:cNvPicPr>
-            <a:picLocks noChangeAspect="1" noChangeArrowheads="1"/>
-          </p:cNvPicPr>
-          <p:nvPr/>
-        </p:nvPicPr>
-        <p:blipFill>
-          <a:blip r:embed="rId3">
-            <a:extLst>
-              <a:ext uri="{28A0092B-C50C-407E-A947-70E740481C1C}">
-                <a14:useLocalDpi xmlns:a14="http://schemas.microsoft.com/office/drawing/2010/main" val="0"/>
-              </a:ext>
-            </a:extLst>
-          </a:blip>
-          <a:srcRect/>
-          <a:stretch>
-            <a:fillRect/>
-          </a:stretch>
-        </p:blipFill>
-        <p:spPr bwMode="auto">
-          <a:xfrm>
-            <a:off x="0" y="1665288"/>
-            <a:ext cx="9144000" cy="3527425"/>
-          </a:xfrm>
-          <a:prstGeom prst="rect">
-            <a:avLst/>
-          </a:prstGeom>
-          <a:noFill/>
-          <a:extLst>
-            <a:ext uri="{909E8E84-426E-40DD-AFC4-6F175D3DCCD1}">
-              <a14:hiddenFill xmlns:a14="http://schemas.microsoft.com/office/drawing/2010/main">
-                <a:solidFill>
-                  <a:srgbClr val="FFFFFF"/>
-                </a:solidFill>
-              </a14:hiddenFill>
-            </a:ext>
-          </a:extLst>
-        </p:spPr>
-      </p:pic>
-    </p:spTree>
-    <p:extLst>
-      <p:ext uri="{BB962C8B-B14F-4D97-AF65-F5344CB8AC3E}">
-        <p14:creationId xmlns:p14="http://schemas.microsoft.com/office/powerpoint/2010/main" val="3243939165"/>
-      </p:ext>
-    </p:extLst>
-  </p:cSld>
-  <p:clrMapOvr>
-    <a:masterClrMapping/>
-  </p:clrMapOvr>
-  <p:transition/>
-</p:sld>
-</file>
-
-<file path=ppt/slides/slide12.xml><?xml version="1.0" encoding="utf-8"?>
-<p:sld xmlns:a="http://schemas.openxmlformats.org/drawingml/2006/main" xmlns:r="http://schemas.openxmlformats.org/officeDocument/2006/relationships" xmlns:p="http://schemas.openxmlformats.org/presentationml/2006/main">
-  <p:cSld>
-    <p:spTree>
-      <p:nvGrpSpPr>
-        <p:cNvPr id="1" name=""/>
-        <p:cNvGrpSpPr/>
-        <p:nvPr/>
-      </p:nvGrpSpPr>
-      <p:grpSpPr>
-        <a:xfrm>
-          <a:off x="0" y="0"/>
-          <a:ext cx="0" cy="0"/>
-          <a:chOff x="0" y="0"/>
-          <a:chExt cx="0" cy="0"/>
-        </a:xfrm>
-      </p:grpSpPr>
-      <p:sp>
-        <p:nvSpPr>
-          <p:cNvPr id="3" name="제목 2">
-            <a:extLst>
-              <a:ext uri="{FF2B5EF4-FFF2-40B4-BE49-F238E27FC236}">
-                <a16:creationId xmlns:a16="http://schemas.microsoft.com/office/drawing/2014/main" id="{FD6F8C93-5EA2-1D33-1FEF-164311B80F47}"/>
-              </a:ext>
-            </a:extLst>
-          </p:cNvPr>
-          <p:cNvSpPr>
-            <a:spLocks noGrp="1"/>
-          </p:cNvSpPr>
-          <p:nvPr>
-            <p:ph type="title"/>
-          </p:nvPr>
-        </p:nvSpPr>
-        <p:spPr/>
-        <p:txBody>
-          <a:bodyPr/>
-          <a:lstStyle/>
-          <a:p>
-            <a:r>
-              <a:rPr lang="en-US" dirty="0"/>
-              <a:t>CNN for image classification</a:t>
-            </a:r>
-          </a:p>
-        </p:txBody>
-      </p:sp>
-      <p:pic>
-        <p:nvPicPr>
-          <p:cNvPr id="2050" name="Picture 2" descr="machine learning - What is the difference between Conv1D and Conv2D? -  Cross Validated">
-            <a:extLst>
-              <a:ext uri="{FF2B5EF4-FFF2-40B4-BE49-F238E27FC236}">
-                <a16:creationId xmlns:a16="http://schemas.microsoft.com/office/drawing/2014/main" id="{6FA9CA9D-3676-AF71-0E0C-8AA7D39D5D84}"/>
-              </a:ext>
-            </a:extLst>
-          </p:cNvPr>
-          <p:cNvPicPr>
-            <a:picLocks noChangeAspect="1" noChangeArrowheads="1"/>
-          </p:cNvPicPr>
-          <p:nvPr/>
-        </p:nvPicPr>
-        <p:blipFill>
-          <a:blip r:embed="rId3">
-            <a:extLst>
-              <a:ext uri="{28A0092B-C50C-407E-A947-70E740481C1C}">
-                <a14:useLocalDpi xmlns:a14="http://schemas.microsoft.com/office/drawing/2010/main" val="0"/>
-              </a:ext>
-            </a:extLst>
-          </a:blip>
-          <a:srcRect/>
-          <a:stretch>
-            <a:fillRect/>
-          </a:stretch>
-        </p:blipFill>
-        <p:spPr bwMode="auto">
-          <a:xfrm>
-            <a:off x="153386" y="679697"/>
-            <a:ext cx="4695119" cy="3775108"/>
-          </a:xfrm>
-          <a:prstGeom prst="rect">
-            <a:avLst/>
-          </a:prstGeom>
-          <a:noFill/>
-          <a:extLst>
-            <a:ext uri="{909E8E84-426E-40DD-AFC4-6F175D3DCCD1}">
-              <a14:hiddenFill xmlns:a14="http://schemas.microsoft.com/office/drawing/2010/main">
-                <a:solidFill>
-                  <a:srgbClr val="FFFFFF"/>
-                </a:solidFill>
-              </a14:hiddenFill>
-            </a:ext>
-          </a:extLst>
-        </p:spPr>
-      </p:pic>
-      <p:pic>
-        <p:nvPicPr>
-          <p:cNvPr id="4" name="그림 3">
-            <a:extLst>
-              <a:ext uri="{FF2B5EF4-FFF2-40B4-BE49-F238E27FC236}">
-                <a16:creationId xmlns:a16="http://schemas.microsoft.com/office/drawing/2014/main" id="{FDDD4E21-C33F-410D-ADE6-49213747E47E}"/>
-              </a:ext>
-            </a:extLst>
-          </p:cNvPr>
-          <p:cNvPicPr>
-            <a:picLocks noChangeAspect="1"/>
-          </p:cNvPicPr>
-          <p:nvPr/>
-        </p:nvPicPr>
-        <p:blipFill rotWithShape="1">
-          <a:blip r:embed="rId4"/>
-          <a:srcRect l="1947"/>
-          <a:stretch/>
-        </p:blipFill>
-        <p:spPr>
-          <a:xfrm>
-            <a:off x="0" y="4454805"/>
-            <a:ext cx="8990614" cy="1686785"/>
-          </a:xfrm>
-          <a:prstGeom prst="rect">
-            <a:avLst/>
-          </a:prstGeom>
-        </p:spPr>
-      </p:pic>
-    </p:spTree>
-    <p:extLst>
-      <p:ext uri="{BB962C8B-B14F-4D97-AF65-F5344CB8AC3E}">
-        <p14:creationId xmlns:p14="http://schemas.microsoft.com/office/powerpoint/2010/main" val="1610307617"/>
-      </p:ext>
-    </p:extLst>
-  </p:cSld>
-  <p:clrMapOvr>
-    <a:masterClrMapping/>
-  </p:clrMapOvr>
-</p:sld>
-</file>
-
-<file path=ppt/slides/slide13.xml><?xml version="1.0" encoding="utf-8"?>
-<p:sld xmlns:a="http://schemas.openxmlformats.org/drawingml/2006/main" xmlns:r="http://schemas.openxmlformats.org/officeDocument/2006/relationships" xmlns:p="http://schemas.openxmlformats.org/presentationml/2006/main">
-  <p:cSld>
-    <p:spTree>
-      <p:nvGrpSpPr>
-        <p:cNvPr id="1" name=""/>
-        <p:cNvGrpSpPr/>
-        <p:nvPr/>
-      </p:nvGrpSpPr>
-      <p:grpSpPr>
-        <a:xfrm>
-          <a:off x="0" y="0"/>
-          <a:ext cx="0" cy="0"/>
-          <a:chOff x="0" y="0"/>
-          <a:chExt cx="0" cy="0"/>
-        </a:xfrm>
-      </p:grpSpPr>
-      <p:sp>
-        <p:nvSpPr>
-          <p:cNvPr id="3" name="Title 2"/>
-          <p:cNvSpPr>
-            <a:spLocks noGrp="1"/>
-          </p:cNvSpPr>
-          <p:nvPr>
-            <p:ph type="title"/>
-          </p:nvPr>
-        </p:nvSpPr>
-        <p:spPr>
-          <a:xfrm>
-            <a:off x="339725" y="330200"/>
-            <a:ext cx="8450263" cy="378565"/>
-          </a:xfrm>
-        </p:spPr>
-        <p:txBody>
-          <a:bodyPr/>
-          <a:lstStyle/>
-          <a:p>
-            <a:pPr lvl="0">
-              <a:defRPr/>
-            </a:pPr>
-            <a:r>
-              <a:rPr lang="en-US" altLang="ko-KR" sz="2400" dirty="0"/>
-              <a:t>Current Progress – Convolutional Neural Network (CNN)</a:t>
-            </a:r>
-          </a:p>
-        </p:txBody>
-      </p:sp>
-      <p:sp>
-        <p:nvSpPr>
-          <p:cNvPr id="16" name="내용 개체 틀 15">
-            <a:extLst>
-              <a:ext uri="{FF2B5EF4-FFF2-40B4-BE49-F238E27FC236}">
-                <a16:creationId xmlns:a16="http://schemas.microsoft.com/office/drawing/2014/main" id="{09DD59F4-5D31-E398-91E4-8216F44DBCC2}"/>
-              </a:ext>
-            </a:extLst>
-          </p:cNvPr>
-          <p:cNvSpPr>
-            <a:spLocks noGrp="1"/>
-          </p:cNvSpPr>
-          <p:nvPr>
-            <p:ph idx="1"/>
-          </p:nvPr>
-        </p:nvSpPr>
-        <p:spPr/>
-        <p:txBody>
-          <a:bodyPr/>
-          <a:lstStyle/>
-          <a:p>
-            <a:r>
-              <a:rPr lang="en-US" sz="1600" dirty="0"/>
-              <a:t>Single-digit integer classification problem is done for the practice using MNIST data. </a:t>
-            </a:r>
-          </a:p>
-        </p:txBody>
-      </p:sp>
-      <p:pic>
-        <p:nvPicPr>
-          <p:cNvPr id="4" name="그림 3">
-            <a:extLst>
-              <a:ext uri="{FF2B5EF4-FFF2-40B4-BE49-F238E27FC236}">
-                <a16:creationId xmlns:a16="http://schemas.microsoft.com/office/drawing/2014/main" id="{FF2411BE-21C6-D377-DB63-02DDDB5608EE}"/>
-              </a:ext>
-            </a:extLst>
-          </p:cNvPr>
-          <p:cNvPicPr>
-            <a:picLocks noChangeAspect="1"/>
-          </p:cNvPicPr>
-          <p:nvPr/>
-        </p:nvPicPr>
-        <p:blipFill rotWithShape="1">
-          <a:blip r:embed="rId3"/>
-          <a:srcRect l="1947"/>
-          <a:stretch/>
-        </p:blipFill>
-        <p:spPr>
-          <a:xfrm>
-            <a:off x="71571" y="3635994"/>
-            <a:ext cx="8990614" cy="1850841"/>
-          </a:xfrm>
-          <a:prstGeom prst="rect">
-            <a:avLst/>
-          </a:prstGeom>
-        </p:spPr>
-      </p:pic>
-      <p:pic>
-        <p:nvPicPr>
-          <p:cNvPr id="2052" name="Picture 4">
-            <a:extLst>
-              <a:ext uri="{FF2B5EF4-FFF2-40B4-BE49-F238E27FC236}">
-                <a16:creationId xmlns:a16="http://schemas.microsoft.com/office/drawing/2014/main" id="{6BE4E71A-BA13-8BE0-D3B8-53BBBED31F34}"/>
-              </a:ext>
-            </a:extLst>
-          </p:cNvPr>
-          <p:cNvPicPr>
-            <a:picLocks noChangeAspect="1" noChangeArrowheads="1"/>
-          </p:cNvPicPr>
-          <p:nvPr/>
-        </p:nvPicPr>
-        <p:blipFill>
-          <a:blip r:embed="rId4">
-            <a:extLst>
-              <a:ext uri="{28A0092B-C50C-407E-A947-70E740481C1C}">
-                <a14:useLocalDpi xmlns:a14="http://schemas.microsoft.com/office/drawing/2010/main" val="0"/>
-              </a:ext>
-            </a:extLst>
-          </a:blip>
-          <a:srcRect/>
-          <a:stretch>
-            <a:fillRect/>
-          </a:stretch>
-        </p:blipFill>
-        <p:spPr bwMode="auto">
-          <a:xfrm>
-            <a:off x="213058" y="1592179"/>
-            <a:ext cx="2763537" cy="1945105"/>
-          </a:xfrm>
-          <a:prstGeom prst="rect">
-            <a:avLst/>
-          </a:prstGeom>
-          <a:noFill/>
-          <a:extLst>
-            <a:ext uri="{909E8E84-426E-40DD-AFC4-6F175D3DCCD1}">
-              <a14:hiddenFill xmlns:a14="http://schemas.microsoft.com/office/drawing/2010/main">
-                <a:solidFill>
-                  <a:srgbClr val="FFFFFF"/>
-                </a:solidFill>
-              </a14:hiddenFill>
-            </a:ext>
-          </a:extLst>
-        </p:spPr>
-      </p:pic>
-    </p:spTree>
-    <p:extLst>
-      <p:ext uri="{BB962C8B-B14F-4D97-AF65-F5344CB8AC3E}">
-        <p14:creationId xmlns:p14="http://schemas.microsoft.com/office/powerpoint/2010/main" val="1437640584"/>
-      </p:ext>
-    </p:extLst>
   </p:cSld>
   <p:clrMapOvr>
     <a:masterClrMapping/>
@@ -8515,262 +7275,6 @@
     <p:extLst>
       <p:ext uri="{BB962C8B-B14F-4D97-AF65-F5344CB8AC3E}">
         <p14:creationId xmlns:p14="http://schemas.microsoft.com/office/powerpoint/2010/main" val="4245134503"/>
-      </p:ext>
-    </p:extLst>
-  </p:cSld>
-  <p:clrMapOvr>
-    <a:masterClrMapping/>
-  </p:clrMapOvr>
-  <p:transition/>
-</p:sld>
-</file>
-
-<file path=ppt/slides/slide9.xml><?xml version="1.0" encoding="utf-8"?>
-<p:sld xmlns:a="http://schemas.openxmlformats.org/drawingml/2006/main" xmlns:r="http://schemas.openxmlformats.org/officeDocument/2006/relationships" xmlns:p="http://schemas.openxmlformats.org/presentationml/2006/main">
-  <p:cSld>
-    <p:spTree>
-      <p:nvGrpSpPr>
-        <p:cNvPr id="1" name=""/>
-        <p:cNvGrpSpPr/>
-        <p:nvPr/>
-      </p:nvGrpSpPr>
-      <p:grpSpPr>
-        <a:xfrm>
-          <a:off x="0" y="0"/>
-          <a:ext cx="0" cy="0"/>
-          <a:chOff x="0" y="0"/>
-          <a:chExt cx="0" cy="0"/>
-        </a:xfrm>
-      </p:grpSpPr>
-      <p:sp>
-        <p:nvSpPr>
-          <p:cNvPr id="3" name="Title 2"/>
-          <p:cNvSpPr>
-            <a:spLocks noGrp="1"/>
-          </p:cNvSpPr>
-          <p:nvPr>
-            <p:ph type="title"/>
-          </p:nvPr>
-        </p:nvSpPr>
-        <p:spPr>
-          <a:xfrm>
-            <a:off x="339725" y="330200"/>
-            <a:ext cx="8450263" cy="406265"/>
-          </a:xfrm>
-        </p:spPr>
-        <p:txBody>
-          <a:bodyPr wrap="square" anchor="t">
-            <a:normAutofit/>
-          </a:bodyPr>
-          <a:lstStyle/>
-          <a:p>
-            <a:pPr lvl="0">
-              <a:defRPr/>
-            </a:pPr>
-            <a:r>
-              <a:rPr lang="en-US" altLang="ko-KR"/>
-              <a:t>Current Progress – Recurrent Neural Network (RNN)</a:t>
-            </a:r>
-          </a:p>
-        </p:txBody>
-      </p:sp>
-      <p:pic>
-        <p:nvPicPr>
-          <p:cNvPr id="16" name="그림 15" descr="도표이(가) 표시된 사진&#10;&#10;자동 생성된 설명">
-            <a:extLst>
-              <a:ext uri="{FF2B5EF4-FFF2-40B4-BE49-F238E27FC236}">
-                <a16:creationId xmlns:a16="http://schemas.microsoft.com/office/drawing/2014/main" id="{B0838215-B39A-3B78-9A61-E51D18A772D8}"/>
-              </a:ext>
-            </a:extLst>
-          </p:cNvPr>
-          <p:cNvPicPr>
-            <a:picLocks noChangeAspect="1"/>
-          </p:cNvPicPr>
-          <p:nvPr/>
-        </p:nvPicPr>
-        <p:blipFill rotWithShape="1">
-          <a:blip r:embed="rId3"/>
-          <a:srcRect t="6492" r="-4" b="-4"/>
-          <a:stretch/>
-        </p:blipFill>
-        <p:spPr>
-          <a:xfrm>
-            <a:off x="346075" y="1400175"/>
-            <a:ext cx="3890963" cy="2037481"/>
-          </a:xfrm>
-          <a:prstGeom prst="rect">
-            <a:avLst/>
-          </a:prstGeom>
-          <a:noFill/>
-        </p:spPr>
-      </p:pic>
-      <p:sp>
-        <p:nvSpPr>
-          <p:cNvPr id="21" name="Content Placeholder 3">
-            <a:extLst>
-              <a:ext uri="{FF2B5EF4-FFF2-40B4-BE49-F238E27FC236}">
-                <a16:creationId xmlns:a16="http://schemas.microsoft.com/office/drawing/2014/main" id="{CF56F75C-E556-462C-67B2-A6D8ACD9BF40}"/>
-              </a:ext>
-            </a:extLst>
-          </p:cNvPr>
-          <p:cNvSpPr>
-            <a:spLocks noGrp="1"/>
-          </p:cNvSpPr>
-          <p:nvPr>
-            <p:ph sz="half" idx="2"/>
-          </p:nvPr>
-        </p:nvSpPr>
-        <p:spPr>
-          <a:xfrm>
-            <a:off x="4389438" y="1400175"/>
-            <a:ext cx="3892550" cy="3999598"/>
-          </a:xfrm>
-        </p:spPr>
-        <p:txBody>
-          <a:bodyPr/>
-          <a:lstStyle/>
-          <a:p>
-            <a:r>
-              <a:rPr lang="en-US" altLang="ko-KR" sz="1600" dirty="0"/>
-              <a:t>RNNs are a class of neural networks that allow previous outputs to be used as inputs while having hidden states.</a:t>
-            </a:r>
-          </a:p>
-          <a:p>
-            <a:endParaRPr lang="en-US" sz="1600" dirty="0"/>
-          </a:p>
-          <a:p>
-            <a:r>
-              <a:rPr lang="en-US" altLang="ko-KR" sz="1600" dirty="0"/>
-              <a:t>Computation takes into account the historical information.</a:t>
-            </a:r>
-          </a:p>
-          <a:p>
-            <a:endParaRPr lang="en-US" sz="1600" dirty="0"/>
-          </a:p>
-          <a:p>
-            <a:r>
-              <a:rPr lang="en-US" altLang="ko-KR" sz="1600" dirty="0"/>
-              <a:t>Application </a:t>
-            </a:r>
-          </a:p>
-          <a:p>
-            <a:pPr marL="0" indent="0">
-              <a:buNone/>
-            </a:pPr>
-            <a:r>
-              <a:rPr lang="en-US" altLang="ko-KR" sz="1600" dirty="0"/>
-              <a:t>- Prediction of the number of international airline passengers, based on the past data points.</a:t>
-            </a:r>
-            <a:endParaRPr lang="en-US" sz="1600" dirty="0"/>
-          </a:p>
-        </p:txBody>
-      </p:sp>
-      <p:cxnSp>
-        <p:nvCxnSpPr>
-          <p:cNvPr id="18" name="직선 화살표 연결선 17">
-            <a:extLst>
-              <a:ext uri="{FF2B5EF4-FFF2-40B4-BE49-F238E27FC236}">
-                <a16:creationId xmlns:a16="http://schemas.microsoft.com/office/drawing/2014/main" id="{124B5C65-F4A8-4B9D-3AC7-D586F55FE901}"/>
-              </a:ext>
-            </a:extLst>
-          </p:cNvPr>
-          <p:cNvCxnSpPr>
-            <a:cxnSpLocks/>
-          </p:cNvCxnSpPr>
-          <p:nvPr/>
-        </p:nvCxnSpPr>
-        <p:spPr>
-          <a:xfrm>
-            <a:off x="2743200" y="2600960"/>
-            <a:ext cx="883920" cy="1209040"/>
-          </a:xfrm>
-          <a:prstGeom prst="straightConnector1">
-            <a:avLst/>
-          </a:prstGeom>
-          <a:solidFill>
-            <a:schemeClr val="accent1"/>
-          </a:solidFill>
-          <a:ln w="9525" cap="flat" cmpd="sng" algn="ctr">
-            <a:solidFill>
-              <a:schemeClr val="tx1"/>
-            </a:solidFill>
-            <a:prstDash val="solid"/>
-            <a:round/>
-            <a:headEnd w="med" len="med"/>
-            <a:tailEnd type="triangle"/>
-          </a:ln>
-          <a:effectLst/>
-        </p:spPr>
-      </p:cxnSp>
-      <p:sp>
-        <p:nvSpPr>
-          <p:cNvPr id="22" name="TextBox 21">
-            <a:extLst>
-              <a:ext uri="{FF2B5EF4-FFF2-40B4-BE49-F238E27FC236}">
-                <a16:creationId xmlns:a16="http://schemas.microsoft.com/office/drawing/2014/main" id="{9D0CC611-6C78-FA77-C099-06B914954B5E}"/>
-              </a:ext>
-            </a:extLst>
-          </p:cNvPr>
-          <p:cNvSpPr txBox="1"/>
-          <p:nvPr/>
-        </p:nvSpPr>
-        <p:spPr>
-          <a:xfrm>
-            <a:off x="3018055" y="3810000"/>
-            <a:ext cx="1218983" cy="335346"/>
-          </a:xfrm>
-          <a:prstGeom prst="rect">
-            <a:avLst/>
-          </a:prstGeom>
-        </p:spPr>
-        <p:txBody>
-          <a:bodyPr wrap="square" rtlCol="0">
-            <a:spAutoFit/>
-          </a:bodyPr>
-          <a:lstStyle/>
-          <a:p>
-            <a:r>
-              <a:rPr lang="en-US" altLang="ko-KR" sz="1600" dirty="0"/>
-              <a:t>Two inputs</a:t>
-            </a:r>
-            <a:endParaRPr lang="en-US" sz="1600" dirty="0"/>
-          </a:p>
-        </p:txBody>
-      </p:sp>
-      <p:pic>
-        <p:nvPicPr>
-          <p:cNvPr id="4" name="그림 3">
-            <a:extLst>
-              <a:ext uri="{FF2B5EF4-FFF2-40B4-BE49-F238E27FC236}">
-                <a16:creationId xmlns:a16="http://schemas.microsoft.com/office/drawing/2014/main" id="{2843D770-B813-5AB0-CF31-BAB36C1CF075}"/>
-              </a:ext>
-            </a:extLst>
-          </p:cNvPr>
-          <p:cNvPicPr>
-            <a:picLocks noChangeAspect="1"/>
-          </p:cNvPicPr>
-          <p:nvPr/>
-        </p:nvPicPr>
-        <p:blipFill>
-          <a:blip r:embed="rId4"/>
-          <a:stretch>
-            <a:fillRect/>
-          </a:stretch>
-        </p:blipFill>
-        <p:spPr>
-          <a:xfrm>
-            <a:off x="465134" y="4517689"/>
-            <a:ext cx="6557458" cy="1545793"/>
-          </a:xfrm>
-          <a:prstGeom prst="rect">
-            <a:avLst/>
-          </a:prstGeom>
-        </p:spPr>
-      </p:pic>
-    </p:spTree>
-    <p:extLst>
-      <p:ext uri="{BB962C8B-B14F-4D97-AF65-F5344CB8AC3E}">
-        <p14:creationId xmlns:p14="http://schemas.microsoft.com/office/powerpoint/2010/main" val="2703243872"/>
       </p:ext>
     </p:extLst>
   </p:cSld>

--- a/meeting_slides/week3.pptx
+++ b/meeting_slides/week3.pptx
@@ -5,20 +5,22 @@
     <p:sldMasterId id="2147484163" r:id="rId1"/>
   </p:sldMasterIdLst>
   <p:notesMasterIdLst>
-    <p:notesMasterId r:id="rId10"/>
+    <p:notesMasterId r:id="rId12"/>
   </p:notesMasterIdLst>
   <p:handoutMasterIdLst>
-    <p:handoutMasterId r:id="rId11"/>
+    <p:handoutMasterId r:id="rId13"/>
   </p:handoutMasterIdLst>
   <p:sldIdLst>
     <p:sldId id="574" r:id="rId2"/>
     <p:sldId id="613" r:id="rId3"/>
-    <p:sldId id="635" r:id="rId4"/>
-    <p:sldId id="642" r:id="rId5"/>
+    <p:sldId id="642" r:id="rId4"/>
+    <p:sldId id="647" r:id="rId5"/>
     <p:sldId id="643" r:id="rId6"/>
-    <p:sldId id="644" r:id="rId7"/>
-    <p:sldId id="645" r:id="rId8"/>
-    <p:sldId id="646" r:id="rId9"/>
+    <p:sldId id="648" r:id="rId7"/>
+    <p:sldId id="649" r:id="rId8"/>
+    <p:sldId id="645" r:id="rId9"/>
+    <p:sldId id="650" r:id="rId10"/>
+    <p:sldId id="651" r:id="rId11"/>
   </p:sldIdLst>
   <p:sldSz cx="9144000" cy="6858000" type="screen4x3"/>
   <p:notesSz cx="7315200" cy="9601200"/>
@@ -183,7 +185,7 @@
 <file path=ppt/revisionInfo.xml><?xml version="1.0" encoding="utf-8"?>
 <p1510:revInfo xmlns:a="http://schemas.openxmlformats.org/drawingml/2006/main" xmlns:r="http://schemas.openxmlformats.org/officeDocument/2006/relationships" xmlns:p1510="http://schemas.microsoft.com/office/powerpoint/2015/10/main">
   <p1510:revLst>
-    <p1510:client id="{B54D5D76-889A-4C1B-862E-C7A97EE964FA}" v="8" dt="2023-06-08T18:07:55.684"/>
+    <p1510:client id="{B54D5D76-889A-4C1B-862E-C7A97EE964FA}" v="1277" dt="2023-06-15T16:38:04.812"/>
   </p1510:revLst>
 </p1510:revInfo>
 </file>
@@ -193,12 +195,12 @@
   <pc:docChgLst>
     <pc:chgData name="kwon o hwang" userId="9e01780f946e1363" providerId="LiveId" clId="{B54D5D76-889A-4C1B-862E-C7A97EE964FA}"/>
     <pc:docChg chg="undo custSel addSld delSld modSld">
-      <pc:chgData name="kwon o hwang" userId="9e01780f946e1363" providerId="LiveId" clId="{B54D5D76-889A-4C1B-862E-C7A97EE964FA}" dt="2023-06-12T18:54:16.014" v="1918" actId="47"/>
+      <pc:chgData name="kwon o hwang" userId="9e01780f946e1363" providerId="LiveId" clId="{B54D5D76-889A-4C1B-862E-C7A97EE964FA}" dt="2023-06-15T16:40:40.588" v="11370" actId="20577"/>
       <pc:docMkLst>
         <pc:docMk/>
       </pc:docMkLst>
-      <pc:sldChg chg="modSp mod">
-        <pc:chgData name="kwon o hwang" userId="9e01780f946e1363" providerId="LiveId" clId="{B54D5D76-889A-4C1B-862E-C7A97EE964FA}" dt="2023-06-12T18:53:30.319" v="1917" actId="20577"/>
+      <pc:sldChg chg="modSp mod modNotesTx">
+        <pc:chgData name="kwon o hwang" userId="9e01780f946e1363" providerId="LiveId" clId="{B54D5D76-889A-4C1B-862E-C7A97EE964FA}" dt="2023-06-15T01:40:24.797" v="3793" actId="20577"/>
         <pc:sldMkLst>
           <pc:docMk/>
           <pc:sldMk cId="0" sldId="574"/>
@@ -212,14 +214,14 @@
           </ac:spMkLst>
         </pc:spChg>
       </pc:sldChg>
-      <pc:sldChg chg="modSp mod">
-        <pc:chgData name="kwon o hwang" userId="9e01780f946e1363" providerId="LiveId" clId="{B54D5D76-889A-4C1B-862E-C7A97EE964FA}" dt="2023-06-08T17:33:11.031" v="125" actId="20577"/>
+      <pc:sldChg chg="modSp mod modNotesTx">
+        <pc:chgData name="kwon o hwang" userId="9e01780f946e1363" providerId="LiveId" clId="{B54D5D76-889A-4C1B-862E-C7A97EE964FA}" dt="2023-06-15T01:42:00.163" v="4177" actId="20577"/>
         <pc:sldMkLst>
           <pc:docMk/>
           <pc:sldMk cId="2735933210" sldId="613"/>
         </pc:sldMkLst>
         <pc:spChg chg="mod">
-          <ac:chgData name="kwon o hwang" userId="9e01780f946e1363" providerId="LiveId" clId="{B54D5D76-889A-4C1B-862E-C7A97EE964FA}" dt="2023-06-08T17:33:11.031" v="125" actId="20577"/>
+          <ac:chgData name="kwon o hwang" userId="9e01780f946e1363" providerId="LiveId" clId="{B54D5D76-889A-4C1B-862E-C7A97EE964FA}" dt="2023-06-15T00:33:55.299" v="2151" actId="20577"/>
           <ac:spMkLst>
             <pc:docMk/>
             <pc:sldMk cId="2735933210" sldId="613"/>
@@ -227,8 +229,8 @@
           </ac:spMkLst>
         </pc:spChg>
       </pc:sldChg>
-      <pc:sldChg chg="addSp delSp modSp mod">
-        <pc:chgData name="kwon o hwang" userId="9e01780f946e1363" providerId="LiveId" clId="{B54D5D76-889A-4C1B-862E-C7A97EE964FA}" dt="2023-06-08T17:42:48.432" v="318" actId="1076"/>
+      <pc:sldChg chg="addSp delSp modSp del mod">
+        <pc:chgData name="kwon o hwang" userId="9e01780f946e1363" providerId="LiveId" clId="{B54D5D76-889A-4C1B-862E-C7A97EE964FA}" dt="2023-06-15T00:40:39.889" v="2617" actId="47"/>
         <pc:sldMkLst>
           <pc:docMk/>
           <pc:sldMk cId="4114512567" sldId="635"/>
@@ -461,8 +463,8 @@
           <pc:sldMk cId="1610307617" sldId="641"/>
         </pc:sldMkLst>
       </pc:sldChg>
-      <pc:sldChg chg="addSp delSp modSp add mod">
-        <pc:chgData name="kwon o hwang" userId="9e01780f946e1363" providerId="LiveId" clId="{B54D5D76-889A-4C1B-862E-C7A97EE964FA}" dt="2023-06-08T17:51:47.872" v="953" actId="1076"/>
+      <pc:sldChg chg="addSp delSp modSp add mod modNotesTx">
+        <pc:chgData name="kwon o hwang" userId="9e01780f946e1363" providerId="LiveId" clId="{B54D5D76-889A-4C1B-862E-C7A97EE964FA}" dt="2023-06-15T01:50:48.222" v="4694" actId="2710"/>
         <pc:sldMkLst>
           <pc:docMk/>
           <pc:sldMk cId="1314629137" sldId="642"/>
@@ -484,15 +486,15 @@
           </ac:spMkLst>
         </pc:spChg>
         <pc:spChg chg="add mod">
-          <ac:chgData name="kwon o hwang" userId="9e01780f946e1363" providerId="LiveId" clId="{B54D5D76-889A-4C1B-862E-C7A97EE964FA}" dt="2023-06-08T17:51:40.868" v="952" actId="20577"/>
+          <ac:chgData name="kwon o hwang" userId="9e01780f946e1363" providerId="LiveId" clId="{B54D5D76-889A-4C1B-862E-C7A97EE964FA}" dt="2023-06-15T01:50:48.222" v="4694" actId="2710"/>
           <ac:spMkLst>
             <pc:docMk/>
             <pc:sldMk cId="1314629137" sldId="642"/>
             <ac:spMk id="6" creationId="{A6207B35-0340-12A4-6988-544FD03DE64A}"/>
           </ac:spMkLst>
         </pc:spChg>
-        <pc:spChg chg="add mod">
-          <ac:chgData name="kwon o hwang" userId="9e01780f946e1363" providerId="LiveId" clId="{B54D5D76-889A-4C1B-862E-C7A97EE964FA}" dt="2023-06-08T17:51:47.872" v="953" actId="1076"/>
+        <pc:spChg chg="add del mod">
+          <ac:chgData name="kwon o hwang" userId="9e01780f946e1363" providerId="LiveId" clId="{B54D5D76-889A-4C1B-862E-C7A97EE964FA}" dt="2023-06-15T00:35:00.166" v="2160" actId="478"/>
           <ac:spMkLst>
             <pc:docMk/>
             <pc:sldMk cId="1314629137" sldId="642"/>
@@ -523,16 +525,16 @@
             <ac:grpSpMk id="24" creationId="{3374DB3D-B214-A47B-5498-2901DFDCC110}"/>
           </ac:grpSpMkLst>
         </pc:grpChg>
-        <pc:picChg chg="add mod">
-          <ac:chgData name="kwon o hwang" userId="9e01780f946e1363" providerId="LiveId" clId="{B54D5D76-889A-4C1B-862E-C7A97EE964FA}" dt="2023-06-08T17:49:26.161" v="783" actId="1076"/>
+        <pc:picChg chg="add del mod">
+          <ac:chgData name="kwon o hwang" userId="9e01780f946e1363" providerId="LiveId" clId="{B54D5D76-889A-4C1B-862E-C7A97EE964FA}" dt="2023-06-15T01:50:42.189" v="4692" actId="478"/>
           <ac:picMkLst>
             <pc:docMk/>
             <pc:sldMk cId="1314629137" sldId="642"/>
             <ac:picMk id="14" creationId="{E9DF373F-1E1E-3469-9DF3-EF3C98C3DCC0}"/>
           </ac:picMkLst>
         </pc:picChg>
-        <pc:picChg chg="add mod">
-          <ac:chgData name="kwon o hwang" userId="9e01780f946e1363" providerId="LiveId" clId="{B54D5D76-889A-4C1B-862E-C7A97EE964FA}" dt="2023-06-08T17:49:26.161" v="783" actId="1076"/>
+        <pc:picChg chg="add del mod">
+          <ac:chgData name="kwon o hwang" userId="9e01780f946e1363" providerId="LiveId" clId="{B54D5D76-889A-4C1B-862E-C7A97EE964FA}" dt="2023-06-15T01:50:42.749" v="4693" actId="478"/>
           <ac:picMkLst>
             <pc:docMk/>
             <pc:sldMk cId="1314629137" sldId="642"/>
@@ -596,26 +598,58 @@
           </ac:cxnSpMkLst>
         </pc:cxnChg>
       </pc:sldChg>
-      <pc:sldChg chg="delSp modSp add mod">
-        <pc:chgData name="kwon o hwang" userId="9e01780f946e1363" providerId="LiveId" clId="{B54D5D76-889A-4C1B-862E-C7A97EE964FA}" dt="2023-06-08T18:00:51.931" v="1621" actId="20577"/>
+      <pc:sldChg chg="addSp delSp modSp add mod modNotesTx">
+        <pc:chgData name="kwon o hwang" userId="9e01780f946e1363" providerId="LiveId" clId="{B54D5D76-889A-4C1B-862E-C7A97EE964FA}" dt="2023-06-15T02:01:17.180" v="6647" actId="20577"/>
         <pc:sldMkLst>
           <pc:docMk/>
           <pc:sldMk cId="667025008" sldId="643"/>
         </pc:sldMkLst>
+        <pc:spChg chg="add mod">
+          <ac:chgData name="kwon o hwang" userId="9e01780f946e1363" providerId="LiveId" clId="{B54D5D76-889A-4C1B-862E-C7A97EE964FA}" dt="2023-06-15T00:43:51.902" v="2784"/>
+          <ac:spMkLst>
+            <pc:docMk/>
+            <pc:sldMk cId="667025008" sldId="643"/>
+            <ac:spMk id="2" creationId="{658F8EC0-5F85-67C1-FCCF-B0CC06CFCAC8}"/>
+          </ac:spMkLst>
+        </pc:spChg>
         <pc:spChg chg="mod">
-          <ac:chgData name="kwon o hwang" userId="9e01780f946e1363" providerId="LiveId" clId="{B54D5D76-889A-4C1B-862E-C7A97EE964FA}" dt="2023-06-08T17:52:22.976" v="967" actId="20577"/>
+          <ac:chgData name="kwon o hwang" userId="9e01780f946e1363" providerId="LiveId" clId="{B54D5D76-889A-4C1B-862E-C7A97EE964FA}" dt="2023-06-15T00:40:52.957" v="2646"/>
           <ac:spMkLst>
             <pc:docMk/>
             <pc:sldMk cId="667025008" sldId="643"/>
             <ac:spMk id="3" creationId="{00000000-0000-0000-0000-000000000000}"/>
           </ac:spMkLst>
         </pc:spChg>
+        <pc:spChg chg="add mod">
+          <ac:chgData name="kwon o hwang" userId="9e01780f946e1363" providerId="LiveId" clId="{B54D5D76-889A-4C1B-862E-C7A97EE964FA}" dt="2023-06-15T00:44:14.620" v="2788" actId="14100"/>
+          <ac:spMkLst>
+            <pc:docMk/>
+            <pc:sldMk cId="667025008" sldId="643"/>
+            <ac:spMk id="4" creationId="{D68CD9C1-8622-A032-C10B-507625038224}"/>
+          </ac:spMkLst>
+        </pc:spChg>
+        <pc:spChg chg="add mod">
+          <ac:chgData name="kwon o hwang" userId="9e01780f946e1363" providerId="LiveId" clId="{B54D5D76-889A-4C1B-862E-C7A97EE964FA}" dt="2023-06-15T00:43:43.473" v="2780"/>
+          <ac:spMkLst>
+            <pc:docMk/>
+            <pc:sldMk cId="667025008" sldId="643"/>
+            <ac:spMk id="5" creationId="{0677C807-1622-2E45-C538-B4D23300C8F7}"/>
+          </ac:spMkLst>
+        </pc:spChg>
         <pc:spChg chg="mod">
-          <ac:chgData name="kwon o hwang" userId="9e01780f946e1363" providerId="LiveId" clId="{B54D5D76-889A-4C1B-862E-C7A97EE964FA}" dt="2023-06-08T18:00:51.931" v="1621" actId="20577"/>
+          <ac:chgData name="kwon o hwang" userId="9e01780f946e1363" providerId="LiveId" clId="{B54D5D76-889A-4C1B-862E-C7A97EE964FA}" dt="2023-06-15T00:42:11.085" v="2657" actId="1076"/>
           <ac:spMkLst>
             <pc:docMk/>
             <pc:sldMk cId="667025008" sldId="643"/>
             <ac:spMk id="6" creationId="{A6207B35-0340-12A4-6988-544FD03DE64A}"/>
+          </ac:spMkLst>
+        </pc:spChg>
+        <pc:spChg chg="add mod">
+          <ac:chgData name="kwon o hwang" userId="9e01780f946e1363" providerId="LiveId" clId="{B54D5D76-889A-4C1B-862E-C7A97EE964FA}" dt="2023-06-15T00:45:31.354" v="2815"/>
+          <ac:spMkLst>
+            <pc:docMk/>
+            <pc:sldMk cId="667025008" sldId="643"/>
+            <ac:spMk id="7" creationId="{002059B9-F4A1-3BBE-203D-76938140D1F1}"/>
           </ac:spMkLst>
         </pc:spChg>
         <pc:spChg chg="del">
@@ -642,31 +676,55 @@
             <ac:picMk id="18" creationId="{A486CA49-FBF7-43F1-C15F-DD2513FC9D0B}"/>
           </ac:picMkLst>
         </pc:picChg>
+        <pc:picChg chg="add mod">
+          <ac:chgData name="kwon o hwang" userId="9e01780f946e1363" providerId="LiveId" clId="{B54D5D76-889A-4C1B-862E-C7A97EE964FA}" dt="2023-06-15T00:42:17.098" v="2660" actId="1076"/>
+          <ac:picMkLst>
+            <pc:docMk/>
+            <pc:sldMk cId="667025008" sldId="643"/>
+            <ac:picMk id="1026" creationId="{48DB61B4-3350-3417-2998-5DBDEF2E6C23}"/>
+          </ac:picMkLst>
+        </pc:picChg>
+        <pc:picChg chg="add mod">
+          <ac:chgData name="kwon o hwang" userId="9e01780f946e1363" providerId="LiveId" clId="{B54D5D76-889A-4C1B-862E-C7A97EE964FA}" dt="2023-06-15T00:44:11.764" v="2787" actId="1076"/>
+          <ac:picMkLst>
+            <pc:docMk/>
+            <pc:sldMk cId="667025008" sldId="643"/>
+            <ac:picMk id="1028" creationId="{66BA177C-23F5-8D53-B661-52E7F3B43664}"/>
+          </ac:picMkLst>
+        </pc:picChg>
       </pc:sldChg>
-      <pc:sldChg chg="addSp delSp modSp add mod">
-        <pc:chgData name="kwon o hwang" userId="9e01780f946e1363" providerId="LiveId" clId="{B54D5D76-889A-4C1B-862E-C7A97EE964FA}" dt="2023-06-08T18:05:47.158" v="1823" actId="478"/>
+      <pc:sldChg chg="addSp delSp modSp add del mod">
+        <pc:chgData name="kwon o hwang" userId="9e01780f946e1363" providerId="LiveId" clId="{B54D5D76-889A-4C1B-862E-C7A97EE964FA}" dt="2023-06-15T02:05:46.931" v="7086" actId="47"/>
         <pc:sldMkLst>
           <pc:docMk/>
           <pc:sldMk cId="464984048" sldId="644"/>
         </pc:sldMkLst>
         <pc:spChg chg="mod">
-          <ac:chgData name="kwon o hwang" userId="9e01780f946e1363" providerId="LiveId" clId="{B54D5D76-889A-4C1B-862E-C7A97EE964FA}" dt="2023-06-08T18:01:24.727" v="1672" actId="20577"/>
+          <ac:chgData name="kwon o hwang" userId="9e01780f946e1363" providerId="LiveId" clId="{B54D5D76-889A-4C1B-862E-C7A97EE964FA}" dt="2023-06-15T00:49:10.281" v="2963"/>
           <ac:spMkLst>
             <pc:docMk/>
             <pc:sldMk cId="464984048" sldId="644"/>
             <ac:spMk id="3" creationId="{00000000-0000-0000-0000-000000000000}"/>
           </ac:spMkLst>
         </pc:spChg>
-        <pc:spChg chg="mod">
-          <ac:chgData name="kwon o hwang" userId="9e01780f946e1363" providerId="LiveId" clId="{B54D5D76-889A-4C1B-862E-C7A97EE964FA}" dt="2023-06-08T18:03:02.506" v="1818" actId="20577"/>
+        <pc:spChg chg="add del mod">
+          <ac:chgData name="kwon o hwang" userId="9e01780f946e1363" providerId="LiveId" clId="{B54D5D76-889A-4C1B-862E-C7A97EE964FA}" dt="2023-06-15T00:49:51.833" v="2967" actId="478"/>
+          <ac:spMkLst>
+            <pc:docMk/>
+            <pc:sldMk cId="464984048" sldId="644"/>
+            <ac:spMk id="5" creationId="{E7B7CA1C-287B-D95E-3763-8995A129B947}"/>
+          </ac:spMkLst>
+        </pc:spChg>
+        <pc:spChg chg="del mod">
+          <ac:chgData name="kwon o hwang" userId="9e01780f946e1363" providerId="LiveId" clId="{B54D5D76-889A-4C1B-862E-C7A97EE964FA}" dt="2023-06-15T00:49:13.906" v="2965" actId="478"/>
           <ac:spMkLst>
             <pc:docMk/>
             <pc:sldMk cId="464984048" sldId="644"/>
             <ac:spMk id="6" creationId="{A6207B35-0340-12A4-6988-544FD03DE64A}"/>
           </ac:spMkLst>
         </pc:spChg>
-        <pc:picChg chg="add mod">
-          <ac:chgData name="kwon o hwang" userId="9e01780f946e1363" providerId="LiveId" clId="{B54D5D76-889A-4C1B-862E-C7A97EE964FA}" dt="2023-06-08T18:03:07.001" v="1821" actId="14100"/>
+        <pc:picChg chg="add del mod">
+          <ac:chgData name="kwon o hwang" userId="9e01780f946e1363" providerId="LiveId" clId="{B54D5D76-889A-4C1B-862E-C7A97EE964FA}" dt="2023-06-15T00:49:12.065" v="2964" actId="478"/>
           <ac:picMkLst>
             <pc:docMk/>
             <pc:sldMk cId="464984048" sldId="644"/>
@@ -681,24 +739,88 @@
             <ac:picMk id="7" creationId="{111A42E6-7741-3D41-2A2E-AEA2A0514BDD}"/>
           </ac:picMkLst>
         </pc:picChg>
+        <pc:picChg chg="add mod">
+          <ac:chgData name="kwon o hwang" userId="9e01780f946e1363" providerId="LiveId" clId="{B54D5D76-889A-4C1B-862E-C7A97EE964FA}" dt="2023-06-15T01:29:16.629" v="3430" actId="1076"/>
+          <ac:picMkLst>
+            <pc:docMk/>
+            <pc:sldMk cId="464984048" sldId="644"/>
+            <ac:picMk id="8" creationId="{8ECA9DEC-7BB8-4AEA-733C-3AC42690A7D8}"/>
+          </ac:picMkLst>
+        </pc:picChg>
       </pc:sldChg>
-      <pc:sldChg chg="modSp add mod">
-        <pc:chgData name="kwon o hwang" userId="9e01780f946e1363" providerId="LiveId" clId="{B54D5D76-889A-4C1B-862E-C7A97EE964FA}" dt="2023-06-08T18:05:58.516" v="1847" actId="20577"/>
+      <pc:sldChg chg="addSp delSp modSp add mod modNotesTx">
+        <pc:chgData name="kwon o hwang" userId="9e01780f946e1363" providerId="LiveId" clId="{B54D5D76-889A-4C1B-862E-C7A97EE964FA}" dt="2023-06-15T16:40:40.588" v="11370" actId="20577"/>
         <pc:sldMkLst>
           <pc:docMk/>
           <pc:sldMk cId="2652540399" sldId="645"/>
         </pc:sldMkLst>
+        <pc:spChg chg="add mod">
+          <ac:chgData name="kwon o hwang" userId="9e01780f946e1363" providerId="LiveId" clId="{B54D5D76-889A-4C1B-862E-C7A97EE964FA}" dt="2023-06-15T14:56:03.649" v="8522" actId="1076"/>
+          <ac:spMkLst>
+            <pc:docMk/>
+            <pc:sldMk cId="2652540399" sldId="645"/>
+            <ac:spMk id="2" creationId="{050C8D1F-A622-4438-9EFA-119FDA42BA3B}"/>
+          </ac:spMkLst>
+        </pc:spChg>
         <pc:spChg chg="mod">
-          <ac:chgData name="kwon o hwang" userId="9e01780f946e1363" providerId="LiveId" clId="{B54D5D76-889A-4C1B-862E-C7A97EE964FA}" dt="2023-06-08T18:05:58.516" v="1847" actId="20577"/>
+          <ac:chgData name="kwon o hwang" userId="9e01780f946e1363" providerId="LiveId" clId="{B54D5D76-889A-4C1B-862E-C7A97EE964FA}" dt="2023-06-15T01:27:04.004" v="3265"/>
           <ac:spMkLst>
             <pc:docMk/>
             <pc:sldMk cId="2652540399" sldId="645"/>
             <ac:spMk id="3" creationId="{00000000-0000-0000-0000-000000000000}"/>
           </ac:spMkLst>
         </pc:spChg>
+        <pc:spChg chg="add mod">
+          <ac:chgData name="kwon o hwang" userId="9e01780f946e1363" providerId="LiveId" clId="{B54D5D76-889A-4C1B-862E-C7A97EE964FA}" dt="2023-06-15T14:56:11.303" v="8525" actId="1076"/>
+          <ac:spMkLst>
+            <pc:docMk/>
+            <pc:sldMk cId="2652540399" sldId="645"/>
+            <ac:spMk id="4" creationId="{A5C42E6E-2D8C-86B3-5C93-4031DCD24196}"/>
+          </ac:spMkLst>
+        </pc:spChg>
+        <pc:spChg chg="mod">
+          <ac:chgData name="kwon o hwang" userId="9e01780f946e1363" providerId="LiveId" clId="{B54D5D76-889A-4C1B-862E-C7A97EE964FA}" dt="2023-06-15T14:52:28.447" v="8314" actId="14100"/>
+          <ac:spMkLst>
+            <pc:docMk/>
+            <pc:sldMk cId="2652540399" sldId="645"/>
+            <ac:spMk id="6" creationId="{A6207B35-0340-12A4-6988-544FD03DE64A}"/>
+          </ac:spMkLst>
+        </pc:spChg>
+        <pc:spChg chg="add del">
+          <ac:chgData name="kwon o hwang" userId="9e01780f946e1363" providerId="LiveId" clId="{B54D5D76-889A-4C1B-862E-C7A97EE964FA}" dt="2023-06-15T16:20:24.304" v="10357" actId="478"/>
+          <ac:spMkLst>
+            <pc:docMk/>
+            <pc:sldMk cId="2652540399" sldId="645"/>
+            <ac:spMk id="7" creationId="{C65821DE-7FF3-ED93-B358-CD470158B9A4}"/>
+          </ac:spMkLst>
+        </pc:spChg>
+        <pc:spChg chg="add">
+          <ac:chgData name="kwon o hwang" userId="9e01780f946e1363" providerId="LiveId" clId="{B54D5D76-889A-4C1B-862E-C7A97EE964FA}" dt="2023-06-15T16:20:33.371" v="10358" actId="22"/>
+          <ac:spMkLst>
+            <pc:docMk/>
+            <pc:sldMk cId="2652540399" sldId="645"/>
+            <ac:spMk id="9" creationId="{15476BBF-1F10-B1B5-F46C-D135265D9F37}"/>
+          </ac:spMkLst>
+        </pc:spChg>
+        <pc:picChg chg="del">
+          <ac:chgData name="kwon o hwang" userId="9e01780f946e1363" providerId="LiveId" clId="{B54D5D76-889A-4C1B-862E-C7A97EE964FA}" dt="2023-06-15T01:27:05.119" v="3266" actId="478"/>
+          <ac:picMkLst>
+            <pc:docMk/>
+            <pc:sldMk cId="2652540399" sldId="645"/>
+            <ac:picMk id="4" creationId="{088A7E58-C6A3-F352-3A60-0BC28EB25176}"/>
+          </ac:picMkLst>
+        </pc:picChg>
+        <pc:picChg chg="add mod">
+          <ac:chgData name="kwon o hwang" userId="9e01780f946e1363" providerId="LiveId" clId="{B54D5D76-889A-4C1B-862E-C7A97EE964FA}" dt="2023-06-15T14:56:06" v="8523" actId="1076"/>
+          <ac:picMkLst>
+            <pc:docMk/>
+            <pc:sldMk cId="2652540399" sldId="645"/>
+            <ac:picMk id="1026" creationId="{CBC7E918-9BFF-92B3-8C40-BB1C1E2EA4C8}"/>
+          </ac:picMkLst>
+        </pc:picChg>
       </pc:sldChg>
-      <pc:sldChg chg="modSp add mod">
-        <pc:chgData name="kwon o hwang" userId="9e01780f946e1363" providerId="LiveId" clId="{B54D5D76-889A-4C1B-862E-C7A97EE964FA}" dt="2023-06-08T18:08:30.769" v="1915" actId="20577"/>
+      <pc:sldChg chg="modSp add del mod">
+        <pc:chgData name="kwon o hwang" userId="9e01780f946e1363" providerId="LiveId" clId="{B54D5D76-889A-4C1B-862E-C7A97EE964FA}" dt="2023-06-15T01:39:43.275" v="3632" actId="47"/>
         <pc:sldMkLst>
           <pc:docMk/>
           <pc:sldMk cId="4245134503" sldId="646"/>
@@ -711,6 +833,385 @@
             <ac:spMk id="3" creationId="{00000000-0000-0000-0000-000000000000}"/>
           </ac:spMkLst>
         </pc:spChg>
+      </pc:sldChg>
+      <pc:sldChg chg="delSp modSp add mod modNotesTx">
+        <pc:chgData name="kwon o hwang" userId="9e01780f946e1363" providerId="LiveId" clId="{B54D5D76-889A-4C1B-862E-C7A97EE964FA}" dt="2023-06-15T01:57:32.636" v="5998" actId="20577"/>
+        <pc:sldMkLst>
+          <pc:docMk/>
+          <pc:sldMk cId="2472056223" sldId="647"/>
+        </pc:sldMkLst>
+        <pc:spChg chg="mod">
+          <ac:chgData name="kwon o hwang" userId="9e01780f946e1363" providerId="LiveId" clId="{B54D5D76-889A-4C1B-862E-C7A97EE964FA}" dt="2023-06-15T00:35:38.907" v="2209" actId="20577"/>
+          <ac:spMkLst>
+            <pc:docMk/>
+            <pc:sldMk cId="2472056223" sldId="647"/>
+            <ac:spMk id="3" creationId="{00000000-0000-0000-0000-000000000000}"/>
+          </ac:spMkLst>
+        </pc:spChg>
+        <pc:spChg chg="mod">
+          <ac:chgData name="kwon o hwang" userId="9e01780f946e1363" providerId="LiveId" clId="{B54D5D76-889A-4C1B-862E-C7A97EE964FA}" dt="2023-06-15T00:40:21.832" v="2616" actId="20577"/>
+          <ac:spMkLst>
+            <pc:docMk/>
+            <pc:sldMk cId="2472056223" sldId="647"/>
+            <ac:spMk id="6" creationId="{A6207B35-0340-12A4-6988-544FD03DE64A}"/>
+          </ac:spMkLst>
+        </pc:spChg>
+        <pc:picChg chg="del">
+          <ac:chgData name="kwon o hwang" userId="9e01780f946e1363" providerId="LiveId" clId="{B54D5D76-889A-4C1B-862E-C7A97EE964FA}" dt="2023-06-15T00:35:41.910" v="2210" actId="478"/>
+          <ac:picMkLst>
+            <pc:docMk/>
+            <pc:sldMk cId="2472056223" sldId="647"/>
+            <ac:picMk id="14" creationId="{E9DF373F-1E1E-3469-9DF3-EF3C98C3DCC0}"/>
+          </ac:picMkLst>
+        </pc:picChg>
+        <pc:picChg chg="del">
+          <ac:chgData name="kwon o hwang" userId="9e01780f946e1363" providerId="LiveId" clId="{B54D5D76-889A-4C1B-862E-C7A97EE964FA}" dt="2023-06-15T00:35:42.273" v="2211" actId="478"/>
+          <ac:picMkLst>
+            <pc:docMk/>
+            <pc:sldMk cId="2472056223" sldId="647"/>
+            <ac:picMk id="18" creationId="{A486CA49-FBF7-43F1-C15F-DD2513FC9D0B}"/>
+          </ac:picMkLst>
+        </pc:picChg>
+      </pc:sldChg>
+      <pc:sldChg chg="addSp delSp modSp add mod modNotesTx">
+        <pc:chgData name="kwon o hwang" userId="9e01780f946e1363" providerId="LiveId" clId="{B54D5D76-889A-4C1B-862E-C7A97EE964FA}" dt="2023-06-15T02:05:39.473" v="7085" actId="20577"/>
+        <pc:sldMkLst>
+          <pc:docMk/>
+          <pc:sldMk cId="1874338634" sldId="648"/>
+        </pc:sldMkLst>
+        <pc:spChg chg="mod">
+          <ac:chgData name="kwon o hwang" userId="9e01780f946e1363" providerId="LiveId" clId="{B54D5D76-889A-4C1B-862E-C7A97EE964FA}" dt="2023-06-15T00:48:39.876" v="2921" actId="1076"/>
+          <ac:spMkLst>
+            <pc:docMk/>
+            <pc:sldMk cId="1874338634" sldId="648"/>
+            <ac:spMk id="2" creationId="{658F8EC0-5F85-67C1-FCCF-B0CC06CFCAC8}"/>
+          </ac:spMkLst>
+        </pc:spChg>
+        <pc:spChg chg="mod">
+          <ac:chgData name="kwon o hwang" userId="9e01780f946e1363" providerId="LiveId" clId="{B54D5D76-889A-4C1B-862E-C7A97EE964FA}" dt="2023-06-15T00:45:53.740" v="2876" actId="20577"/>
+          <ac:spMkLst>
+            <pc:docMk/>
+            <pc:sldMk cId="1874338634" sldId="648"/>
+            <ac:spMk id="3" creationId="{00000000-0000-0000-0000-000000000000}"/>
+          </ac:spMkLst>
+        </pc:spChg>
+        <pc:spChg chg="mod">
+          <ac:chgData name="kwon o hwang" userId="9e01780f946e1363" providerId="LiveId" clId="{B54D5D76-889A-4C1B-862E-C7A97EE964FA}" dt="2023-06-15T00:48:39.876" v="2921" actId="1076"/>
+          <ac:spMkLst>
+            <pc:docMk/>
+            <pc:sldMk cId="1874338634" sldId="648"/>
+            <ac:spMk id="4" creationId="{D68CD9C1-8622-A032-C10B-507625038224}"/>
+          </ac:spMkLst>
+        </pc:spChg>
+        <pc:spChg chg="mod">
+          <ac:chgData name="kwon o hwang" userId="9e01780f946e1363" providerId="LiveId" clId="{B54D5D76-889A-4C1B-862E-C7A97EE964FA}" dt="2023-06-15T00:48:39.876" v="2921" actId="1076"/>
+          <ac:spMkLst>
+            <pc:docMk/>
+            <pc:sldMk cId="1874338634" sldId="648"/>
+            <ac:spMk id="5" creationId="{0677C807-1622-2E45-C538-B4D23300C8F7}"/>
+          </ac:spMkLst>
+        </pc:spChg>
+        <pc:spChg chg="del">
+          <ac:chgData name="kwon o hwang" userId="9e01780f946e1363" providerId="LiveId" clId="{B54D5D76-889A-4C1B-862E-C7A97EE964FA}" dt="2023-06-15T00:46:27.672" v="2910" actId="478"/>
+          <ac:spMkLst>
+            <pc:docMk/>
+            <pc:sldMk cId="1874338634" sldId="648"/>
+            <ac:spMk id="7" creationId="{002059B9-F4A1-3BBE-203D-76938140D1F1}"/>
+          </ac:spMkLst>
+        </pc:spChg>
+        <pc:spChg chg="add del mod">
+          <ac:chgData name="kwon o hwang" userId="9e01780f946e1363" providerId="LiveId" clId="{B54D5D76-889A-4C1B-862E-C7A97EE964FA}" dt="2023-06-15T00:47:52.815" v="2916" actId="478"/>
+          <ac:spMkLst>
+            <pc:docMk/>
+            <pc:sldMk cId="1874338634" sldId="648"/>
+            <ac:spMk id="9" creationId="{4E8E8EFD-5BCE-0519-9BC9-2BEA97E8889F}"/>
+          </ac:spMkLst>
+        </pc:spChg>
+        <pc:spChg chg="add mod">
+          <ac:chgData name="kwon o hwang" userId="9e01780f946e1363" providerId="LiveId" clId="{B54D5D76-889A-4C1B-862E-C7A97EE964FA}" dt="2023-06-15T02:03:41.620" v="6982" actId="1076"/>
+          <ac:spMkLst>
+            <pc:docMk/>
+            <pc:sldMk cId="1874338634" sldId="648"/>
+            <ac:spMk id="10" creationId="{5F171F31-7D02-F791-F01D-A3F5AF25DBBA}"/>
+          </ac:spMkLst>
+        </pc:spChg>
+        <pc:spChg chg="add mod">
+          <ac:chgData name="kwon o hwang" userId="9e01780f946e1363" providerId="LiveId" clId="{B54D5D76-889A-4C1B-862E-C7A97EE964FA}" dt="2023-06-15T02:04:02.748" v="6997" actId="1076"/>
+          <ac:spMkLst>
+            <pc:docMk/>
+            <pc:sldMk cId="1874338634" sldId="648"/>
+            <ac:spMk id="14" creationId="{5162393A-53FB-4888-4461-22CE34121551}"/>
+          </ac:spMkLst>
+        </pc:spChg>
+        <pc:spChg chg="mod">
+          <ac:chgData name="kwon o hwang" userId="9e01780f946e1363" providerId="LiveId" clId="{B54D5D76-889A-4C1B-862E-C7A97EE964FA}" dt="2023-06-15T00:48:34.139" v="2920" actId="1076"/>
+          <ac:spMkLst>
+            <pc:docMk/>
+            <pc:sldMk cId="1874338634" sldId="648"/>
+            <ac:spMk id="25" creationId="{78B6002A-9D14-3CD0-1C5C-ACA073463DB2}"/>
+          </ac:spMkLst>
+        </pc:spChg>
+        <pc:picChg chg="add mod">
+          <ac:chgData name="kwon o hwang" userId="9e01780f946e1363" providerId="LiveId" clId="{B54D5D76-889A-4C1B-862E-C7A97EE964FA}" dt="2023-06-15T00:48:54.140" v="2923" actId="1076"/>
+          <ac:picMkLst>
+            <pc:docMk/>
+            <pc:sldMk cId="1874338634" sldId="648"/>
+            <ac:picMk id="11" creationId="{9C8BE66D-0058-EABD-8FDF-AD96A8776F90}"/>
+          </ac:picMkLst>
+        </pc:picChg>
+        <pc:picChg chg="mod">
+          <ac:chgData name="kwon o hwang" userId="9e01780f946e1363" providerId="LiveId" clId="{B54D5D76-889A-4C1B-862E-C7A97EE964FA}" dt="2023-06-15T00:48:39.876" v="2921" actId="1076"/>
+          <ac:picMkLst>
+            <pc:docMk/>
+            <pc:sldMk cId="1874338634" sldId="648"/>
+            <ac:picMk id="1026" creationId="{48DB61B4-3350-3417-2998-5DBDEF2E6C23}"/>
+          </ac:picMkLst>
+        </pc:picChg>
+        <pc:picChg chg="mod">
+          <ac:chgData name="kwon o hwang" userId="9e01780f946e1363" providerId="LiveId" clId="{B54D5D76-889A-4C1B-862E-C7A97EE964FA}" dt="2023-06-15T00:48:39.876" v="2921" actId="1076"/>
+          <ac:picMkLst>
+            <pc:docMk/>
+            <pc:sldMk cId="1874338634" sldId="648"/>
+            <ac:picMk id="1028" creationId="{66BA177C-23F5-8D53-B661-52E7F3B43664}"/>
+          </ac:picMkLst>
+        </pc:picChg>
+        <pc:cxnChg chg="add mod">
+          <ac:chgData name="kwon o hwang" userId="9e01780f946e1363" providerId="LiveId" clId="{B54D5D76-889A-4C1B-862E-C7A97EE964FA}" dt="2023-06-15T02:03:08.006" v="6948" actId="208"/>
+          <ac:cxnSpMkLst>
+            <pc:docMk/>
+            <pc:sldMk cId="1874338634" sldId="648"/>
+            <ac:cxnSpMk id="8" creationId="{4364DBA3-3848-9D58-8E9B-5321319C89EA}"/>
+          </ac:cxnSpMkLst>
+        </pc:cxnChg>
+        <pc:cxnChg chg="add mod">
+          <ac:chgData name="kwon o hwang" userId="9e01780f946e1363" providerId="LiveId" clId="{B54D5D76-889A-4C1B-862E-C7A97EE964FA}" dt="2023-06-15T02:03:49.708" v="6984" actId="14100"/>
+          <ac:cxnSpMkLst>
+            <pc:docMk/>
+            <pc:sldMk cId="1874338634" sldId="648"/>
+            <ac:cxnSpMk id="12" creationId="{35DF6363-C510-CF08-E3D5-97F3B213D033}"/>
+          </ac:cxnSpMkLst>
+        </pc:cxnChg>
+      </pc:sldChg>
+      <pc:sldChg chg="addSp delSp modSp add mod modNotesTx">
+        <pc:chgData name="kwon o hwang" userId="9e01780f946e1363" providerId="LiveId" clId="{B54D5D76-889A-4C1B-862E-C7A97EE964FA}" dt="2023-06-15T02:10:41.383" v="8174" actId="20577"/>
+        <pc:sldMkLst>
+          <pc:docMk/>
+          <pc:sldMk cId="1122257976" sldId="649"/>
+        </pc:sldMkLst>
+        <pc:spChg chg="add mod">
+          <ac:chgData name="kwon o hwang" userId="9e01780f946e1363" providerId="LiveId" clId="{B54D5D76-889A-4C1B-862E-C7A97EE964FA}" dt="2023-06-15T01:07:10.703" v="3160"/>
+          <ac:spMkLst>
+            <pc:docMk/>
+            <pc:sldMk cId="1122257976" sldId="649"/>
+            <ac:spMk id="2" creationId="{EF24A619-2EED-226B-3C78-8A0F1FC94C7E}"/>
+          </ac:spMkLst>
+        </pc:spChg>
+        <pc:spChg chg="add mod">
+          <ac:chgData name="kwon o hwang" userId="9e01780f946e1363" providerId="LiveId" clId="{B54D5D76-889A-4C1B-862E-C7A97EE964FA}" dt="2023-06-15T00:56:33.155" v="3099" actId="1076"/>
+          <ac:spMkLst>
+            <pc:docMk/>
+            <pc:sldMk cId="1122257976" sldId="649"/>
+            <ac:spMk id="4" creationId="{C758686D-36A8-3A1E-E29B-04568F95D864}"/>
+          </ac:spMkLst>
+        </pc:spChg>
+        <pc:spChg chg="add del mod">
+          <ac:chgData name="kwon o hwang" userId="9e01780f946e1363" providerId="LiveId" clId="{B54D5D76-889A-4C1B-862E-C7A97EE964FA}" dt="2023-06-15T01:00:41.824" v="3104" actId="478"/>
+          <ac:spMkLst>
+            <pc:docMk/>
+            <pc:sldMk cId="1122257976" sldId="649"/>
+            <ac:spMk id="5" creationId="{7F539C08-AD29-05B7-8436-47517C9E7CAC}"/>
+          </ac:spMkLst>
+        </pc:spChg>
+        <pc:spChg chg="add mod">
+          <ac:chgData name="kwon o hwang" userId="9e01780f946e1363" providerId="LiveId" clId="{B54D5D76-889A-4C1B-862E-C7A97EE964FA}" dt="2023-06-15T01:39:32.603" v="3630" actId="1076"/>
+          <ac:spMkLst>
+            <pc:docMk/>
+            <pc:sldMk cId="1122257976" sldId="649"/>
+            <ac:spMk id="5" creationId="{A6DC753D-235E-F25A-1156-D13C4706F9FE}"/>
+          </ac:spMkLst>
+        </pc:spChg>
+        <pc:spChg chg="add mod">
+          <ac:chgData name="kwon o hwang" userId="9e01780f946e1363" providerId="LiveId" clId="{B54D5D76-889A-4C1B-862E-C7A97EE964FA}" dt="2023-06-15T01:02:09.198" v="3136" actId="2710"/>
+          <ac:spMkLst>
+            <pc:docMk/>
+            <pc:sldMk cId="1122257976" sldId="649"/>
+            <ac:spMk id="6" creationId="{336BAAE4-48CD-A511-2C32-37A34CE449D3}"/>
+          </ac:spMkLst>
+        </pc:spChg>
+        <pc:spChg chg="add mod">
+          <ac:chgData name="kwon o hwang" userId="9e01780f946e1363" providerId="LiveId" clId="{B54D5D76-889A-4C1B-862E-C7A97EE964FA}" dt="2023-06-15T01:12:49.419" v="3243" actId="688"/>
+          <ac:spMkLst>
+            <pc:docMk/>
+            <pc:sldMk cId="1122257976" sldId="649"/>
+            <ac:spMk id="9" creationId="{A8EEC5D7-98C2-D689-956C-E7656F2CE56C}"/>
+          </ac:spMkLst>
+        </pc:spChg>
+        <pc:spChg chg="add mod">
+          <ac:chgData name="kwon o hwang" userId="9e01780f946e1363" providerId="LiveId" clId="{B54D5D76-889A-4C1B-862E-C7A97EE964FA}" dt="2023-06-15T01:12:53.083" v="3244" actId="1076"/>
+          <ac:spMkLst>
+            <pc:docMk/>
+            <pc:sldMk cId="1122257976" sldId="649"/>
+            <ac:spMk id="10" creationId="{253DA59D-BDA0-DAED-D290-C307CAD7601B}"/>
+          </ac:spMkLst>
+        </pc:spChg>
+        <pc:spChg chg="del mod">
+          <ac:chgData name="kwon o hwang" userId="9e01780f946e1363" providerId="LiveId" clId="{B54D5D76-889A-4C1B-862E-C7A97EE964FA}" dt="2023-06-15T00:55:05.631" v="3079" actId="478"/>
+          <ac:spMkLst>
+            <pc:docMk/>
+            <pc:sldMk cId="1122257976" sldId="649"/>
+            <ac:spMk id="25" creationId="{78B6002A-9D14-3CD0-1C5C-ACA073463DB2}"/>
+          </ac:spMkLst>
+        </pc:spChg>
+        <pc:picChg chg="add mod">
+          <ac:chgData name="kwon o hwang" userId="9e01780f946e1363" providerId="LiveId" clId="{B54D5D76-889A-4C1B-862E-C7A97EE964FA}" dt="2023-06-15T01:39:35.051" v="3631" actId="14100"/>
+          <ac:picMkLst>
+            <pc:docMk/>
+            <pc:sldMk cId="1122257976" sldId="649"/>
+            <ac:picMk id="7" creationId="{77E1D9EA-148D-EA8F-098F-5ED2CD3D9345}"/>
+          </ac:picMkLst>
+        </pc:picChg>
+        <pc:picChg chg="del">
+          <ac:chgData name="kwon o hwang" userId="9e01780f946e1363" providerId="LiveId" clId="{B54D5D76-889A-4C1B-862E-C7A97EE964FA}" dt="2023-06-15T00:53:05.250" v="2972" actId="478"/>
+          <ac:picMkLst>
+            <pc:docMk/>
+            <pc:sldMk cId="1122257976" sldId="649"/>
+            <ac:picMk id="8" creationId="{8ECA9DEC-7BB8-4AEA-733C-3AC42690A7D8}"/>
+          </ac:picMkLst>
+        </pc:picChg>
+        <pc:picChg chg="add mod">
+          <ac:chgData name="kwon o hwang" userId="9e01780f946e1363" providerId="LiveId" clId="{B54D5D76-889A-4C1B-862E-C7A97EE964FA}" dt="2023-06-15T01:12:37.299" v="3240" actId="688"/>
+          <ac:picMkLst>
+            <pc:docMk/>
+            <pc:sldMk cId="1122257976" sldId="649"/>
+            <ac:picMk id="2050" creationId="{87E78DD1-237B-36F4-61ED-D279CA1D27CF}"/>
+          </ac:picMkLst>
+        </pc:picChg>
+      </pc:sldChg>
+      <pc:sldChg chg="addSp delSp modSp add mod modNotesTx">
+        <pc:chgData name="kwon o hwang" userId="9e01780f946e1363" providerId="LiveId" clId="{B54D5D76-889A-4C1B-862E-C7A97EE964FA}" dt="2023-06-15T16:34:47.796" v="10833" actId="20577"/>
+        <pc:sldMkLst>
+          <pc:docMk/>
+          <pc:sldMk cId="3527484619" sldId="650"/>
+        </pc:sldMkLst>
+        <pc:spChg chg="del">
+          <ac:chgData name="kwon o hwang" userId="9e01780f946e1363" providerId="LiveId" clId="{B54D5D76-889A-4C1B-862E-C7A97EE964FA}" dt="2023-06-15T16:20:59.223" v="10401" actId="478"/>
+          <ac:spMkLst>
+            <pc:docMk/>
+            <pc:sldMk cId="3527484619" sldId="650"/>
+            <ac:spMk id="2" creationId="{050C8D1F-A622-4438-9EFA-119FDA42BA3B}"/>
+          </ac:spMkLst>
+        </pc:spChg>
+        <pc:spChg chg="mod">
+          <ac:chgData name="kwon o hwang" userId="9e01780f946e1363" providerId="LiveId" clId="{B54D5D76-889A-4C1B-862E-C7A97EE964FA}" dt="2023-06-15T16:20:52.619" v="10398" actId="20577"/>
+          <ac:spMkLst>
+            <pc:docMk/>
+            <pc:sldMk cId="3527484619" sldId="650"/>
+            <ac:spMk id="3" creationId="{00000000-0000-0000-0000-000000000000}"/>
+          </ac:spMkLst>
+        </pc:spChg>
+        <pc:spChg chg="del">
+          <ac:chgData name="kwon o hwang" userId="9e01780f946e1363" providerId="LiveId" clId="{B54D5D76-889A-4C1B-862E-C7A97EE964FA}" dt="2023-06-15T16:21:06.636" v="10405" actId="478"/>
+          <ac:spMkLst>
+            <pc:docMk/>
+            <pc:sldMk cId="3527484619" sldId="650"/>
+            <ac:spMk id="4" creationId="{A5C42E6E-2D8C-86B3-5C93-4031DCD24196}"/>
+          </ac:spMkLst>
+        </pc:spChg>
+        <pc:spChg chg="del mod">
+          <ac:chgData name="kwon o hwang" userId="9e01780f946e1363" providerId="LiveId" clId="{B54D5D76-889A-4C1B-862E-C7A97EE964FA}" dt="2023-06-15T16:20:57.739" v="10400" actId="478"/>
+          <ac:spMkLst>
+            <pc:docMk/>
+            <pc:sldMk cId="3527484619" sldId="650"/>
+            <ac:spMk id="6" creationId="{A6207B35-0340-12A4-6988-544FD03DE64A}"/>
+          </ac:spMkLst>
+        </pc:spChg>
+        <pc:spChg chg="add del mod">
+          <ac:chgData name="kwon o hwang" userId="9e01780f946e1363" providerId="LiveId" clId="{B54D5D76-889A-4C1B-862E-C7A97EE964FA}" dt="2023-06-15T16:21:07.354" v="10406" actId="478"/>
+          <ac:spMkLst>
+            <pc:docMk/>
+            <pc:sldMk cId="3527484619" sldId="650"/>
+            <ac:spMk id="7" creationId="{854B934E-C7DC-8795-D4E7-E8B3DFC2403C}"/>
+          </ac:spMkLst>
+        </pc:spChg>
+        <pc:picChg chg="add mod">
+          <ac:chgData name="kwon o hwang" userId="9e01780f946e1363" providerId="LiveId" clId="{B54D5D76-889A-4C1B-862E-C7A97EE964FA}" dt="2023-06-15T16:21:23.004" v="10414" actId="1076"/>
+          <ac:picMkLst>
+            <pc:docMk/>
+            <pc:sldMk cId="3527484619" sldId="650"/>
+            <ac:picMk id="8" creationId="{E488E513-C5D3-DB14-2981-3A7AAD07A71C}"/>
+          </ac:picMkLst>
+        </pc:picChg>
+        <pc:picChg chg="add del mod">
+          <ac:chgData name="kwon o hwang" userId="9e01780f946e1363" providerId="LiveId" clId="{B54D5D76-889A-4C1B-862E-C7A97EE964FA}" dt="2023-06-15T16:21:29.120" v="10416"/>
+          <ac:picMkLst>
+            <pc:docMk/>
+            <pc:sldMk cId="3527484619" sldId="650"/>
+            <ac:picMk id="10" creationId="{B09BE49A-F00B-3830-577D-30DF00A7812E}"/>
+          </ac:picMkLst>
+        </pc:picChg>
+        <pc:picChg chg="del">
+          <ac:chgData name="kwon o hwang" userId="9e01780f946e1363" providerId="LiveId" clId="{B54D5D76-889A-4C1B-862E-C7A97EE964FA}" dt="2023-06-15T16:21:00.161" v="10402" actId="478"/>
+          <ac:picMkLst>
+            <pc:docMk/>
+            <pc:sldMk cId="3527484619" sldId="650"/>
+            <ac:picMk id="1026" creationId="{CBC7E918-9BFF-92B3-8C40-BB1C1E2EA4C8}"/>
+          </ac:picMkLst>
+        </pc:picChg>
+        <pc:picChg chg="add mod">
+          <ac:chgData name="kwon o hwang" userId="9e01780f946e1363" providerId="LiveId" clId="{B54D5D76-889A-4C1B-862E-C7A97EE964FA}" dt="2023-06-15T16:21:17.548" v="10412" actId="1076"/>
+          <ac:picMkLst>
+            <pc:docMk/>
+            <pc:sldMk cId="3527484619" sldId="650"/>
+            <ac:picMk id="1028" creationId="{9491EF57-1714-ADD3-6A2C-6DCEB66B0019}"/>
+          </ac:picMkLst>
+        </pc:picChg>
+      </pc:sldChg>
+      <pc:sldChg chg="addSp delSp modSp add mod modNotesTx">
+        <pc:chgData name="kwon o hwang" userId="9e01780f946e1363" providerId="LiveId" clId="{B54D5D76-889A-4C1B-862E-C7A97EE964FA}" dt="2023-06-15T16:40:07.729" v="11299" actId="20577"/>
+        <pc:sldMkLst>
+          <pc:docMk/>
+          <pc:sldMk cId="1801657846" sldId="651"/>
+        </pc:sldMkLst>
+        <pc:spChg chg="mod">
+          <ac:chgData name="kwon o hwang" userId="9e01780f946e1363" providerId="LiveId" clId="{B54D5D76-889A-4C1B-862E-C7A97EE964FA}" dt="2023-06-15T16:21:51.395" v="10447" actId="1076"/>
+          <ac:spMkLst>
+            <pc:docMk/>
+            <pc:sldMk cId="1801657846" sldId="651"/>
+            <ac:spMk id="3" creationId="{00000000-0000-0000-0000-000000000000}"/>
+          </ac:spMkLst>
+        </pc:spChg>
+        <pc:picChg chg="add del mod">
+          <ac:chgData name="kwon o hwang" userId="9e01780f946e1363" providerId="LiveId" clId="{B54D5D76-889A-4C1B-862E-C7A97EE964FA}" dt="2023-06-15T16:39:18.806" v="11189" actId="478"/>
+          <ac:picMkLst>
+            <pc:docMk/>
+            <pc:sldMk cId="1801657846" sldId="651"/>
+            <ac:picMk id="4" creationId="{9165E4B1-8FFD-BA75-C53A-484E27115C46}"/>
+          </ac:picMkLst>
+        </pc:picChg>
+        <pc:picChg chg="del">
+          <ac:chgData name="kwon o hwang" userId="9e01780f946e1363" providerId="LiveId" clId="{B54D5D76-889A-4C1B-862E-C7A97EE964FA}" dt="2023-06-15T16:21:35.543" v="10419" actId="478"/>
+          <ac:picMkLst>
+            <pc:docMk/>
+            <pc:sldMk cId="1801657846" sldId="651"/>
+            <ac:picMk id="8" creationId="{E488E513-C5D3-DB14-2981-3A7AAD07A71C}"/>
+          </ac:picMkLst>
+        </pc:picChg>
+        <pc:picChg chg="del">
+          <ac:chgData name="kwon o hwang" userId="9e01780f946e1363" providerId="LiveId" clId="{B54D5D76-889A-4C1B-862E-C7A97EE964FA}" dt="2023-06-15T16:21:35.031" v="10418" actId="478"/>
+          <ac:picMkLst>
+            <pc:docMk/>
+            <pc:sldMk cId="1801657846" sldId="651"/>
+            <ac:picMk id="1028" creationId="{9491EF57-1714-ADD3-6A2C-6DCEB66B0019}"/>
+          </ac:picMkLst>
+        </pc:picChg>
+        <pc:picChg chg="add mod">
+          <ac:chgData name="kwon o hwang" userId="9e01780f946e1363" providerId="LiveId" clId="{B54D5D76-889A-4C1B-862E-C7A97EE964FA}" dt="2023-06-15T16:38:04.804" v="10911" actId="1076"/>
+          <ac:picMkLst>
+            <pc:docMk/>
+            <pc:sldMk cId="1801657846" sldId="651"/>
+            <ac:picMk id="2050" creationId="{4B4A48F3-16FC-029C-B150-751751F33D1E}"/>
+          </ac:picMkLst>
+        </pc:picChg>
       </pc:sldChg>
     </pc:docChg>
   </pc:docChgLst>
@@ -1419,29 +1920,12 @@
           <a:lstStyle/>
           <a:p>
             <a:r>
-              <a:rPr lang="en-US" dirty="0"/>
-              <a:t>Hi, for those who do not remember my name, I am </a:t>
-            </a:r>
-            <a:r>
-              <a:rPr lang="en-US" dirty="0" err="1"/>
-              <a:t>Ohwang</a:t>
-            </a:r>
-            <a:r>
-              <a:rPr lang="en-US" dirty="0"/>
-              <a:t>. </a:t>
-            </a:r>
-          </a:p>
-          <a:p>
-            <a:r>
-              <a:rPr lang="en-US" dirty="0"/>
-              <a:t>I am glad to see you again. </a:t>
-            </a:r>
-          </a:p>
-          <a:p>
-            <a:r>
-              <a:rPr lang="en-US" dirty="0"/>
-              <a:t>I am excited to finally kick off this project.</a:t>
-            </a:r>
+              <a:rPr lang="en-US" altLang="ko-KR" dirty="0"/>
+              <a:t>Hi, nice to meet you all. Today I want to discuss about the progress, so that we can brainstorm ideas with each other.</a:t>
+            </a:r>
+          </a:p>
+          <a:p>
+            <a:endParaRPr lang="en-US" dirty="0"/>
           </a:p>
         </p:txBody>
       </p:sp>
@@ -1478,6 +1962,179 @@
     <p:extLst>
       <p:ext uri="{BB962C8B-B14F-4D97-AF65-F5344CB8AC3E}">
         <p14:creationId xmlns:p14="http://schemas.microsoft.com/office/powerpoint/2010/main" val="1169323568"/>
+      </p:ext>
+    </p:extLst>
+  </p:cSld>
+  <p:clrMapOvr>
+    <a:masterClrMapping/>
+  </p:clrMapOvr>
+</p:notes>
+</file>
+
+<file path=ppt/notesSlides/notesSlide10.xml><?xml version="1.0" encoding="utf-8"?>
+<p:notes xmlns:a="http://schemas.openxmlformats.org/drawingml/2006/main" xmlns:r="http://schemas.openxmlformats.org/officeDocument/2006/relationships" xmlns:p="http://schemas.openxmlformats.org/presentationml/2006/main">
+  <p:cSld>
+    <p:spTree>
+      <p:nvGrpSpPr>
+        <p:cNvPr id="1" name=""/>
+        <p:cNvGrpSpPr/>
+        <p:nvPr/>
+      </p:nvGrpSpPr>
+      <p:grpSpPr>
+        <a:xfrm>
+          <a:off x="0" y="0"/>
+          <a:ext cx="0" cy="0"/>
+          <a:chOff x="0" y="0"/>
+          <a:chExt cx="0" cy="0"/>
+        </a:xfrm>
+      </p:grpSpPr>
+      <p:sp>
+        <p:nvSpPr>
+          <p:cNvPr id="2" name="슬라이드 이미지 개체 틀 1"/>
+          <p:cNvSpPr>
+            <a:spLocks noGrp="1" noRot="1" noChangeAspect="1"/>
+          </p:cNvSpPr>
+          <p:nvPr>
+            <p:ph type="sldImg"/>
+          </p:nvPr>
+        </p:nvSpPr>
+        <p:spPr/>
+      </p:sp>
+      <p:sp>
+        <p:nvSpPr>
+          <p:cNvPr id="3" name="슬라이드 노트 개체 틀 2"/>
+          <p:cNvSpPr>
+            <a:spLocks noGrp="1"/>
+          </p:cNvSpPr>
+          <p:nvPr>
+            <p:ph type="body" idx="1"/>
+          </p:nvPr>
+        </p:nvSpPr>
+        <p:spPr/>
+        <p:txBody>
+          <a:bodyPr/>
+          <a:lstStyle/>
+          <a:p>
+            <a:r>
+              <a:rPr lang="en-US" altLang="ko-KR" dirty="0"/>
+              <a:t>Once you visit the URL, you will see </a:t>
+            </a:r>
+            <a:r>
+              <a:rPr lang="en-US" altLang="ko-KR" dirty="0" err="1"/>
+              <a:t>jupyter</a:t>
+            </a:r>
+            <a:r>
+              <a:rPr lang="en-US" altLang="ko-KR" dirty="0"/>
+              <a:t> notebook. </a:t>
+            </a:r>
+          </a:p>
+          <a:p>
+            <a:r>
+              <a:rPr lang="en-US" altLang="ko-KR" dirty="0"/>
+              <a:t>And then we can check whether the GPUs are used or not. </a:t>
+            </a:r>
+          </a:p>
+          <a:p>
+            <a:r>
+              <a:rPr lang="en-US" altLang="ko-KR" dirty="0"/>
+              <a:t>On the picture above, We observed that the GPUs are successfully loaded on the system.</a:t>
+            </a:r>
+          </a:p>
+          <a:p>
+            <a:endParaRPr lang="en-US" altLang="ko-KR" dirty="0"/>
+          </a:p>
+          <a:p>
+            <a:r>
+              <a:rPr lang="en-US" altLang="ko-KR" dirty="0"/>
+              <a:t>I still have some minor problems to solve, but I think docker is a promising tool for </a:t>
+            </a:r>
+            <a:r>
+              <a:rPr lang="en-US" altLang="ko-KR" dirty="0" err="1"/>
+              <a:t>gpu</a:t>
+            </a:r>
+            <a:r>
+              <a:rPr lang="en-US" altLang="ko-KR" dirty="0"/>
+              <a:t> acceleration.</a:t>
+            </a:r>
+          </a:p>
+          <a:p>
+            <a:endParaRPr lang="en-US" altLang="ko-KR" dirty="0"/>
+          </a:p>
+          <a:p>
+            <a:pPr marL="0" marR="0" lvl="0" indent="0" algn="l" defTabSz="914400" rtl="0" eaLnBrk="0" fontAlgn="base" latinLnBrk="0" hangingPunct="0">
+              <a:lnSpc>
+                <a:spcPct val="100000"/>
+              </a:lnSpc>
+              <a:spcBef>
+                <a:spcPct val="30000"/>
+              </a:spcBef>
+              <a:spcAft>
+                <a:spcPct val="0"/>
+              </a:spcAft>
+              <a:buClrTx/>
+              <a:buSzTx/>
+              <a:buFontTx/>
+              <a:buNone/>
+              <a:tabLst/>
+              <a:defRPr/>
+            </a:pPr>
+            <a:r>
+              <a:rPr lang="en-US" altLang="ko-KR" dirty="0"/>
+              <a:t>Thank you for listening, and </a:t>
+            </a:r>
+            <a:r>
+              <a:rPr lang="en-US" altLang="ko-KR" dirty="0" err="1"/>
+              <a:t>thise</a:t>
+            </a:r>
+            <a:r>
+              <a:rPr lang="en-US" altLang="ko-KR" dirty="0"/>
+              <a:t> is pretty much I can tell you about my progress!</a:t>
+            </a:r>
+          </a:p>
+          <a:p>
+            <a:endParaRPr lang="en-US" altLang="ko-KR" dirty="0"/>
+          </a:p>
+          <a:p>
+            <a:endParaRPr lang="en-US" altLang="ko-KR" dirty="0"/>
+          </a:p>
+          <a:p>
+            <a:endParaRPr lang="en-US" altLang="ko-KR" dirty="0"/>
+          </a:p>
+        </p:txBody>
+      </p:sp>
+      <p:sp>
+        <p:nvSpPr>
+          <p:cNvPr id="4" name="슬라이드 번호 개체 틀 3"/>
+          <p:cNvSpPr>
+            <a:spLocks noGrp="1"/>
+          </p:cNvSpPr>
+          <p:nvPr>
+            <p:ph type="sldNum" sz="quarter" idx="5"/>
+          </p:nvPr>
+        </p:nvSpPr>
+        <p:spPr/>
+        <p:txBody>
+          <a:bodyPr/>
+          <a:lstStyle/>
+          <a:p>
+            <a:pPr>
+              <a:defRPr/>
+            </a:pPr>
+            <a:fld id="{A6E9A276-2B14-42AC-884B-EC73CBBF17F6}" type="slidenum">
+              <a:rPr lang="en-US" smtClean="0"/>
+              <a:pPr>
+                <a:defRPr/>
+              </a:pPr>
+              <a:t>10</a:t>
+            </a:fld>
+            <a:endParaRPr lang="en-US" dirty="0"/>
+          </a:p>
+        </p:txBody>
+      </p:sp>
+    </p:spTree>
+    <p:extLst>
+      <p:ext uri="{BB962C8B-B14F-4D97-AF65-F5344CB8AC3E}">
+        <p14:creationId xmlns:p14="http://schemas.microsoft.com/office/powerpoint/2010/main" val="939960696"/>
       </p:ext>
     </p:extLst>
   </p:cSld>
@@ -1532,20 +2189,26 @@
           <a:lstStyle/>
           <a:p>
             <a:r>
-              <a:rPr lang="en-US" dirty="0"/>
-              <a:t>Today, I want to discuss briefly about the research motivation and scheme. </a:t>
-            </a:r>
-          </a:p>
-          <a:p>
-            <a:r>
-              <a:rPr lang="en-US" dirty="0"/>
-              <a:t>Then, I will share my progress so far in the machine learning and neural networks. </a:t>
-            </a:r>
-          </a:p>
-          <a:p>
-            <a:r>
-              <a:rPr lang="en-US" dirty="0"/>
-              <a:t>I am absolutely new to the machine learning, and I just started to learn.</a:t>
+              <a:rPr lang="en-US" altLang="ko-KR" dirty="0"/>
+              <a:t>My presentation starts from the current status on the tweet mining. </a:t>
+            </a:r>
+          </a:p>
+          <a:p>
+            <a:r>
+              <a:rPr lang="en-US" altLang="ko-KR" dirty="0"/>
+              <a:t>Then, I will share some comments on the data mining process. </a:t>
+            </a:r>
+          </a:p>
+          <a:p>
+            <a:r>
+              <a:rPr lang="en-US" altLang="ko-KR" dirty="0"/>
+              <a:t>Also, I will present about a small experiment I completed with BERT language model. </a:t>
+            </a:r>
+          </a:p>
+          <a:p>
+            <a:r>
+              <a:rPr lang="en-US" altLang="ko-KR" dirty="0"/>
+              <a:t>Lastly, I will talk about GPU acceleration, which becomes pretty important as the project flows.</a:t>
             </a:r>
           </a:p>
         </p:txBody>
@@ -1637,42 +2300,22 @@
           <a:lstStyle/>
           <a:p>
             <a:r>
-              <a:rPr lang="en-US" dirty="0"/>
-              <a:t>First of all, the end goal of the project is analyzing the sentiment toward the nuclear power using NLP, based on the posts in the social media. </a:t>
-            </a:r>
-          </a:p>
-          <a:p>
-            <a:r>
-              <a:rPr lang="en-US" dirty="0"/>
-              <a:t>In purely engineering point of view, the input will be natural language from the social media and the output will be classified sentiments, for example good or bad. </a:t>
-            </a:r>
-          </a:p>
-          <a:p>
+              <a:rPr lang="en-US" altLang="ko-KR" dirty="0"/>
+              <a:t>Up to now, I have collected 4,500 tweets related to the nuclear. </a:t>
+            </a:r>
+          </a:p>
+          <a:p>
+            <a:r>
+              <a:rPr lang="en-US" altLang="ko-KR" dirty="0"/>
+              <a:t>Based on the literatures I have reviewed, I think we need at least 10k tweets related to nuclear in order to get reliable result. </a:t>
+            </a:r>
+          </a:p>
+          <a:p>
+            <a:r>
+              <a:rPr lang="en-US" altLang="ko-KR" dirty="0"/>
+              <a:t>Current twitter API has a few restriction, but no problem. I will keep collect those.</a:t>
+            </a:r>
             <a:endParaRPr lang="en-US" dirty="0"/>
-          </a:p>
-          <a:p>
-            <a:r>
-              <a:rPr lang="en-US" dirty="0"/>
-              <a:t>First thing we need to do is collecting the data. </a:t>
-            </a:r>
-          </a:p>
-          <a:p>
-            <a:r>
-              <a:rPr lang="en-US" dirty="0"/>
-              <a:t>Once we establish the data pipeline, we can establish the base model and train with training dataset.  </a:t>
-            </a:r>
-          </a:p>
-          <a:p>
-            <a:r>
-              <a:rPr lang="en-US" dirty="0"/>
-              <a:t>Then, we can assess the performance of the model based on the accuracy of the classification. </a:t>
-            </a:r>
-          </a:p>
-          <a:p>
-            <a:r>
-              <a:rPr lang="en-US" dirty="0"/>
-              <a:t>We will iterate this process until the model hits the target accuracy, which is above 90%. </a:t>
-            </a:r>
           </a:p>
         </p:txBody>
       </p:sp>
@@ -1708,7 +2351,7 @@
     </p:spTree>
     <p:extLst>
       <p:ext uri="{BB962C8B-B14F-4D97-AF65-F5344CB8AC3E}">
-        <p14:creationId xmlns:p14="http://schemas.microsoft.com/office/powerpoint/2010/main" val="1547195970"/>
+        <p14:creationId xmlns:p14="http://schemas.microsoft.com/office/powerpoint/2010/main" val="3908560239"/>
       </p:ext>
     </p:extLst>
   </p:cSld>
@@ -1763,42 +2406,66 @@
           <a:lstStyle/>
           <a:p>
             <a:r>
-              <a:rPr lang="en-US" dirty="0"/>
-              <a:t>First of all, the end goal of the project is analyzing the sentiment toward the nuclear power using NLP, based on the posts in the social media. </a:t>
-            </a:r>
-          </a:p>
-          <a:p>
-            <a:r>
-              <a:rPr lang="en-US" dirty="0"/>
-              <a:t>In purely engineering point of view, the input will be natural language from the social media and the output will be classified sentiments, for example good or bad. </a:t>
+              <a:rPr lang="en-US" altLang="ko-KR" dirty="0"/>
+              <a:t>Those are some self-feedback that I want to mention about tweet mining. </a:t>
+            </a:r>
+          </a:p>
+          <a:p>
+            <a:r>
+              <a:rPr lang="en-US" altLang="ko-KR" dirty="0"/>
+              <a:t>I am keep reviewing the collected tweets, and it seems like a lot of tweets are irrelevant of nuclear power or nuclear energy.</a:t>
+            </a:r>
+          </a:p>
+          <a:p>
+            <a:r>
+              <a:rPr lang="en-US" altLang="ko-KR" dirty="0"/>
+              <a:t>In my opinion, we have presidential election next year. So a lot of tweets are just related to Donald Trump and nuclear button. </a:t>
+            </a:r>
+          </a:p>
+          <a:p>
+            <a:r>
+              <a:rPr lang="en-US" altLang="ko-KR" dirty="0"/>
+              <a:t>Plus, due to Ukraine war, there are many tweets just related to nuclear war, nuclear weapon, those kind of stuff. </a:t>
+            </a:r>
+          </a:p>
+          <a:p>
+            <a:r>
+              <a:rPr lang="en-US" altLang="ko-KR" dirty="0"/>
+              <a:t>I mean, these are not wrong, but I found that I can minimize those tweets by using clear keywords. </a:t>
+            </a:r>
+          </a:p>
+          <a:p>
+            <a:r>
+              <a:rPr lang="en-US" altLang="ko-KR" dirty="0"/>
+              <a:t>For example, it is better to search ‘Nuclear power safety’ instead of ‘Nuclear safety’. </a:t>
+            </a:r>
+          </a:p>
+          <a:p>
+            <a:r>
+              <a:rPr lang="en-US" altLang="ko-KR" dirty="0"/>
+              <a:t>Therefore, from now on, I will search with the keyword ‘nuclear power’ and ‘nuclear energy’. </a:t>
+            </a:r>
+          </a:p>
+          <a:p>
+            <a:endParaRPr lang="en-US" altLang="ko-KR" dirty="0"/>
+          </a:p>
+          <a:p>
+            <a:r>
+              <a:rPr lang="en-US" altLang="ko-KR" dirty="0"/>
+              <a:t>Secondly, I will figure out how to automate the process. Currently I am using a software called postman, but maybe I can automatically collect data using bash command.</a:t>
+            </a:r>
+          </a:p>
+          <a:p>
+            <a:endParaRPr lang="en-US" altLang="ko-KR" dirty="0"/>
+          </a:p>
+          <a:p>
+            <a:r>
+              <a:rPr lang="en-US" altLang="ko-KR" dirty="0"/>
+              <a:t>Lastly, I found that more than half of the collected tweets are duplicated. That was so bad, so I am trying to drop those retweets. </a:t>
             </a:r>
           </a:p>
           <a:p>
             <a:endParaRPr lang="en-US" dirty="0"/>
-          </a:p>
-          <a:p>
-            <a:r>
-              <a:rPr lang="en-US" dirty="0"/>
-              <a:t>First thing we need to do is collecting the data. </a:t>
-            </a:r>
-          </a:p>
-          <a:p>
-            <a:r>
-              <a:rPr lang="en-US" dirty="0"/>
-              <a:t>Once we establish the data pipeline, we can establish the base model and train with training dataset.  </a:t>
-            </a:r>
-          </a:p>
-          <a:p>
-            <a:r>
-              <a:rPr lang="en-US" dirty="0"/>
-              <a:t>Then, we can assess the performance of the model based on the accuracy of the classification. </a:t>
-            </a:r>
-          </a:p>
-          <a:p>
-            <a:r>
-              <a:rPr lang="en-US" dirty="0"/>
-              <a:t>We will iterate this process until the model hits the target accuracy, which is above 90%. </a:t>
-            </a:r>
           </a:p>
         </p:txBody>
       </p:sp>
@@ -1834,7 +2501,7 @@
     </p:spTree>
     <p:extLst>
       <p:ext uri="{BB962C8B-B14F-4D97-AF65-F5344CB8AC3E}">
-        <p14:creationId xmlns:p14="http://schemas.microsoft.com/office/powerpoint/2010/main" val="3908560239"/>
+        <p14:creationId xmlns:p14="http://schemas.microsoft.com/office/powerpoint/2010/main" val="3765667015"/>
       </p:ext>
     </p:extLst>
   </p:cSld>
@@ -1890,13 +2557,25 @@
           <a:p>
             <a:r>
               <a:rPr lang="en-US" dirty="0"/>
-              <a:t>First of all, the end goal of the project is analyzing the sentiment toward the nuclear power using NLP, based on the posts in the social media. </a:t>
+              <a:t>Now I am trying to utilize BERT on our project.</a:t>
             </a:r>
           </a:p>
           <a:p>
             <a:r>
               <a:rPr lang="en-US" dirty="0"/>
-              <a:t>In purely engineering point of view, the input will be natural language from the social media and the output will be classified sentiments, for example good or bad. </a:t>
+              <a:t>BERT is a NLP model introduced by google in 2018. </a:t>
+            </a:r>
+          </a:p>
+          <a:p>
+            <a:r>
+              <a:rPr lang="en-US" dirty="0"/>
+              <a:t>It is based on the transformer architecture, which is a type of neural network model designed to process sequential data efficiently. </a:t>
+            </a:r>
+          </a:p>
+          <a:p>
+            <a:r>
+              <a:rPr lang="en-US" dirty="0"/>
+              <a:t>BERT is pre trained on a large corpus of unlabeled text data, such as Wikipedia articles and books.</a:t>
             </a:r>
           </a:p>
           <a:p>
@@ -1905,25 +2584,13 @@
           <a:p>
             <a:r>
               <a:rPr lang="en-US" dirty="0"/>
-              <a:t>First thing we need to do is collecting the data. </a:t>
+              <a:t>So once we have BERT model, we can fine-tune this pre trained model with our nuclear tweets. </a:t>
             </a:r>
           </a:p>
           <a:p>
             <a:r>
               <a:rPr lang="en-US" dirty="0"/>
-              <a:t>Once we establish the data pipeline, we can establish the base model and train with training dataset.  </a:t>
-            </a:r>
-          </a:p>
-          <a:p>
-            <a:r>
-              <a:rPr lang="en-US" dirty="0"/>
-              <a:t>Then, we can assess the performance of the model based on the accuracy of the classification. </a:t>
-            </a:r>
-          </a:p>
-          <a:p>
-            <a:r>
-              <a:rPr lang="en-US" dirty="0"/>
-              <a:t>We will iterate this process until the model hits the target accuracy, which is above 90%. </a:t>
+              <a:t>Then, BERT will be converted to ‘nuclear tweet specialized NLP model’.</a:t>
             </a:r>
           </a:p>
         </p:txBody>
@@ -2016,40 +2683,19 @@
           <a:p>
             <a:r>
               <a:rPr lang="en-US" dirty="0"/>
-              <a:t>First of all, the end goal of the project is analyzing the sentiment toward the nuclear power using NLP, based on the posts in the social media. </a:t>
+              <a:t>At this point, since we do not have enough labeled data. </a:t>
             </a:r>
           </a:p>
           <a:p>
             <a:r>
               <a:rPr lang="en-US" dirty="0"/>
-              <a:t>In purely engineering point of view, the input will be natural language from the social media and the output will be classified sentiments, for example good or bad. </a:t>
-            </a:r>
-          </a:p>
-          <a:p>
-            <a:endParaRPr lang="en-US" dirty="0"/>
+              <a:t>I did a small experiment with sentiment analysis 140 dataset. </a:t>
+            </a:r>
           </a:p>
           <a:p>
             <a:r>
               <a:rPr lang="en-US" dirty="0"/>
-              <a:t>First thing we need to do is collecting the data. </a:t>
-            </a:r>
-          </a:p>
-          <a:p>
-            <a:r>
-              <a:rPr lang="en-US" dirty="0"/>
-              <a:t>Once we establish the data pipeline, we can establish the base model and train with training dataset.  </a:t>
-            </a:r>
-          </a:p>
-          <a:p>
-            <a:r>
-              <a:rPr lang="en-US" dirty="0"/>
-              <a:t>Then, we can assess the performance of the model based on the accuracy of the classification. </a:t>
-            </a:r>
-          </a:p>
-          <a:p>
-            <a:r>
-              <a:rPr lang="en-US" dirty="0"/>
-              <a:t>We will iterate this process until the model hits the target accuracy, which is above 90%. </a:t>
+              <a:t>We have 1.6 million tweets. So we can conduct fine tuning with this data at this moment, and then evaluate the performance.</a:t>
             </a:r>
           </a:p>
         </p:txBody>
@@ -2086,7 +2732,7 @@
     </p:spTree>
     <p:extLst>
       <p:ext uri="{BB962C8B-B14F-4D97-AF65-F5344CB8AC3E}">
-        <p14:creationId xmlns:p14="http://schemas.microsoft.com/office/powerpoint/2010/main" val="1869819341"/>
+        <p14:creationId xmlns:p14="http://schemas.microsoft.com/office/powerpoint/2010/main" val="2465404081"/>
       </p:ext>
     </p:extLst>
   </p:cSld>
@@ -2142,13 +2788,19 @@
           <a:p>
             <a:r>
               <a:rPr lang="en-US" dirty="0"/>
-              <a:t>First of all, the end goal of the project is analyzing the sentiment toward the nuclear power using NLP, based on the posts in the social media. </a:t>
+              <a:t>I wrote the python script that can do fine-tuning with sentiment 140 dataset. </a:t>
             </a:r>
           </a:p>
           <a:p>
             <a:r>
               <a:rPr lang="en-US" dirty="0"/>
-              <a:t>In purely engineering point of view, the input will be natural language from the social media and the output will be classified sentiments, for example good or bad. </a:t>
+              <a:t>I tried to train the model with the whole data, but it took so long time. So I sliced the dataset into smaller one. </a:t>
+            </a:r>
+          </a:p>
+          <a:p>
+            <a:r>
+              <a:rPr lang="en-US" dirty="0"/>
+              <a:t>I took 100 positive tweets and then 100 negative tweets from the dataset. </a:t>
             </a:r>
           </a:p>
           <a:p>
@@ -2157,25 +2809,51 @@
           <a:p>
             <a:r>
               <a:rPr lang="en-US" dirty="0"/>
-              <a:t>First thing we need to do is collecting the data. </a:t>
-            </a:r>
-          </a:p>
-          <a:p>
+              <a:t>Then, using python script, I could convert the dataset into tensors, so that we can use </a:t>
+            </a:r>
+            <a:r>
+              <a:rPr lang="en-US" dirty="0" err="1"/>
+              <a:t>tensorflow</a:t>
+            </a:r>
             <a:r>
               <a:rPr lang="en-US" dirty="0"/>
-              <a:t>Once we establish the data pipeline, we can establish the base model and train with training dataset.  </a:t>
+              <a:t>. </a:t>
             </a:r>
           </a:p>
           <a:p>
             <a:r>
               <a:rPr lang="en-US" dirty="0"/>
-              <a:t>Then, we can assess the performance of the model based on the accuracy of the classification. </a:t>
-            </a:r>
+              <a:t>This process includes tokenizing and encoding. </a:t>
+            </a:r>
+          </a:p>
+          <a:p>
+            <a:endParaRPr lang="en-US" dirty="0"/>
           </a:p>
           <a:p>
             <a:r>
               <a:rPr lang="en-US" dirty="0"/>
-              <a:t>We will iterate this process until the model hits the target accuracy, which is above 90%. </a:t>
+              <a:t>Then, with those hyper parameters, I gave 100 nuclear tweets to the model. </a:t>
+            </a:r>
+          </a:p>
+          <a:p>
+            <a:r>
+              <a:rPr lang="en-US" dirty="0"/>
+              <a:t>As you expect, the result was terrible. And it was not possible to get accuracy score since there is no neutral label in the sentiment 140 dataset.</a:t>
+            </a:r>
+          </a:p>
+          <a:p>
+            <a:r>
+              <a:rPr lang="en-US" dirty="0"/>
+              <a:t>But anyway it worked. The script itself worked pretty well.</a:t>
+            </a:r>
+          </a:p>
+          <a:p>
+            <a:endParaRPr lang="en-US" dirty="0"/>
+          </a:p>
+          <a:p>
+            <a:r>
+              <a:rPr lang="en-US" dirty="0"/>
+              <a:t>So later on, when we get enough labeled tweets, we can try again.</a:t>
             </a:r>
           </a:p>
         </p:txBody>
@@ -2212,7 +2890,7 @@
     </p:spTree>
     <p:extLst>
       <p:ext uri="{BB962C8B-B14F-4D97-AF65-F5344CB8AC3E}">
-        <p14:creationId xmlns:p14="http://schemas.microsoft.com/office/powerpoint/2010/main" val="2979694105"/>
+        <p14:creationId xmlns:p14="http://schemas.microsoft.com/office/powerpoint/2010/main" val="1069070856"/>
       </p:ext>
     </p:extLst>
   </p:cSld>
@@ -2267,14 +2945,24 @@
           <a:lstStyle/>
           <a:p>
             <a:r>
-              <a:rPr lang="en-US" dirty="0"/>
-              <a:t>First of all, the end goal of the project is analyzing the sentiment toward the nuclear power using NLP, based on the posts in the social media. </a:t>
-            </a:r>
-          </a:p>
-          <a:p>
-            <a:r>
-              <a:rPr lang="en-US" dirty="0"/>
-              <a:t>In purely engineering point of view, the input will be natural language from the social media and the output will be classified sentiments, for example good or bad. </a:t>
+              <a:rPr lang="en-US" altLang="ko-KR" dirty="0"/>
+              <a:t>I realized that machine learning process is very costly in terms of memory. </a:t>
+            </a:r>
+          </a:p>
+          <a:p>
+            <a:r>
+              <a:rPr lang="en-US" altLang="ko-KR" dirty="0"/>
+              <a:t>It takes a lot of time, because we only </a:t>
+            </a:r>
+            <a:r>
+              <a:rPr lang="en-US" altLang="ko-KR"/>
+              <a:t>use CPU.</a:t>
+            </a:r>
+          </a:p>
+          <a:p>
+            <a:r>
+              <a:rPr lang="en-US" altLang="ko-KR" dirty="0"/>
+              <a:t>Therefore, in machine learning, GPU acceleration is a powerful tool to speed the training.</a:t>
             </a:r>
           </a:p>
           <a:p>
@@ -2282,26 +2970,143 @@
           </a:p>
           <a:p>
             <a:r>
-              <a:rPr lang="en-US" dirty="0"/>
-              <a:t>First thing we need to do is collecting the data. </a:t>
-            </a:r>
-          </a:p>
-          <a:p>
-            <a:r>
-              <a:rPr lang="en-US" dirty="0"/>
-              <a:t>Once we establish the data pipeline, we can establish the base model and train with training dataset.  </a:t>
-            </a:r>
-          </a:p>
-          <a:p>
-            <a:r>
-              <a:rPr lang="en-US" dirty="0"/>
-              <a:t>Then, we can assess the performance of the model based on the accuracy of the classification. </a:t>
-            </a:r>
-          </a:p>
-          <a:p>
-            <a:r>
-              <a:rPr lang="en-US" dirty="0"/>
-              <a:t>We will iterate this process until the model hits the target accuracy, which is above 90%. </a:t>
+              <a:rPr lang="en-US" altLang="ko-KR" dirty="0"/>
+              <a:t>GPU is suitable for parallel computing, so it can process numerous operations simultaneously. This allows for faster execution of compute intensive task such as deep learning. </a:t>
+            </a:r>
+          </a:p>
+          <a:p>
+            <a:endParaRPr lang="en-US" altLang="ko-KR" dirty="0"/>
+          </a:p>
+          <a:p>
+            <a:r>
+              <a:rPr lang="en-US" altLang="ko-KR" dirty="0"/>
+              <a:t>However, in order to use </a:t>
+            </a:r>
+            <a:r>
+              <a:rPr lang="en-US" altLang="ko-KR" dirty="0" err="1"/>
+              <a:t>gpu</a:t>
+            </a:r>
+            <a:r>
+              <a:rPr lang="en-US" altLang="ko-KR" dirty="0"/>
+              <a:t> in deep learning, there are a few prerequisites. </a:t>
+            </a:r>
+          </a:p>
+          <a:p>
+            <a:r>
+              <a:rPr lang="en-US" altLang="ko-KR" dirty="0"/>
+              <a:t>We need NVIDIA driver, </a:t>
+            </a:r>
+            <a:r>
+              <a:rPr lang="en-US" altLang="ko-KR" dirty="0" err="1"/>
+              <a:t>Cuda</a:t>
+            </a:r>
+            <a:r>
+              <a:rPr lang="en-US" altLang="ko-KR" dirty="0"/>
+              <a:t>, and </a:t>
+            </a:r>
+            <a:r>
+              <a:rPr lang="en-US" altLang="ko-KR" dirty="0" err="1"/>
+              <a:t>Cuda</a:t>
+            </a:r>
+            <a:r>
+              <a:rPr lang="en-US" altLang="ko-KR" dirty="0"/>
+              <a:t> CNN. Most importantly, all those prerequisites should be compatible. </a:t>
+            </a:r>
+          </a:p>
+          <a:p>
+            <a:r>
+              <a:rPr lang="en-US" altLang="ko-KR" dirty="0"/>
+              <a:t>Otherwise, it will not work. </a:t>
+            </a:r>
+          </a:p>
+          <a:p>
+            <a:endParaRPr lang="en-US" altLang="ko-KR" dirty="0"/>
+          </a:p>
+          <a:p>
+            <a:r>
+              <a:rPr lang="en-US" altLang="ko-KR" dirty="0"/>
+              <a:t>So, those are pretty painful. So the </a:t>
+            </a:r>
+            <a:r>
+              <a:rPr lang="en-US" altLang="ko-KR" dirty="0" err="1"/>
+              <a:t>Tensorflow-gpu</a:t>
+            </a:r>
+            <a:r>
+              <a:rPr lang="en-US" altLang="ko-KR" dirty="0"/>
+              <a:t> library has been removed, and the documentation recommends docker. </a:t>
+            </a:r>
+          </a:p>
+          <a:p>
+            <a:r>
+              <a:rPr lang="en-US" altLang="ko-KR" dirty="0"/>
+              <a:t>Docker is a popular containerization platform that provides several advantages. </a:t>
+            </a:r>
+          </a:p>
+          <a:p>
+            <a:r>
+              <a:rPr lang="en-US" altLang="ko-KR" dirty="0"/>
+              <a:t>The most powerful feature of docker is portability. Docker allows you to package an application and all its dependencies into a single standardized container. </a:t>
+            </a:r>
+          </a:p>
+          <a:p>
+            <a:r>
+              <a:rPr lang="en-US" altLang="ko-KR" dirty="0"/>
+              <a:t>With that being said, you don’t need to install and update </a:t>
+            </a:r>
+            <a:r>
+              <a:rPr lang="en-US" altLang="ko-KR" dirty="0" err="1"/>
+              <a:t>Cuda</a:t>
+            </a:r>
+            <a:r>
+              <a:rPr lang="en-US" altLang="ko-KR" dirty="0"/>
+              <a:t> and </a:t>
+            </a:r>
+            <a:r>
+              <a:rPr lang="en-US" altLang="ko-KR" dirty="0" err="1"/>
+              <a:t>Cuda</a:t>
+            </a:r>
+            <a:r>
+              <a:rPr lang="en-US" altLang="ko-KR" dirty="0"/>
+              <a:t> CNN. A container in docker has it. </a:t>
+            </a:r>
+          </a:p>
+          <a:p>
+            <a:endParaRPr lang="en-US" altLang="ko-KR" dirty="0"/>
+          </a:p>
+          <a:p>
+            <a:r>
+              <a:rPr lang="en-US" altLang="ko-KR" dirty="0"/>
+              <a:t>Currently, I am using </a:t>
+            </a:r>
+            <a:r>
+              <a:rPr lang="en-US" altLang="ko-KR" dirty="0" err="1"/>
+              <a:t>gpu</a:t>
+            </a:r>
+            <a:r>
+              <a:rPr lang="en-US" altLang="ko-KR" dirty="0"/>
+              <a:t> acceleration using docker. There are still some problems to solve to fully utilize this tool. </a:t>
+            </a:r>
+          </a:p>
+          <a:p>
+            <a:r>
+              <a:rPr lang="en-US" altLang="ko-KR" dirty="0"/>
+              <a:t>But I think this is the most efficient</a:t>
+            </a:r>
+            <a:r>
+              <a:rPr lang="ko-KR" altLang="en-US" dirty="0"/>
+              <a:t> </a:t>
+            </a:r>
+            <a:r>
+              <a:rPr lang="en-US" altLang="ko-KR" dirty="0"/>
+              <a:t>way to use </a:t>
+            </a:r>
+            <a:r>
+              <a:rPr lang="en-US" altLang="ko-KR" dirty="0" err="1"/>
+              <a:t>gpu</a:t>
+            </a:r>
+            <a:r>
+              <a:rPr lang="en-US" altLang="ko-KR" dirty="0"/>
+              <a:t> acceleration. </a:t>
             </a:r>
           </a:p>
         </p:txBody>
@@ -2338,7 +3143,166 @@
     </p:spTree>
     <p:extLst>
       <p:ext uri="{BB962C8B-B14F-4D97-AF65-F5344CB8AC3E}">
-        <p14:creationId xmlns:p14="http://schemas.microsoft.com/office/powerpoint/2010/main" val="3806401647"/>
+        <p14:creationId xmlns:p14="http://schemas.microsoft.com/office/powerpoint/2010/main" val="2979694105"/>
+      </p:ext>
+    </p:extLst>
+  </p:cSld>
+  <p:clrMapOvr>
+    <a:masterClrMapping/>
+  </p:clrMapOvr>
+</p:notes>
+</file>
+
+<file path=ppt/notesSlides/notesSlide9.xml><?xml version="1.0" encoding="utf-8"?>
+<p:notes xmlns:a="http://schemas.openxmlformats.org/drawingml/2006/main" xmlns:r="http://schemas.openxmlformats.org/officeDocument/2006/relationships" xmlns:p="http://schemas.openxmlformats.org/presentationml/2006/main">
+  <p:cSld>
+    <p:spTree>
+      <p:nvGrpSpPr>
+        <p:cNvPr id="1" name=""/>
+        <p:cNvGrpSpPr/>
+        <p:nvPr/>
+      </p:nvGrpSpPr>
+      <p:grpSpPr>
+        <a:xfrm>
+          <a:off x="0" y="0"/>
+          <a:ext cx="0" cy="0"/>
+          <a:chOff x="0" y="0"/>
+          <a:chExt cx="0" cy="0"/>
+        </a:xfrm>
+      </p:grpSpPr>
+      <p:sp>
+        <p:nvSpPr>
+          <p:cNvPr id="2" name="슬라이드 이미지 개체 틀 1"/>
+          <p:cNvSpPr>
+            <a:spLocks noGrp="1" noRot="1" noChangeAspect="1"/>
+          </p:cNvSpPr>
+          <p:nvPr>
+            <p:ph type="sldImg"/>
+          </p:nvPr>
+        </p:nvSpPr>
+        <p:spPr/>
+      </p:sp>
+      <p:sp>
+        <p:nvSpPr>
+          <p:cNvPr id="3" name="슬라이드 노트 개체 틀 2"/>
+          <p:cNvSpPr>
+            <a:spLocks noGrp="1"/>
+          </p:cNvSpPr>
+          <p:nvPr>
+            <p:ph type="body" idx="1"/>
+          </p:nvPr>
+        </p:nvSpPr>
+        <p:spPr/>
+        <p:txBody>
+          <a:bodyPr/>
+          <a:lstStyle/>
+          <a:p>
+            <a:r>
+              <a:rPr lang="en-US" altLang="ko-KR" dirty="0"/>
+              <a:t>This is how I am docker for </a:t>
+            </a:r>
+            <a:r>
+              <a:rPr lang="en-US" altLang="ko-KR" dirty="0" err="1"/>
+              <a:t>tensorflow</a:t>
+            </a:r>
+            <a:r>
+              <a:rPr lang="en-US" altLang="ko-KR" dirty="0"/>
+              <a:t>. </a:t>
+            </a:r>
+          </a:p>
+          <a:p>
+            <a:r>
+              <a:rPr lang="en-US" altLang="ko-KR" dirty="0"/>
+              <a:t>As you can see on the first command line of the picture, I can run </a:t>
+            </a:r>
+            <a:r>
+              <a:rPr lang="en-US" altLang="ko-KR" dirty="0" err="1"/>
+              <a:t>tensorflow</a:t>
+            </a:r>
+            <a:r>
+              <a:rPr lang="en-US" altLang="ko-KR" dirty="0"/>
+              <a:t> </a:t>
+            </a:r>
+            <a:r>
+              <a:rPr lang="en-US" altLang="ko-KR" dirty="0" err="1"/>
+              <a:t>gpu</a:t>
+            </a:r>
+            <a:r>
+              <a:rPr lang="en-US" altLang="ko-KR" dirty="0"/>
+              <a:t> with </a:t>
+            </a:r>
+            <a:r>
+              <a:rPr lang="en-US" altLang="ko-KR" dirty="0" err="1"/>
+              <a:t>jupyter</a:t>
+            </a:r>
+            <a:r>
+              <a:rPr lang="en-US" altLang="ko-KR" dirty="0"/>
+              <a:t> notebook in the virtual port.</a:t>
+            </a:r>
+          </a:p>
+          <a:p>
+            <a:r>
+              <a:rPr lang="en-US" altLang="ko-KR" dirty="0"/>
+              <a:t>Docker run –it –</a:t>
+            </a:r>
+            <a:r>
+              <a:rPr lang="en-US" altLang="ko-KR" dirty="0" err="1"/>
+              <a:t>gpus</a:t>
+            </a:r>
+            <a:r>
+              <a:rPr lang="en-US" altLang="ko-KR" dirty="0"/>
+              <a:t> all –p 8888:8888 </a:t>
+            </a:r>
+            <a:r>
+              <a:rPr lang="en-US" altLang="ko-KR" dirty="0" err="1"/>
+              <a:t>tensorflow</a:t>
+            </a:r>
+            <a:r>
+              <a:rPr lang="en-US" altLang="ko-KR" dirty="0"/>
+              <a:t>/tensorflow-gpu-py3-jupyter</a:t>
+            </a:r>
+          </a:p>
+          <a:p>
+            <a:r>
+              <a:rPr lang="en-US" altLang="ko-KR" dirty="0"/>
+              <a:t>Once I execute this command, I will get the virtual URL. </a:t>
+            </a:r>
+          </a:p>
+        </p:txBody>
+      </p:sp>
+      <p:sp>
+        <p:nvSpPr>
+          <p:cNvPr id="4" name="슬라이드 번호 개체 틀 3"/>
+          <p:cNvSpPr>
+            <a:spLocks noGrp="1"/>
+          </p:cNvSpPr>
+          <p:nvPr>
+            <p:ph type="sldNum" sz="quarter" idx="5"/>
+          </p:nvPr>
+        </p:nvSpPr>
+        <p:spPr/>
+        <p:txBody>
+          <a:bodyPr/>
+          <a:lstStyle/>
+          <a:p>
+            <a:pPr>
+              <a:defRPr/>
+            </a:pPr>
+            <a:fld id="{A6E9A276-2B14-42AC-884B-EC73CBBF17F6}" type="slidenum">
+              <a:rPr lang="en-US" smtClean="0"/>
+              <a:pPr>
+                <a:defRPr/>
+              </a:pPr>
+              <a:t>9</a:t>
+            </a:fld>
+            <a:endParaRPr lang="en-US" dirty="0"/>
+          </a:p>
+        </p:txBody>
+      </p:sp>
+    </p:spTree>
+    <p:extLst>
+      <p:ext uri="{BB962C8B-B14F-4D97-AF65-F5344CB8AC3E}">
+        <p14:creationId xmlns:p14="http://schemas.microsoft.com/office/powerpoint/2010/main" val="1525803738"/>
       </p:ext>
     </p:extLst>
   </p:cSld>
@@ -2512,7 +3476,7 @@
                 </a:solidFill>
               </a:rPr>
               <a:pPr algn="r"/>
-              <a:t>June 13, 2023</a:t>
+              <a:t>June 16, 2023</a:t>
             </a:fld>
             <a:endParaRPr lang="en-US" sz="1350" dirty="0">
               <a:solidFill>
@@ -2737,7 +3701,7 @@
                 <a:effectLst/>
               </a:rPr>
               <a:pPr algn="ctr"/>
-              <a:t>June 13, 2023</a:t>
+              <a:t>June 16, 2023</a:t>
             </a:fld>
             <a:endParaRPr lang="en-US" sz="2400" b="0" cap="none" spc="0" dirty="0">
               <a:ln>
@@ -4164,6 +5128,365 @@
 </p:sld>
 </file>
 
+<file path=ppt/slides/slide10.xml><?xml version="1.0" encoding="utf-8"?>
+<p:sld xmlns:a="http://schemas.openxmlformats.org/drawingml/2006/main" xmlns:r="http://schemas.openxmlformats.org/officeDocument/2006/relationships" xmlns:p="http://schemas.openxmlformats.org/presentationml/2006/main">
+  <p:cSld>
+    <p:spTree>
+      <p:nvGrpSpPr>
+        <p:cNvPr id="1" name=""/>
+        <p:cNvGrpSpPr/>
+        <p:nvPr/>
+      </p:nvGrpSpPr>
+      <p:grpSpPr>
+        <a:xfrm>
+          <a:off x="0" y="0"/>
+          <a:ext cx="0" cy="0"/>
+          <a:chOff x="0" y="0"/>
+          <a:chExt cx="0" cy="0"/>
+        </a:xfrm>
+      </p:grpSpPr>
+      <p:sp>
+        <p:nvSpPr>
+          <p:cNvPr id="3" name="Title 2"/>
+          <p:cNvSpPr>
+            <a:spLocks noGrp="1"/>
+          </p:cNvSpPr>
+          <p:nvPr>
+            <p:ph type="title"/>
+          </p:nvPr>
+        </p:nvSpPr>
+        <p:spPr>
+          <a:xfrm>
+            <a:off x="346868" y="249177"/>
+            <a:ext cx="8450263" cy="378565"/>
+          </a:xfrm>
+        </p:spPr>
+        <p:txBody>
+          <a:bodyPr/>
+          <a:lstStyle/>
+          <a:p>
+            <a:pPr lvl="0">
+              <a:defRPr/>
+            </a:pPr>
+            <a:r>
+              <a:rPr lang="en-US" altLang="ko-KR" sz="2400" dirty="0"/>
+              <a:t>Checking GPU acceleration</a:t>
+            </a:r>
+          </a:p>
+        </p:txBody>
+      </p:sp>
+      <p:sp>
+        <p:nvSpPr>
+          <p:cNvPr id="25" name="내용 개체 틀 4">
+            <a:extLst>
+              <a:ext uri="{FF2B5EF4-FFF2-40B4-BE49-F238E27FC236}">
+                <a16:creationId xmlns:a16="http://schemas.microsoft.com/office/drawing/2014/main" id="{78B6002A-9D14-3CD0-1C5C-ACA073463DB2}"/>
+              </a:ext>
+            </a:extLst>
+          </p:cNvPr>
+          <p:cNvSpPr txBox="1">
+            <a:spLocks/>
+          </p:cNvSpPr>
+          <p:nvPr/>
+        </p:nvSpPr>
+        <p:spPr>
+          <a:xfrm>
+            <a:off x="0" y="839386"/>
+            <a:ext cx="8416925" cy="391683"/>
+          </a:xfrm>
+          <a:prstGeom prst="rect">
+            <a:avLst/>
+          </a:prstGeom>
+        </p:spPr>
+        <p:txBody>
+          <a:bodyPr/>
+          <a:lstStyle>
+            <a:lvl1pPr marL="347663" indent="-347663" algn="l" rtl="0" eaLnBrk="0" fontAlgn="base" hangingPunct="0">
+              <a:spcBef>
+                <a:spcPct val="10000"/>
+              </a:spcBef>
+              <a:spcAft>
+                <a:spcPct val="10000"/>
+              </a:spcAft>
+              <a:buClr>
+                <a:srgbClr val="C00000"/>
+              </a:buClr>
+              <a:buFont typeface="Wingdings" charset="2"/>
+              <a:buChar char="n"/>
+              <a:defRPr sz="2000" baseline="0">
+                <a:solidFill>
+                  <a:schemeClr val="tx1"/>
+                </a:solidFill>
+                <a:latin typeface="+mn-lt"/>
+                <a:ea typeface="ＭＳ Ｐゴシック" pitchFamily="-112" charset="-128"/>
+                <a:cs typeface="ＭＳ Ｐゴシック" pitchFamily="-112" charset="-128"/>
+              </a:defRPr>
+            </a:lvl1pPr>
+            <a:lvl2pPr marL="685800" indent="-288925" algn="l" rtl="0" eaLnBrk="0" fontAlgn="base" hangingPunct="0">
+              <a:spcBef>
+                <a:spcPct val="10000"/>
+              </a:spcBef>
+              <a:spcAft>
+                <a:spcPct val="10000"/>
+              </a:spcAft>
+              <a:buClr>
+                <a:srgbClr val="C00000"/>
+              </a:buClr>
+              <a:buFont typeface="Arial" charset="0"/>
+              <a:buChar char="–"/>
+              <a:defRPr sz="1800" baseline="0">
+                <a:solidFill>
+                  <a:schemeClr val="tx1"/>
+                </a:solidFill>
+                <a:latin typeface="+mn-lt"/>
+                <a:ea typeface="ＭＳ Ｐゴシック" pitchFamily="27" charset="-128"/>
+              </a:defRPr>
+            </a:lvl2pPr>
+            <a:lvl3pPr marL="968375" indent="-168275" algn="l" rtl="0" eaLnBrk="0" fontAlgn="base" hangingPunct="0">
+              <a:spcBef>
+                <a:spcPct val="10000"/>
+              </a:spcBef>
+              <a:spcAft>
+                <a:spcPct val="10000"/>
+              </a:spcAft>
+              <a:buClr>
+                <a:srgbClr val="C00000"/>
+              </a:buClr>
+              <a:buFont typeface="Times" charset="0"/>
+              <a:buChar char="•"/>
+              <a:defRPr sz="1600" i="1" baseline="0">
+                <a:solidFill>
+                  <a:schemeClr val="tx1"/>
+                </a:solidFill>
+                <a:latin typeface="+mn-lt"/>
+                <a:ea typeface="ＭＳ Ｐゴシック" pitchFamily="27" charset="-128"/>
+              </a:defRPr>
+            </a:lvl3pPr>
+            <a:lvl4pPr marL="1363663" indent="-280988" algn="l" rtl="0" eaLnBrk="0" fontAlgn="base" hangingPunct="0">
+              <a:spcBef>
+                <a:spcPct val="10000"/>
+              </a:spcBef>
+              <a:spcAft>
+                <a:spcPct val="10000"/>
+              </a:spcAft>
+              <a:buClr>
+                <a:srgbClr val="C00000"/>
+              </a:buClr>
+              <a:buFont typeface="Times" charset="0"/>
+              <a:buChar char="–"/>
+              <a:defRPr sz="1500" baseline="0">
+                <a:solidFill>
+                  <a:schemeClr val="tx1"/>
+                </a:solidFill>
+                <a:latin typeface="+mn-lt"/>
+                <a:ea typeface="ＭＳ Ｐゴシック" pitchFamily="27" charset="-128"/>
+              </a:defRPr>
+            </a:lvl4pPr>
+            <a:lvl5pPr marL="1652588" indent="-174625" algn="l" rtl="0" eaLnBrk="0" fontAlgn="base" hangingPunct="0">
+              <a:spcBef>
+                <a:spcPct val="10000"/>
+              </a:spcBef>
+              <a:spcAft>
+                <a:spcPct val="10000"/>
+              </a:spcAft>
+              <a:buClr>
+                <a:srgbClr val="C00000"/>
+              </a:buClr>
+              <a:buFont typeface="Times" charset="0"/>
+              <a:buChar char="•"/>
+              <a:defRPr sz="1400" i="1" baseline="0">
+                <a:solidFill>
+                  <a:schemeClr val="tx1"/>
+                </a:solidFill>
+                <a:latin typeface="+mn-lt"/>
+                <a:ea typeface="ＭＳ Ｐゴシック" pitchFamily="27" charset="-128"/>
+              </a:defRPr>
+            </a:lvl5pPr>
+            <a:lvl6pPr marL="2109788" indent="-174625" algn="l" rtl="0" eaLnBrk="0" fontAlgn="base" hangingPunct="0">
+              <a:spcBef>
+                <a:spcPct val="10000"/>
+              </a:spcBef>
+              <a:spcAft>
+                <a:spcPct val="10000"/>
+              </a:spcAft>
+              <a:buClr>
+                <a:srgbClr val="800000"/>
+              </a:buClr>
+              <a:buFont typeface="Times" pitchFamily="27" charset="0"/>
+              <a:buChar char="•"/>
+              <a:defRPr i="1">
+                <a:solidFill>
+                  <a:schemeClr val="tx1"/>
+                </a:solidFill>
+                <a:latin typeface="+mn-lt"/>
+                <a:ea typeface="ＭＳ Ｐゴシック" pitchFamily="27" charset="-128"/>
+              </a:defRPr>
+            </a:lvl6pPr>
+            <a:lvl7pPr marL="2566988" indent="-174625" algn="l" rtl="0" eaLnBrk="0" fontAlgn="base" hangingPunct="0">
+              <a:spcBef>
+                <a:spcPct val="10000"/>
+              </a:spcBef>
+              <a:spcAft>
+                <a:spcPct val="10000"/>
+              </a:spcAft>
+              <a:buClr>
+                <a:srgbClr val="800000"/>
+              </a:buClr>
+              <a:buFont typeface="Times" pitchFamily="27" charset="0"/>
+              <a:buChar char="•"/>
+              <a:defRPr i="1">
+                <a:solidFill>
+                  <a:schemeClr val="tx1"/>
+                </a:solidFill>
+                <a:latin typeface="+mn-lt"/>
+                <a:ea typeface="ＭＳ Ｐゴシック" pitchFamily="27" charset="-128"/>
+              </a:defRPr>
+            </a:lvl7pPr>
+            <a:lvl8pPr marL="3024188" indent="-174625" algn="l" rtl="0" eaLnBrk="0" fontAlgn="base" hangingPunct="0">
+              <a:spcBef>
+                <a:spcPct val="10000"/>
+              </a:spcBef>
+              <a:spcAft>
+                <a:spcPct val="10000"/>
+              </a:spcAft>
+              <a:buClr>
+                <a:srgbClr val="800000"/>
+              </a:buClr>
+              <a:buFont typeface="Times" pitchFamily="27" charset="0"/>
+              <a:buChar char="•"/>
+              <a:defRPr i="1">
+                <a:solidFill>
+                  <a:schemeClr val="tx1"/>
+                </a:solidFill>
+                <a:latin typeface="+mn-lt"/>
+                <a:ea typeface="ＭＳ Ｐゴシック" pitchFamily="27" charset="-128"/>
+              </a:defRPr>
+            </a:lvl8pPr>
+            <a:lvl9pPr marL="3481388" indent="-174625" algn="l" rtl="0" eaLnBrk="0" fontAlgn="base" hangingPunct="0">
+              <a:spcBef>
+                <a:spcPct val="10000"/>
+              </a:spcBef>
+              <a:spcAft>
+                <a:spcPct val="10000"/>
+              </a:spcAft>
+              <a:buClr>
+                <a:srgbClr val="800000"/>
+              </a:buClr>
+              <a:buFont typeface="Times" pitchFamily="27" charset="0"/>
+              <a:buChar char="•"/>
+              <a:defRPr i="1">
+                <a:solidFill>
+                  <a:schemeClr val="tx1"/>
+                </a:solidFill>
+                <a:latin typeface="+mn-lt"/>
+                <a:ea typeface="ＭＳ Ｐゴシック" pitchFamily="27" charset="-128"/>
+              </a:defRPr>
+            </a:lvl9pPr>
+          </a:lstStyle>
+          <a:p>
+            <a:endParaRPr lang="en-US" kern="0" dirty="0"/>
+          </a:p>
+        </p:txBody>
+      </p:sp>
+      <p:sp>
+        <p:nvSpPr>
+          <p:cNvPr id="9" name="TextBox 8">
+            <a:extLst>
+              <a:ext uri="{FF2B5EF4-FFF2-40B4-BE49-F238E27FC236}">
+                <a16:creationId xmlns:a16="http://schemas.microsoft.com/office/drawing/2014/main" id="{15476BBF-1F10-B1B5-F46C-D135265D9F37}"/>
+              </a:ext>
+            </a:extLst>
+          </p:cNvPr>
+          <p:cNvSpPr txBox="1"/>
+          <p:nvPr/>
+        </p:nvSpPr>
+        <p:spPr>
+          <a:xfrm>
+            <a:off x="2286000" y="3170283"/>
+            <a:ext cx="4572000" cy="523220"/>
+          </a:xfrm>
+          <a:prstGeom prst="rect">
+            <a:avLst/>
+          </a:prstGeom>
+          <a:noFill/>
+        </p:spPr>
+        <p:txBody>
+          <a:bodyPr wrap="square">
+            <a:spAutoFit/>
+          </a:bodyPr>
+          <a:lstStyle/>
+          <a:p>
+            <a:r>
+              <a:rPr lang="en-US" b="0" dirty="0">
+                <a:effectLst/>
+              </a:rPr>
+              <a:t> </a:t>
+            </a:r>
+            <a:endParaRPr lang="en-US" dirty="0"/>
+          </a:p>
+        </p:txBody>
+      </p:sp>
+      <p:pic>
+        <p:nvPicPr>
+          <p:cNvPr id="2050" name="Picture 2">
+            <a:extLst>
+              <a:ext uri="{FF2B5EF4-FFF2-40B4-BE49-F238E27FC236}">
+                <a16:creationId xmlns:a16="http://schemas.microsoft.com/office/drawing/2014/main" id="{4B4A48F3-16FC-029C-B150-751751F33D1E}"/>
+              </a:ext>
+            </a:extLst>
+          </p:cNvPr>
+          <p:cNvPicPr>
+            <a:picLocks noChangeAspect="1" noChangeArrowheads="1"/>
+          </p:cNvPicPr>
+          <p:nvPr/>
+        </p:nvPicPr>
+        <p:blipFill>
+          <a:blip r:embed="rId3">
+            <a:extLst>
+              <a:ext uri="{28A0092B-C50C-407E-A947-70E740481C1C}">
+                <a14:useLocalDpi xmlns:a14="http://schemas.microsoft.com/office/drawing/2010/main" val="0"/>
+              </a:ext>
+            </a:extLst>
+          </a:blip>
+          <a:srcRect/>
+          <a:stretch>
+            <a:fillRect/>
+          </a:stretch>
+        </p:blipFill>
+        <p:spPr bwMode="auto">
+          <a:xfrm>
+            <a:off x="-1" y="1035227"/>
+            <a:ext cx="9144000" cy="2795587"/>
+          </a:xfrm>
+          <a:prstGeom prst="rect">
+            <a:avLst/>
+          </a:prstGeom>
+          <a:noFill/>
+          <a:extLst>
+            <a:ext uri="{909E8E84-426E-40DD-AFC4-6F175D3DCCD1}">
+              <a14:hiddenFill xmlns:a14="http://schemas.microsoft.com/office/drawing/2010/main">
+                <a:solidFill>
+                  <a:srgbClr val="FFFFFF"/>
+                </a:solidFill>
+              </a14:hiddenFill>
+            </a:ext>
+          </a:extLst>
+        </p:spPr>
+      </p:pic>
+    </p:spTree>
+    <p:extLst>
+      <p:ext uri="{BB962C8B-B14F-4D97-AF65-F5344CB8AC3E}">
+        <p14:creationId xmlns:p14="http://schemas.microsoft.com/office/powerpoint/2010/main" val="1801657846"/>
+      </p:ext>
+    </p:extLst>
+  </p:cSld>
+  <p:clrMapOvr>
+    <a:masterClrMapping/>
+  </p:clrMapOvr>
+  <p:transition/>
+</p:sld>
+</file>
+
 <file path=ppt/slides/slide2.xml><?xml version="1.0" encoding="utf-8"?>
 <p:sld xmlns:a="http://schemas.openxmlformats.org/drawingml/2006/main" xmlns:r="http://schemas.openxmlformats.org/officeDocument/2006/relationships" xmlns:p="http://schemas.openxmlformats.org/presentationml/2006/main">
   <p:cSld>
@@ -4228,7 +5551,7 @@
                 <a:latin typeface="Arial"/>
                 <a:ea typeface="ＭＳ Ｐゴシック"/>
               </a:rPr>
-              <a:t>Current status </a:t>
+              <a:t>Current status – Data mining</a:t>
             </a:r>
           </a:p>
           <a:p>
@@ -4259,7 +5582,100 @@
                 <a:latin typeface="Arial"/>
                 <a:ea typeface="ＭＳ Ｐゴシック"/>
               </a:rPr>
-              <a:t>Active Learning</a:t>
+              <a:t>Way to improve tweet mining</a:t>
+            </a:r>
+          </a:p>
+          <a:p>
+            <a:pPr marL="347345" marR="0" lvl="0" indent="-347345" algn="l" defTabSz="914400" rtl="0" eaLnBrk="0" fontAlgn="base" latinLnBrk="0" hangingPunct="0">
+              <a:lnSpc>
+                <a:spcPct val="150000"/>
+              </a:lnSpc>
+              <a:spcBef>
+                <a:spcPct val="10000"/>
+              </a:spcBef>
+              <a:spcAft>
+                <a:spcPct val="10000"/>
+              </a:spcAft>
+              <a:buClr>
+                <a:srgbClr val="C00000"/>
+              </a:buClr>
+              <a:buSzTx/>
+              <a:buFont typeface="Wingdings" charset="2"/>
+              <a:buChar char="n"/>
+              <a:tabLst/>
+              <a:defRPr/>
+            </a:pPr>
+            <a:r>
+              <a:rPr lang="en-US" altLang="ko-KR" dirty="0">
+                <a:solidFill>
+                  <a:srgbClr val="131313"/>
+                </a:solidFill>
+                <a:latin typeface="Arial"/>
+                <a:ea typeface="ＭＳ Ｐゴシック"/>
+              </a:rPr>
+              <a:t>BERT language model</a:t>
+            </a:r>
+          </a:p>
+          <a:p>
+            <a:pPr marL="347345" marR="0" lvl="0" indent="-347345" algn="l" defTabSz="914400" rtl="0" eaLnBrk="0" fontAlgn="base" latinLnBrk="0" hangingPunct="0">
+              <a:lnSpc>
+                <a:spcPct val="150000"/>
+              </a:lnSpc>
+              <a:spcBef>
+                <a:spcPct val="10000"/>
+              </a:spcBef>
+              <a:spcAft>
+                <a:spcPct val="10000"/>
+              </a:spcAft>
+              <a:buClr>
+                <a:srgbClr val="C00000"/>
+              </a:buClr>
+              <a:buSzTx/>
+              <a:buFont typeface="Wingdings" charset="2"/>
+              <a:buChar char="n"/>
+              <a:tabLst/>
+              <a:defRPr/>
+            </a:pPr>
+            <a:r>
+              <a:rPr lang="en-US" altLang="ko-KR" dirty="0">
+                <a:solidFill>
+                  <a:srgbClr val="131313"/>
+                </a:solidFill>
+                <a:latin typeface="Arial"/>
+                <a:ea typeface="ＭＳ Ｐゴシック"/>
+              </a:rPr>
+              <a:t>BERT model fine-tuned with Sentiment analysis -140</a:t>
+            </a:r>
+          </a:p>
+          <a:p>
+            <a:pPr marL="347345" marR="0" lvl="0" indent="-347345" algn="l" defTabSz="914400" rtl="0" eaLnBrk="0" fontAlgn="base" latinLnBrk="0" hangingPunct="0">
+              <a:lnSpc>
+                <a:spcPct val="150000"/>
+              </a:lnSpc>
+              <a:spcBef>
+                <a:spcPct val="10000"/>
+              </a:spcBef>
+              <a:spcAft>
+                <a:spcPct val="10000"/>
+              </a:spcAft>
+              <a:buClr>
+                <a:srgbClr val="C00000"/>
+              </a:buClr>
+              <a:buSzTx/>
+              <a:buFont typeface="Wingdings" charset="2"/>
+              <a:buChar char="n"/>
+              <a:tabLst/>
+              <a:defRPr/>
+            </a:pPr>
+            <a:r>
+              <a:rPr lang="en-US" altLang="ko-KR" dirty="0">
+                <a:solidFill>
+                  <a:srgbClr val="131313"/>
+                </a:solidFill>
+                <a:latin typeface="Arial"/>
+                <a:ea typeface="ＭＳ Ｐゴシック"/>
+              </a:rPr>
+              <a:t>GPU Acceleration </a:t>
             </a:r>
           </a:p>
         </p:txBody>
@@ -4345,465 +5761,11 @@
             </a:pPr>
             <a:r>
               <a:rPr lang="en-US" altLang="ko-KR" sz="2400" dirty="0"/>
-              <a:t>Research Workflow</a:t>
+              <a:t>Current Status – Mining Tweets</a:t>
             </a:r>
           </a:p>
         </p:txBody>
       </p:sp>
-      <p:sp>
-        <p:nvSpPr>
-          <p:cNvPr id="5" name="내용 개체 틀 4">
-            <a:extLst>
-              <a:ext uri="{FF2B5EF4-FFF2-40B4-BE49-F238E27FC236}">
-                <a16:creationId xmlns:a16="http://schemas.microsoft.com/office/drawing/2014/main" id="{A3938EAC-F070-119B-007B-B7CBDD431F2C}"/>
-              </a:ext>
-            </a:extLst>
-          </p:cNvPr>
-          <p:cNvSpPr>
-            <a:spLocks noGrp="1"/>
-          </p:cNvSpPr>
-          <p:nvPr>
-            <p:ph idx="1"/>
-          </p:nvPr>
-        </p:nvSpPr>
-        <p:spPr>
-          <a:xfrm>
-            <a:off x="4159092" y="940932"/>
-            <a:ext cx="5342891" cy="822151"/>
-          </a:xfrm>
-          <a:ln>
-            <a:solidFill>
-              <a:schemeClr val="tx1"/>
-            </a:solidFill>
-          </a:ln>
-        </p:spPr>
-        <p:txBody>
-          <a:bodyPr/>
-          <a:lstStyle/>
-          <a:p>
-            <a:pPr marL="457200" indent="-457200">
-              <a:buAutoNum type="arabicParenR"/>
-            </a:pPr>
-            <a:r>
-              <a:rPr lang="en-US" sz="1200" u="sng" dirty="0">
-                <a:solidFill>
-                  <a:srgbClr val="0070C0"/>
-                </a:solidFill>
-              </a:rPr>
-              <a:t>Supervised ML – What we are going to implement on the project.</a:t>
-            </a:r>
-          </a:p>
-          <a:p>
-            <a:pPr marL="457200" indent="-457200">
-              <a:buAutoNum type="arabicParenR"/>
-            </a:pPr>
-            <a:r>
-              <a:rPr lang="en-US" sz="1200" dirty="0"/>
-              <a:t>Unsupervised ML</a:t>
-            </a:r>
-          </a:p>
-          <a:p>
-            <a:pPr marL="457200" indent="-457200">
-              <a:buAutoNum type="arabicParenR"/>
-            </a:pPr>
-            <a:r>
-              <a:rPr lang="en-US" sz="1200" dirty="0"/>
-              <a:t>Reinforced ML</a:t>
-            </a:r>
-          </a:p>
-        </p:txBody>
-      </p:sp>
-      <p:grpSp>
-        <p:nvGrpSpPr>
-          <p:cNvPr id="24" name="그룹 23">
-            <a:extLst>
-              <a:ext uri="{FF2B5EF4-FFF2-40B4-BE49-F238E27FC236}">
-                <a16:creationId xmlns:a16="http://schemas.microsoft.com/office/drawing/2014/main" id="{3374DB3D-B214-A47B-5498-2901DFDCC110}"/>
-              </a:ext>
-            </a:extLst>
-          </p:cNvPr>
-          <p:cNvGrpSpPr/>
-          <p:nvPr/>
-        </p:nvGrpSpPr>
-        <p:grpSpPr>
-          <a:xfrm>
-            <a:off x="35582" y="2466825"/>
-            <a:ext cx="8608998" cy="969461"/>
-            <a:chOff x="113686" y="3211169"/>
-            <a:chExt cx="8608998" cy="969461"/>
-          </a:xfrm>
-        </p:grpSpPr>
-        <p:sp>
-          <p:nvSpPr>
-            <p:cNvPr id="7" name="TextBox 6">
-              <a:extLst>
-                <a:ext uri="{FF2B5EF4-FFF2-40B4-BE49-F238E27FC236}">
-                  <a16:creationId xmlns:a16="http://schemas.microsoft.com/office/drawing/2014/main" id="{B55DB76B-A49D-4CF0-E356-0064194E3B41}"/>
-                </a:ext>
-              </a:extLst>
-            </p:cNvPr>
-            <p:cNvSpPr txBox="1"/>
-            <p:nvPr/>
-          </p:nvSpPr>
-          <p:spPr>
-            <a:xfrm>
-              <a:off x="113686" y="3211169"/>
-              <a:ext cx="1562100" cy="338554"/>
-            </a:xfrm>
-            <a:prstGeom prst="rect">
-              <a:avLst/>
-            </a:prstGeom>
-            <a:ln w="12700">
-              <a:solidFill>
-                <a:schemeClr val="tx1"/>
-              </a:solidFill>
-            </a:ln>
-          </p:spPr>
-          <p:txBody>
-            <a:bodyPr wrap="square" rtlCol="0">
-              <a:spAutoFit/>
-            </a:bodyPr>
-            <a:lstStyle/>
-            <a:p>
-              <a:pPr algn="ctr"/>
-              <a:r>
-                <a:rPr lang="en-US" sz="1600" dirty="0"/>
-                <a:t>Data Mining</a:t>
-              </a:r>
-            </a:p>
-          </p:txBody>
-        </p:sp>
-        <p:sp>
-          <p:nvSpPr>
-            <p:cNvPr id="8" name="TextBox 7">
-              <a:extLst>
-                <a:ext uri="{FF2B5EF4-FFF2-40B4-BE49-F238E27FC236}">
-                  <a16:creationId xmlns:a16="http://schemas.microsoft.com/office/drawing/2014/main" id="{9B263D24-6DC7-5A88-7D7D-64A8932D5DD0}"/>
-                </a:ext>
-              </a:extLst>
-            </p:cNvPr>
-            <p:cNvSpPr txBox="1"/>
-            <p:nvPr/>
-          </p:nvSpPr>
-          <p:spPr>
-            <a:xfrm>
-              <a:off x="3529132" y="3211169"/>
-              <a:ext cx="1035723" cy="338554"/>
-            </a:xfrm>
-            <a:prstGeom prst="rect">
-              <a:avLst/>
-            </a:prstGeom>
-            <a:ln w="12700">
-              <a:solidFill>
-                <a:schemeClr val="tx1"/>
-              </a:solidFill>
-            </a:ln>
-          </p:spPr>
-          <p:txBody>
-            <a:bodyPr wrap="square" rtlCol="0">
-              <a:spAutoFit/>
-            </a:bodyPr>
-            <a:lstStyle/>
-            <a:p>
-              <a:pPr algn="ctr"/>
-              <a:r>
-                <a:rPr lang="en-US" altLang="ko-KR" sz="1600" dirty="0"/>
-                <a:t>Model</a:t>
-              </a:r>
-              <a:endParaRPr lang="en-US" sz="1600" dirty="0"/>
-            </a:p>
-          </p:txBody>
-        </p:sp>
-        <p:sp>
-          <p:nvSpPr>
-            <p:cNvPr id="9" name="TextBox 8">
-              <a:extLst>
-                <a:ext uri="{FF2B5EF4-FFF2-40B4-BE49-F238E27FC236}">
-                  <a16:creationId xmlns:a16="http://schemas.microsoft.com/office/drawing/2014/main" id="{8AC3B8CC-505B-A1B8-AE78-0E8D7E657454}"/>
-                </a:ext>
-              </a:extLst>
-            </p:cNvPr>
-            <p:cNvSpPr txBox="1"/>
-            <p:nvPr/>
-          </p:nvSpPr>
-          <p:spPr>
-            <a:xfrm>
-              <a:off x="5091233" y="3223260"/>
-              <a:ext cx="1562100" cy="338554"/>
-            </a:xfrm>
-            <a:prstGeom prst="rect">
-              <a:avLst/>
-            </a:prstGeom>
-            <a:ln w="12700">
-              <a:solidFill>
-                <a:schemeClr val="tx1"/>
-              </a:solidFill>
-            </a:ln>
-          </p:spPr>
-          <p:txBody>
-            <a:bodyPr wrap="square" rtlCol="0">
-              <a:spAutoFit/>
-            </a:bodyPr>
-            <a:lstStyle/>
-            <a:p>
-              <a:pPr algn="ctr"/>
-              <a:r>
-                <a:rPr lang="en-US" altLang="ko-KR" sz="1600" dirty="0"/>
-                <a:t>Test</a:t>
-              </a:r>
-              <a:endParaRPr lang="en-US" sz="1600" dirty="0"/>
-            </a:p>
-          </p:txBody>
-        </p:sp>
-        <p:sp>
-          <p:nvSpPr>
-            <p:cNvPr id="10" name="TextBox 9">
-              <a:extLst>
-                <a:ext uri="{FF2B5EF4-FFF2-40B4-BE49-F238E27FC236}">
-                  <a16:creationId xmlns:a16="http://schemas.microsoft.com/office/drawing/2014/main" id="{29085F49-2E30-8FAD-8361-882A7F3A6F0A}"/>
-                </a:ext>
-              </a:extLst>
-            </p:cNvPr>
-            <p:cNvSpPr txBox="1"/>
-            <p:nvPr/>
-          </p:nvSpPr>
-          <p:spPr>
-            <a:xfrm>
-              <a:off x="7160584" y="3245778"/>
-              <a:ext cx="1562100" cy="338554"/>
-            </a:xfrm>
-            <a:prstGeom prst="rect">
-              <a:avLst/>
-            </a:prstGeom>
-            <a:ln w="12700">
-              <a:solidFill>
-                <a:schemeClr val="tx1"/>
-              </a:solidFill>
-            </a:ln>
-          </p:spPr>
-          <p:txBody>
-            <a:bodyPr wrap="square" rtlCol="0">
-              <a:spAutoFit/>
-            </a:bodyPr>
-            <a:lstStyle/>
-            <a:p>
-              <a:pPr algn="ctr"/>
-              <a:r>
-                <a:rPr lang="en-US" sz="1600" dirty="0"/>
-                <a:t>Assessment</a:t>
-              </a:r>
-            </a:p>
-          </p:txBody>
-        </p:sp>
-        <p:sp>
-          <p:nvSpPr>
-            <p:cNvPr id="12" name="TextBox 11">
-              <a:extLst>
-                <a:ext uri="{FF2B5EF4-FFF2-40B4-BE49-F238E27FC236}">
-                  <a16:creationId xmlns:a16="http://schemas.microsoft.com/office/drawing/2014/main" id="{F32264F7-2D1B-EAA9-4B74-C2FEDC7DA675}"/>
-                </a:ext>
-              </a:extLst>
-            </p:cNvPr>
-            <p:cNvSpPr txBox="1"/>
-            <p:nvPr/>
-          </p:nvSpPr>
-          <p:spPr>
-            <a:xfrm>
-              <a:off x="2264094" y="3712833"/>
-              <a:ext cx="2044064" cy="307777"/>
-            </a:xfrm>
-            <a:prstGeom prst="rect">
-              <a:avLst/>
-            </a:prstGeom>
-          </p:spPr>
-          <p:txBody>
-            <a:bodyPr wrap="square" rtlCol="0">
-              <a:spAutoFit/>
-            </a:bodyPr>
-            <a:lstStyle/>
-            <a:p>
-              <a:endParaRPr lang="en-US" sz="1400" dirty="0"/>
-            </a:p>
-          </p:txBody>
-        </p:sp>
-        <p:sp>
-          <p:nvSpPr>
-            <p:cNvPr id="13" name="TextBox 12">
-              <a:extLst>
-                <a:ext uri="{FF2B5EF4-FFF2-40B4-BE49-F238E27FC236}">
-                  <a16:creationId xmlns:a16="http://schemas.microsoft.com/office/drawing/2014/main" id="{78E37D54-673C-C5B9-1588-555E1DDF5CDD}"/>
-                </a:ext>
-              </a:extLst>
-            </p:cNvPr>
-            <p:cNvSpPr txBox="1"/>
-            <p:nvPr/>
-          </p:nvSpPr>
-          <p:spPr>
-            <a:xfrm>
-              <a:off x="4323874" y="3872853"/>
-              <a:ext cx="2044064" cy="307777"/>
-            </a:xfrm>
-            <a:prstGeom prst="rect">
-              <a:avLst/>
-            </a:prstGeom>
-          </p:spPr>
-          <p:txBody>
-            <a:bodyPr wrap="square" rtlCol="0">
-              <a:spAutoFit/>
-            </a:bodyPr>
-            <a:lstStyle/>
-            <a:p>
-              <a:endParaRPr lang="en-US" sz="1400" dirty="0"/>
-            </a:p>
-          </p:txBody>
-        </p:sp>
-        <p:cxnSp>
-          <p:nvCxnSpPr>
-            <p:cNvPr id="20" name="연결선: 꺾임 19">
-              <a:extLst>
-                <a:ext uri="{FF2B5EF4-FFF2-40B4-BE49-F238E27FC236}">
-                  <a16:creationId xmlns:a16="http://schemas.microsoft.com/office/drawing/2014/main" id="{5287ED06-2C5D-2D12-7C6C-01007A22174A}"/>
-                </a:ext>
-              </a:extLst>
-            </p:cNvPr>
-            <p:cNvCxnSpPr>
-              <a:cxnSpLocks/>
-              <a:stCxn id="10" idx="2"/>
-              <a:endCxn id="8" idx="2"/>
-            </p:cNvCxnSpPr>
-            <p:nvPr/>
-          </p:nvCxnSpPr>
-          <p:spPr>
-            <a:xfrm rot="5400000" flipH="1">
-              <a:off x="5977009" y="1619708"/>
-              <a:ext cx="34609" cy="3894640"/>
-            </a:xfrm>
-            <a:prstGeom prst="bentConnector3">
-              <a:avLst>
-                <a:gd name="adj1" fmla="val -660522"/>
-              </a:avLst>
-            </a:prstGeom>
-            <a:solidFill>
-              <a:schemeClr val="accent1"/>
-            </a:solidFill>
-            <a:ln w="9525" cap="flat" cmpd="sng" algn="ctr">
-              <a:solidFill>
-                <a:schemeClr val="tx1"/>
-              </a:solidFill>
-              <a:prstDash val="solid"/>
-              <a:round/>
-              <a:headEnd w="med" len="med"/>
-              <a:tailEnd type="triangle"/>
-            </a:ln>
-            <a:effectLst/>
-          </p:spPr>
-        </p:cxnSp>
-        <p:sp>
-          <p:nvSpPr>
-            <p:cNvPr id="23" name="TextBox 22">
-              <a:extLst>
-                <a:ext uri="{FF2B5EF4-FFF2-40B4-BE49-F238E27FC236}">
-                  <a16:creationId xmlns:a16="http://schemas.microsoft.com/office/drawing/2014/main" id="{1B20E3C4-4095-F591-A9ED-229808E747C0}"/>
-                </a:ext>
-              </a:extLst>
-            </p:cNvPr>
-            <p:cNvSpPr txBox="1"/>
-            <p:nvPr/>
-          </p:nvSpPr>
-          <p:spPr>
-            <a:xfrm>
-              <a:off x="5302255" y="3866149"/>
-              <a:ext cx="1140056" cy="307777"/>
-            </a:xfrm>
-            <a:prstGeom prst="rect">
-              <a:avLst/>
-            </a:prstGeom>
-          </p:spPr>
-          <p:txBody>
-            <a:bodyPr wrap="none" rtlCol="0">
-              <a:spAutoFit/>
-            </a:bodyPr>
-            <a:lstStyle/>
-            <a:p>
-              <a:r>
-                <a:rPr lang="en-US" sz="1400" dirty="0"/>
-                <a:t>Modification</a:t>
-              </a:r>
-            </a:p>
-          </p:txBody>
-        </p:sp>
-        <p:sp>
-          <p:nvSpPr>
-            <p:cNvPr id="2" name="TextBox 1">
-              <a:extLst>
-                <a:ext uri="{FF2B5EF4-FFF2-40B4-BE49-F238E27FC236}">
-                  <a16:creationId xmlns:a16="http://schemas.microsoft.com/office/drawing/2014/main" id="{E5478EED-89F0-B890-133D-629FB03042A1}"/>
-                </a:ext>
-              </a:extLst>
-            </p:cNvPr>
-            <p:cNvSpPr txBox="1"/>
-            <p:nvPr/>
-          </p:nvSpPr>
-          <p:spPr>
-            <a:xfrm>
-              <a:off x="2193132" y="3863029"/>
-              <a:ext cx="2044064" cy="307777"/>
-            </a:xfrm>
-            <a:prstGeom prst="rect">
-              <a:avLst/>
-            </a:prstGeom>
-          </p:spPr>
-          <p:txBody>
-            <a:bodyPr wrap="square" rtlCol="0">
-              <a:spAutoFit/>
-            </a:bodyPr>
-            <a:lstStyle/>
-            <a:p>
-              <a:endParaRPr lang="en-US" sz="1400" dirty="0"/>
-            </a:p>
-          </p:txBody>
-        </p:sp>
-        <p:sp>
-          <p:nvSpPr>
-            <p:cNvPr id="17" name="TextBox 16">
-              <a:extLst>
-                <a:ext uri="{FF2B5EF4-FFF2-40B4-BE49-F238E27FC236}">
-                  <a16:creationId xmlns:a16="http://schemas.microsoft.com/office/drawing/2014/main" id="{1AF32DCA-A62D-3EFC-5CCE-26F231EA3073}"/>
-                </a:ext>
-              </a:extLst>
-            </p:cNvPr>
-            <p:cNvSpPr txBox="1"/>
-            <p:nvPr/>
-          </p:nvSpPr>
-          <p:spPr>
-            <a:xfrm>
-              <a:off x="1931199" y="3211169"/>
-              <a:ext cx="986785" cy="338554"/>
-            </a:xfrm>
-            <a:prstGeom prst="rect">
-              <a:avLst/>
-            </a:prstGeom>
-            <a:ln w="12700">
-              <a:solidFill>
-                <a:schemeClr val="tx1"/>
-              </a:solidFill>
-            </a:ln>
-          </p:spPr>
-          <p:txBody>
-            <a:bodyPr wrap="square" rtlCol="0">
-              <a:spAutoFit/>
-            </a:bodyPr>
-            <a:lstStyle/>
-            <a:p>
-              <a:pPr algn="ctr"/>
-              <a:r>
-                <a:rPr lang="en-US" sz="1600" dirty="0"/>
-                <a:t>Labeling</a:t>
-              </a:r>
-            </a:p>
-          </p:txBody>
-        </p:sp>
-      </p:grpSp>
       <p:sp>
         <p:nvSpPr>
           <p:cNvPr id="25" name="내용 개체 틀 4">
@@ -5013,284 +5975,140 @@
             </a:lvl9pPr>
           </a:lstStyle>
           <a:p>
-            <a:r>
-              <a:rPr lang="en-US" kern="0" dirty="0"/>
-              <a:t>Flow Chart</a:t>
-            </a:r>
+            <a:endParaRPr lang="en-US" kern="0" dirty="0"/>
           </a:p>
         </p:txBody>
       </p:sp>
-      <p:cxnSp>
-        <p:nvCxnSpPr>
-          <p:cNvPr id="27" name="직선 화살표 연결선 26">
+      <p:sp>
+        <p:nvSpPr>
+          <p:cNvPr id="6" name="내용 개체 틀 5">
             <a:extLst>
               <a:ext uri="{FF2B5EF4-FFF2-40B4-BE49-F238E27FC236}">
-                <a16:creationId xmlns:a16="http://schemas.microsoft.com/office/drawing/2014/main" id="{882A096B-953D-6C19-5372-72704B039407}"/>
+                <a16:creationId xmlns:a16="http://schemas.microsoft.com/office/drawing/2014/main" id="{A6207B35-0340-12A4-6988-544FD03DE64A}"/>
               </a:ext>
             </a:extLst>
           </p:cNvPr>
-          <p:cNvCxnSpPr>
-            <a:cxnSpLocks/>
-          </p:cNvCxnSpPr>
-          <p:nvPr/>
-        </p:nvCxnSpPr>
-        <p:spPr>
-          <a:xfrm>
-            <a:off x="4491676" y="2656735"/>
-            <a:ext cx="535780" cy="0"/>
-          </a:xfrm>
-          <a:prstGeom prst="straightConnector1">
-            <a:avLst/>
-          </a:prstGeom>
-          <a:solidFill>
-            <a:schemeClr val="accent1"/>
-          </a:solidFill>
-          <a:ln w="9525" cap="flat" cmpd="sng" algn="ctr">
-            <a:solidFill>
-              <a:schemeClr val="tx1"/>
-            </a:solidFill>
-            <a:prstDash val="solid"/>
-            <a:round/>
-            <a:headEnd w="med" len="med"/>
-            <a:tailEnd type="triangle"/>
-          </a:ln>
-          <a:effectLst/>
-        </p:spPr>
-      </p:cxnSp>
-      <p:cxnSp>
-        <p:nvCxnSpPr>
-          <p:cNvPr id="31" name="직선 화살표 연결선 30">
-            <a:extLst>
-              <a:ext uri="{FF2B5EF4-FFF2-40B4-BE49-F238E27FC236}">
-                <a16:creationId xmlns:a16="http://schemas.microsoft.com/office/drawing/2014/main" id="{5E76ECF8-22E5-80AF-2916-C951B2ECD8EB}"/>
-              </a:ext>
-            </a:extLst>
-          </p:cNvPr>
-          <p:cNvCxnSpPr>
-            <a:cxnSpLocks/>
-          </p:cNvCxnSpPr>
-          <p:nvPr/>
-        </p:nvCxnSpPr>
-        <p:spPr>
-          <a:xfrm>
-            <a:off x="6589556" y="2656735"/>
-            <a:ext cx="492924" cy="0"/>
-          </a:xfrm>
-          <a:prstGeom prst="straightConnector1">
-            <a:avLst/>
-          </a:prstGeom>
-          <a:solidFill>
-            <a:schemeClr val="accent1"/>
-          </a:solidFill>
-          <a:ln w="9525" cap="flat" cmpd="sng" algn="ctr">
-            <a:solidFill>
-              <a:schemeClr val="tx1"/>
-            </a:solidFill>
-            <a:prstDash val="solid"/>
-            <a:round/>
-            <a:headEnd w="med" len="med"/>
-            <a:tailEnd type="triangle"/>
-          </a:ln>
-          <a:effectLst/>
-        </p:spPr>
-      </p:cxnSp>
-      <p:cxnSp>
-        <p:nvCxnSpPr>
-          <p:cNvPr id="34" name="직선 화살표 연결선 33">
-            <a:extLst>
-              <a:ext uri="{FF2B5EF4-FFF2-40B4-BE49-F238E27FC236}">
-                <a16:creationId xmlns:a16="http://schemas.microsoft.com/office/drawing/2014/main" id="{29E7C8B4-64CD-9CBB-C315-E9E8F265E3A2}"/>
-              </a:ext>
-            </a:extLst>
-          </p:cNvPr>
-          <p:cNvCxnSpPr>
-            <a:cxnSpLocks/>
-            <a:stCxn id="17" idx="3"/>
-            <a:endCxn id="8" idx="1"/>
-          </p:cNvCxnSpPr>
-          <p:nvPr/>
-        </p:nvCxnSpPr>
-        <p:spPr>
-          <a:xfrm>
-            <a:off x="2839880" y="2636102"/>
-            <a:ext cx="611148" cy="0"/>
-          </a:xfrm>
-          <a:prstGeom prst="straightConnector1">
-            <a:avLst/>
-          </a:prstGeom>
-          <a:solidFill>
-            <a:schemeClr val="accent1"/>
-          </a:solidFill>
-          <a:ln w="9525" cap="flat" cmpd="sng" algn="ctr">
-            <a:solidFill>
-              <a:schemeClr val="tx1"/>
-            </a:solidFill>
-            <a:prstDash val="solid"/>
-            <a:round/>
-            <a:headEnd w="med" len="med"/>
-            <a:tailEnd type="triangle"/>
-          </a:ln>
-          <a:effectLst/>
-        </p:spPr>
-      </p:cxnSp>
-      <p:sp>
-        <p:nvSpPr>
-          <p:cNvPr id="38" name="TextBox 37">
-            <a:extLst>
-              <a:ext uri="{FF2B5EF4-FFF2-40B4-BE49-F238E27FC236}">
-                <a16:creationId xmlns:a16="http://schemas.microsoft.com/office/drawing/2014/main" id="{6309A9BD-20CF-B8C8-3EE2-17EDA4F44044}"/>
-              </a:ext>
-            </a:extLst>
-          </p:cNvPr>
-          <p:cNvSpPr txBox="1"/>
-          <p:nvPr/>
+          <p:cNvSpPr>
+            <a:spLocks noGrp="1"/>
+          </p:cNvSpPr>
+          <p:nvPr>
+            <p:ph idx="1"/>
+          </p:nvPr>
         </p:nvSpPr>
-        <p:spPr>
-          <a:xfrm>
-            <a:off x="3855165" y="2069995"/>
-            <a:ext cx="1819515" cy="338554"/>
-          </a:xfrm>
-          <a:prstGeom prst="rect">
-            <a:avLst/>
-          </a:prstGeom>
-          <a:ln>
-            <a:solidFill>
-              <a:schemeClr val="tx1"/>
-            </a:solidFill>
-          </a:ln>
-        </p:spPr>
+        <p:spPr/>
         <p:txBody>
-          <a:bodyPr wrap="square" rtlCol="0">
-            <a:spAutoFit/>
-          </a:bodyPr>
+          <a:bodyPr/>
           <a:lstStyle/>
           <a:p>
             <a:r>
-              <a:rPr lang="en-US" altLang="ko-KR" sz="1600" dirty="0"/>
-              <a:t>Neural Network</a:t>
-            </a:r>
-            <a:endParaRPr lang="en-US" sz="1600" dirty="0"/>
+              <a:rPr lang="en-US" sz="1800" dirty="0">
+                <a:latin typeface="+mj-lt"/>
+                <a:cs typeface="Times New Roman" panose="02020603050405020304" pitchFamily="18" charset="0"/>
+              </a:rPr>
+              <a:t>Current Status – Data mining</a:t>
+            </a:r>
+          </a:p>
+          <a:p>
+            <a:pPr marL="0" indent="0">
+              <a:lnSpc>
+                <a:spcPct val="150000"/>
+              </a:lnSpc>
+              <a:buNone/>
+            </a:pPr>
+            <a:r>
+              <a:rPr lang="en-US" sz="1800" b="1" u="sng" dirty="0">
+                <a:latin typeface="+mj-lt"/>
+                <a:cs typeface="Times New Roman" panose="02020603050405020304" pitchFamily="18" charset="0"/>
+              </a:rPr>
+              <a:t>4,500 nuclear tweets are collected from twitter.</a:t>
+            </a:r>
+          </a:p>
+          <a:p>
+            <a:pPr marL="0" indent="0">
+              <a:lnSpc>
+                <a:spcPct val="150000"/>
+              </a:lnSpc>
+              <a:buNone/>
+            </a:pPr>
+            <a:r>
+              <a:rPr lang="en-US" sz="1800" dirty="0">
+                <a:latin typeface="+mj-lt"/>
+                <a:cs typeface="Times New Roman" panose="02020603050405020304" pitchFamily="18" charset="0"/>
+              </a:rPr>
+              <a:t>Benchmarking the literature, </a:t>
+            </a:r>
+            <a:r>
+              <a:rPr lang="en-US" sz="1800" b="1" u="sng" dirty="0">
+                <a:latin typeface="+mj-lt"/>
+                <a:cs typeface="Times New Roman" panose="02020603050405020304" pitchFamily="18" charset="0"/>
+              </a:rPr>
+              <a:t>at least 10,000 tweets are required for the research.  </a:t>
+            </a:r>
+          </a:p>
+          <a:p>
+            <a:pPr marL="0" indent="0">
+              <a:lnSpc>
+                <a:spcPct val="150000"/>
+              </a:lnSpc>
+              <a:buNone/>
+            </a:pPr>
+            <a:r>
+              <a:rPr lang="en-US" sz="1400" dirty="0">
+                <a:latin typeface="+mj-lt"/>
+                <a:cs typeface="Times New Roman" panose="02020603050405020304" pitchFamily="18" charset="0"/>
+              </a:rPr>
+              <a:t>Source : </a:t>
+            </a:r>
+            <a:r>
+              <a:rPr lang="en-US" sz="1400" dirty="0" err="1">
+                <a:latin typeface="+mj-lt"/>
+                <a:cs typeface="Times New Roman" panose="02020603050405020304" pitchFamily="18" charset="0"/>
+              </a:rPr>
+              <a:t>Aparup</a:t>
+            </a:r>
+            <a:r>
+              <a:rPr lang="en-US" sz="1400" dirty="0">
+                <a:latin typeface="+mj-lt"/>
+                <a:cs typeface="Times New Roman" panose="02020603050405020304" pitchFamily="18" charset="0"/>
+              </a:rPr>
+              <a:t> </a:t>
+            </a:r>
+            <a:r>
+              <a:rPr lang="en-US" sz="1400" dirty="0" err="1">
+                <a:latin typeface="+mj-lt"/>
+                <a:cs typeface="Times New Roman" panose="02020603050405020304" pitchFamily="18" charset="0"/>
+              </a:rPr>
+              <a:t>Kahtua</a:t>
+            </a:r>
+            <a:r>
+              <a:rPr lang="en-US" sz="1400" dirty="0">
+                <a:latin typeface="+mj-lt"/>
+                <a:cs typeface="Times New Roman" panose="02020603050405020304" pitchFamily="18" charset="0"/>
+              </a:rPr>
+              <a:t>, Eric Cambria ‘Deciphering public opinion of nuclear energy on twitter)’</a:t>
+            </a:r>
+          </a:p>
+          <a:p>
+            <a:pPr marL="0" indent="0">
+              <a:lnSpc>
+                <a:spcPct val="150000"/>
+              </a:lnSpc>
+              <a:buNone/>
+            </a:pPr>
+            <a:r>
+              <a:rPr lang="en-US" sz="1800" dirty="0">
+                <a:latin typeface="+mj-lt"/>
+                <a:cs typeface="Times New Roman" panose="02020603050405020304" pitchFamily="18" charset="0"/>
+              </a:rPr>
+              <a:t>* Current Twitter API subscription allows us to obtain 10k tweets a month.</a:t>
+            </a:r>
           </a:p>
         </p:txBody>
       </p:sp>
-      <p:cxnSp>
-        <p:nvCxnSpPr>
-          <p:cNvPr id="40" name="직선 화살표 연결선 39">
-            <a:extLst>
-              <a:ext uri="{FF2B5EF4-FFF2-40B4-BE49-F238E27FC236}">
-                <a16:creationId xmlns:a16="http://schemas.microsoft.com/office/drawing/2014/main" id="{381080A9-2FCB-040C-0AD4-88AB5471A9CB}"/>
-              </a:ext>
-            </a:extLst>
-          </p:cNvPr>
-          <p:cNvCxnSpPr>
-            <a:cxnSpLocks/>
-            <a:stCxn id="38" idx="2"/>
-          </p:cNvCxnSpPr>
-          <p:nvPr/>
-        </p:nvCxnSpPr>
-        <p:spPr>
-          <a:xfrm>
-            <a:off x="4764923" y="2408549"/>
-            <a:ext cx="5835" cy="248186"/>
-          </a:xfrm>
-          <a:prstGeom prst="straightConnector1">
-            <a:avLst/>
-          </a:prstGeom>
-          <a:solidFill>
-            <a:schemeClr val="accent1"/>
-          </a:solidFill>
-          <a:ln w="9525" cap="flat" cmpd="sng" algn="ctr">
-            <a:solidFill>
-              <a:schemeClr val="tx1"/>
-            </a:solidFill>
-            <a:prstDash val="solid"/>
-            <a:round/>
-            <a:headEnd w="med" len="med"/>
-            <a:tailEnd type="triangle"/>
-          </a:ln>
-          <a:effectLst/>
-        </p:spPr>
-      </p:cxnSp>
-      <p:cxnSp>
-        <p:nvCxnSpPr>
-          <p:cNvPr id="43" name="직선 화살표 연결선 42">
-            <a:extLst>
-              <a:ext uri="{FF2B5EF4-FFF2-40B4-BE49-F238E27FC236}">
-                <a16:creationId xmlns:a16="http://schemas.microsoft.com/office/drawing/2014/main" id="{05D617C5-1BEE-AFB7-8274-BDC36DCA7F43}"/>
-              </a:ext>
-            </a:extLst>
-          </p:cNvPr>
-          <p:cNvCxnSpPr>
-            <a:cxnSpLocks/>
-            <a:stCxn id="38" idx="0"/>
-            <a:endCxn id="5" idx="2"/>
-          </p:cNvCxnSpPr>
-          <p:nvPr/>
-        </p:nvCxnSpPr>
-        <p:spPr>
-          <a:xfrm flipV="1">
-            <a:off x="4764923" y="1763083"/>
-            <a:ext cx="2065615" cy="306912"/>
-          </a:xfrm>
-          <a:prstGeom prst="straightConnector1">
-            <a:avLst/>
-          </a:prstGeom>
-          <a:solidFill>
-            <a:schemeClr val="accent1"/>
-          </a:solidFill>
-          <a:ln w="9525" cap="flat" cmpd="sng" algn="ctr">
-            <a:solidFill>
-              <a:schemeClr val="tx1"/>
-            </a:solidFill>
-            <a:prstDash val="solid"/>
-            <a:round/>
-            <a:headEnd w="med" len="med"/>
-            <a:tailEnd type="triangle"/>
-          </a:ln>
-          <a:effectLst/>
-        </p:spPr>
-      </p:cxnSp>
-      <p:cxnSp>
-        <p:nvCxnSpPr>
-          <p:cNvPr id="16" name="직선 화살표 연결선 15">
-            <a:extLst>
-              <a:ext uri="{FF2B5EF4-FFF2-40B4-BE49-F238E27FC236}">
-                <a16:creationId xmlns:a16="http://schemas.microsoft.com/office/drawing/2014/main" id="{F24F772C-8716-0757-E768-4CEF69757886}"/>
-              </a:ext>
-            </a:extLst>
-          </p:cNvPr>
-          <p:cNvCxnSpPr>
-            <a:cxnSpLocks/>
-          </p:cNvCxnSpPr>
-          <p:nvPr/>
-        </p:nvCxnSpPr>
-        <p:spPr>
-          <a:xfrm>
-            <a:off x="1597682" y="2627696"/>
-            <a:ext cx="262576" cy="0"/>
-          </a:xfrm>
-          <a:prstGeom prst="straightConnector1">
-            <a:avLst/>
-          </a:prstGeom>
-          <a:solidFill>
-            <a:schemeClr val="accent1"/>
-          </a:solidFill>
-          <a:ln w="9525" cap="flat" cmpd="sng" algn="ctr">
-            <a:solidFill>
-              <a:schemeClr val="tx1"/>
-            </a:solidFill>
-            <a:prstDash val="solid"/>
-            <a:round/>
-            <a:headEnd w="med" len="med"/>
-            <a:tailEnd type="triangle"/>
-          </a:ln>
-          <a:effectLst/>
-        </p:spPr>
-      </p:cxnSp>
     </p:spTree>
     <p:extLst>
       <p:ext uri="{BB962C8B-B14F-4D97-AF65-F5344CB8AC3E}">
-        <p14:creationId xmlns:p14="http://schemas.microsoft.com/office/powerpoint/2010/main" val="4114512567"/>
+        <p14:creationId xmlns:p14="http://schemas.microsoft.com/office/powerpoint/2010/main" val="1314629137"/>
       </p:ext>
     </p:extLst>
   </p:cSld>
@@ -5343,7 +6161,7 @@
             </a:pPr>
             <a:r>
               <a:rPr lang="en-US" altLang="ko-KR" sz="2400" dirty="0"/>
-              <a:t>Current Status – Mining Tweets</a:t>
+              <a:t>Can we improve Data Mining?</a:t>
             </a:r>
           </a:p>
         </p:txBody>
@@ -5583,191 +6401,41 @@
           <a:lstStyle/>
           <a:p>
             <a:r>
-              <a:rPr lang="en-US" dirty="0">
-                <a:latin typeface="Times New Roman" panose="02020603050405020304" pitchFamily="18" charset="0"/>
+              <a:rPr lang="en-US" altLang="ko-KR" sz="1800" dirty="0">
+                <a:latin typeface="+mj-lt"/>
                 <a:cs typeface="Times New Roman" panose="02020603050405020304" pitchFamily="18" charset="0"/>
               </a:rPr>
-              <a:t>Current Status – Data mining</a:t>
-            </a:r>
-          </a:p>
-          <a:p>
-            <a:pPr marL="0" indent="0">
-              <a:buNone/>
-            </a:pPr>
-            <a:r>
-              <a:rPr lang="en-US" dirty="0">
-                <a:latin typeface="Times New Roman" panose="02020603050405020304" pitchFamily="18" charset="0"/>
+              <a:t>Clear presentation of keywords (queries)</a:t>
+            </a:r>
+          </a:p>
+          <a:p>
+            <a:endParaRPr lang="en-US" altLang="ko-KR" sz="1800" dirty="0">
+              <a:latin typeface="+mj-lt"/>
+              <a:cs typeface="Times New Roman" panose="02020603050405020304" pitchFamily="18" charset="0"/>
+            </a:endParaRPr>
+          </a:p>
+          <a:p>
+            <a:r>
+              <a:rPr lang="en-US" altLang="ko-KR" sz="1800" dirty="0">
+                <a:latin typeface="+mj-lt"/>
                 <a:cs typeface="Times New Roman" panose="02020603050405020304" pitchFamily="18" charset="0"/>
               </a:rPr>
-              <a:t>More than 1,000 nuclear tweets are collected from twitter.</a:t>
-            </a:r>
-          </a:p>
-          <a:p>
-            <a:pPr marL="0" indent="0">
-              <a:buNone/>
-            </a:pPr>
-            <a:r>
-              <a:rPr lang="en-US" dirty="0">
-                <a:latin typeface="Times New Roman" panose="02020603050405020304" pitchFamily="18" charset="0"/>
+              <a:t>Automation of data-mining process </a:t>
+            </a:r>
+          </a:p>
+          <a:p>
+            <a:endParaRPr lang="en-US" altLang="ko-KR" sz="1800" dirty="0">
+              <a:latin typeface="+mj-lt"/>
+              <a:cs typeface="Times New Roman" panose="02020603050405020304" pitchFamily="18" charset="0"/>
+            </a:endParaRPr>
+          </a:p>
+          <a:p>
+            <a:r>
+              <a:rPr lang="en-US" altLang="ko-KR" sz="1800" dirty="0">
+                <a:latin typeface="+mj-lt"/>
                 <a:cs typeface="Times New Roman" panose="02020603050405020304" pitchFamily="18" charset="0"/>
               </a:rPr>
-              <a:t>Benchmarking the literature, </a:t>
-            </a:r>
-            <a:r>
-              <a:rPr lang="en-US" b="1" u="sng" dirty="0">
-                <a:latin typeface="Times New Roman" panose="02020603050405020304" pitchFamily="18" charset="0"/>
-                <a:cs typeface="Times New Roman" panose="02020603050405020304" pitchFamily="18" charset="0"/>
-              </a:rPr>
-              <a:t>at least 10,000 tweets are required for the research.  </a:t>
-            </a:r>
-          </a:p>
-          <a:p>
-            <a:pPr marL="0" indent="0">
-              <a:buNone/>
-            </a:pPr>
-            <a:r>
-              <a:rPr lang="en-US" sz="1600" dirty="0">
-                <a:latin typeface="Times New Roman" panose="02020603050405020304" pitchFamily="18" charset="0"/>
-                <a:cs typeface="Times New Roman" panose="02020603050405020304" pitchFamily="18" charset="0"/>
-              </a:rPr>
-              <a:t>Source : </a:t>
-            </a:r>
-            <a:r>
-              <a:rPr lang="en-US" sz="1600" dirty="0" err="1">
-                <a:latin typeface="Times New Roman" panose="02020603050405020304" pitchFamily="18" charset="0"/>
-                <a:cs typeface="Times New Roman" panose="02020603050405020304" pitchFamily="18" charset="0"/>
-              </a:rPr>
-              <a:t>Aparup</a:t>
-            </a:r>
-            <a:r>
-              <a:rPr lang="en-US" sz="1600" dirty="0">
-                <a:latin typeface="Times New Roman" panose="02020603050405020304" pitchFamily="18" charset="0"/>
-                <a:cs typeface="Times New Roman" panose="02020603050405020304" pitchFamily="18" charset="0"/>
-              </a:rPr>
-              <a:t> </a:t>
-            </a:r>
-            <a:r>
-              <a:rPr lang="en-US" sz="1600" dirty="0" err="1">
-                <a:latin typeface="Times New Roman" panose="02020603050405020304" pitchFamily="18" charset="0"/>
-                <a:cs typeface="Times New Roman" panose="02020603050405020304" pitchFamily="18" charset="0"/>
-              </a:rPr>
-              <a:t>Kahtua</a:t>
-            </a:r>
-            <a:r>
-              <a:rPr lang="en-US" sz="1600" dirty="0">
-                <a:latin typeface="Times New Roman" panose="02020603050405020304" pitchFamily="18" charset="0"/>
-                <a:cs typeface="Times New Roman" panose="02020603050405020304" pitchFamily="18" charset="0"/>
-              </a:rPr>
-              <a:t>, Eric Cambria ‘Deciphering public opinion of nuclear energy on twitter)’</a:t>
-            </a:r>
-          </a:p>
-          <a:p>
-            <a:pPr marL="0" indent="0">
-              <a:buNone/>
-            </a:pPr>
-            <a:r>
-              <a:rPr lang="en-US" dirty="0">
-                <a:latin typeface="Times New Roman" panose="02020603050405020304" pitchFamily="18" charset="0"/>
-                <a:cs typeface="Times New Roman" panose="02020603050405020304" pitchFamily="18" charset="0"/>
-              </a:rPr>
-              <a:t>* Current Twitter API subscription allows us to obtain 10k tweets a month.</a:t>
-            </a:r>
-          </a:p>
-        </p:txBody>
-      </p:sp>
-      <p:pic>
-        <p:nvPicPr>
-          <p:cNvPr id="14" name="그림 13">
-            <a:extLst>
-              <a:ext uri="{FF2B5EF4-FFF2-40B4-BE49-F238E27FC236}">
-                <a16:creationId xmlns:a16="http://schemas.microsoft.com/office/drawing/2014/main" id="{E9DF373F-1E1E-3469-9DF3-EF3C98C3DCC0}"/>
-              </a:ext>
-            </a:extLst>
-          </p:cNvPr>
-          <p:cNvPicPr>
-            <a:picLocks noChangeAspect="1"/>
-          </p:cNvPicPr>
-          <p:nvPr/>
-        </p:nvPicPr>
-        <p:blipFill>
-          <a:blip r:embed="rId3"/>
-          <a:stretch>
-            <a:fillRect/>
-          </a:stretch>
-        </p:blipFill>
-        <p:spPr>
-          <a:xfrm>
-            <a:off x="578000" y="3235415"/>
-            <a:ext cx="3566469" cy="1790855"/>
-          </a:xfrm>
-          <a:prstGeom prst="rect">
-            <a:avLst/>
-          </a:prstGeom>
-        </p:spPr>
-      </p:pic>
-      <p:pic>
-        <p:nvPicPr>
-          <p:cNvPr id="18" name="그림 17">
-            <a:extLst>
-              <a:ext uri="{FF2B5EF4-FFF2-40B4-BE49-F238E27FC236}">
-                <a16:creationId xmlns:a16="http://schemas.microsoft.com/office/drawing/2014/main" id="{A486CA49-FBF7-43F1-C15F-DD2513FC9D0B}"/>
-              </a:ext>
-            </a:extLst>
-          </p:cNvPr>
-          <p:cNvPicPr>
-            <a:picLocks noChangeAspect="1"/>
-          </p:cNvPicPr>
-          <p:nvPr/>
-        </p:nvPicPr>
-        <p:blipFill>
-          <a:blip r:embed="rId4"/>
-          <a:stretch>
-            <a:fillRect/>
-          </a:stretch>
-        </p:blipFill>
-        <p:spPr>
-          <a:xfrm>
-            <a:off x="4554104" y="3204548"/>
-            <a:ext cx="3566469" cy="1628138"/>
-          </a:xfrm>
-          <a:prstGeom prst="rect">
-            <a:avLst/>
-          </a:prstGeom>
-        </p:spPr>
-      </p:pic>
-      <p:sp>
-        <p:nvSpPr>
-          <p:cNvPr id="19" name="TextBox 18">
-            <a:extLst>
-              <a:ext uri="{FF2B5EF4-FFF2-40B4-BE49-F238E27FC236}">
-                <a16:creationId xmlns:a16="http://schemas.microsoft.com/office/drawing/2014/main" id="{F6D44BAE-B8F8-D486-D3DF-3319F6B5B39E}"/>
-              </a:ext>
-            </a:extLst>
-          </p:cNvPr>
-          <p:cNvSpPr txBox="1"/>
-          <p:nvPr/>
-        </p:nvSpPr>
-        <p:spPr>
-          <a:xfrm>
-            <a:off x="2520654" y="5165286"/>
-            <a:ext cx="4102692" cy="400110"/>
-          </a:xfrm>
-          <a:prstGeom prst="rect">
-            <a:avLst/>
-          </a:prstGeom>
-        </p:spPr>
-        <p:txBody>
-          <a:bodyPr wrap="square" rtlCol="0">
-            <a:spAutoFit/>
-          </a:bodyPr>
-          <a:lstStyle/>
-          <a:p>
-            <a:r>
-              <a:rPr lang="en-US" sz="2000" dirty="0">
-                <a:latin typeface="Times New Roman" panose="02020603050405020304" pitchFamily="18" charset="0"/>
-                <a:cs typeface="Times New Roman" panose="02020603050405020304" pitchFamily="18" charset="0"/>
-              </a:rPr>
-              <a:t>Conclusion - The more, the better!</a:t>
+              <a:t>Removing duplicated RT</a:t>
             </a:r>
           </a:p>
         </p:txBody>
@@ -5775,7 +6443,7 @@
     </p:spTree>
     <p:extLst>
       <p:ext uri="{BB962C8B-B14F-4D97-AF65-F5344CB8AC3E}">
-        <p14:creationId xmlns:p14="http://schemas.microsoft.com/office/powerpoint/2010/main" val="1314629137"/>
+        <p14:creationId xmlns:p14="http://schemas.microsoft.com/office/powerpoint/2010/main" val="2472056223"/>
       </p:ext>
     </p:extLst>
   </p:cSld>
@@ -5828,7 +6496,7 @@
             </a:pPr>
             <a:r>
               <a:rPr lang="en-US" altLang="ko-KR" sz="2400" dirty="0"/>
-              <a:t>Current Status – Data Labeling</a:t>
+              <a:t>BERT language model</a:t>
             </a:r>
           </a:p>
         </p:txBody>
@@ -6065,7 +6733,7 @@
         <p:spPr>
           <a:xfrm>
             <a:off x="346075" y="874567"/>
-            <a:ext cx="8416925" cy="2250598"/>
+            <a:ext cx="4068987" cy="1253183"/>
           </a:xfrm>
         </p:spPr>
         <p:txBody>
@@ -6073,78 +6741,291 @@
           <a:lstStyle/>
           <a:p>
             <a:r>
-              <a:rPr lang="en-US" dirty="0">
+              <a:rPr lang="en-US" altLang="ko-KR" dirty="0">
                 <a:latin typeface="+mj-lt"/>
                 <a:cs typeface="Times New Roman" panose="02020603050405020304" pitchFamily="18" charset="0"/>
               </a:rPr>
-              <a:t>Current Status – Data Labeling</a:t>
-            </a:r>
-          </a:p>
-          <a:p>
-            <a:pPr marL="0" indent="0">
-              <a:buNone/>
-            </a:pPr>
-            <a:r>
-              <a:rPr lang="en-US" dirty="0">
-                <a:latin typeface="+mj-lt"/>
-                <a:cs typeface="Times New Roman" panose="02020603050405020304" pitchFamily="18" charset="0"/>
-              </a:rPr>
-              <a:t>Data labeling is one of the most arduous jobs in ML process. Industries usually hire people to label the data.</a:t>
-            </a:r>
-          </a:p>
-          <a:p>
-            <a:pPr marL="0" indent="0">
-              <a:buNone/>
-            </a:pPr>
-            <a:r>
-              <a:rPr lang="en-US" dirty="0" err="1">
-                <a:latin typeface="+mj-lt"/>
-                <a:cs typeface="Times New Roman" panose="02020603050405020304" pitchFamily="18" charset="0"/>
-              </a:rPr>
-              <a:t>Doccano</a:t>
-            </a:r>
-            <a:r>
-              <a:rPr lang="en-US" dirty="0">
-                <a:latin typeface="+mj-lt"/>
-                <a:cs typeface="Times New Roman" panose="02020603050405020304" pitchFamily="18" charset="0"/>
-              </a:rPr>
-              <a:t> is a good software that we can utilize for data labeling management, but it seems like that we cannot automatically label all the data using python API.</a:t>
-            </a:r>
-          </a:p>
-          <a:p>
-            <a:pPr marL="0" indent="0">
-              <a:buNone/>
-            </a:pPr>
-            <a:r>
-              <a:rPr lang="en-US" dirty="0">
-                <a:latin typeface="+mj-lt"/>
-                <a:cs typeface="Times New Roman" panose="02020603050405020304" pitchFamily="18" charset="0"/>
-              </a:rPr>
-              <a:t>Though </a:t>
-            </a:r>
-            <a:r>
-              <a:rPr lang="en-US" dirty="0" err="1">
-                <a:latin typeface="+mj-lt"/>
-                <a:cs typeface="Times New Roman" panose="02020603050405020304" pitchFamily="18" charset="0"/>
-              </a:rPr>
-              <a:t>Doccano</a:t>
-            </a:r>
-            <a:r>
-              <a:rPr lang="en-US" dirty="0">
-                <a:latin typeface="+mj-lt"/>
-                <a:cs typeface="Times New Roman" panose="02020603050405020304" pitchFamily="18" charset="0"/>
-              </a:rPr>
-              <a:t> can reduce the amount of work, it does not completely automate the labeling process. (Because API does not support for auto-labeling.)</a:t>
-            </a:r>
-          </a:p>
-          <a:p>
-            <a:pPr marL="0" indent="0">
-              <a:buNone/>
-            </a:pPr>
+              <a:t>Idea</a:t>
+            </a:r>
+          </a:p>
+          <a:p>
             <a:endParaRPr lang="en-US" dirty="0">
               <a:latin typeface="Times New Roman" panose="02020603050405020304" pitchFamily="18" charset="0"/>
               <a:cs typeface="Times New Roman" panose="02020603050405020304" pitchFamily="18" charset="0"/>
             </a:endParaRPr>
+          </a:p>
+        </p:txBody>
+      </p:sp>
+      <p:pic>
+        <p:nvPicPr>
+          <p:cNvPr id="1026" name="Picture 2" descr="이미지:구글, 편집:본지">
+            <a:extLst>
+              <a:ext uri="{FF2B5EF4-FFF2-40B4-BE49-F238E27FC236}">
+                <a16:creationId xmlns:a16="http://schemas.microsoft.com/office/drawing/2014/main" id="{48DB61B4-3350-3417-2998-5DBDEF2E6C23}"/>
+              </a:ext>
+            </a:extLst>
+          </p:cNvPr>
+          <p:cNvPicPr>
+            <a:picLocks noChangeAspect="1" noChangeArrowheads="1"/>
+          </p:cNvPicPr>
+          <p:nvPr/>
+        </p:nvPicPr>
+        <p:blipFill>
+          <a:blip r:embed="rId3">
+            <a:extLst>
+              <a:ext uri="{28A0092B-C50C-407E-A947-70E740481C1C}">
+                <a14:useLocalDpi xmlns:a14="http://schemas.microsoft.com/office/drawing/2010/main" val="0"/>
+              </a:ext>
+            </a:extLst>
+          </a:blip>
+          <a:srcRect/>
+          <a:stretch>
+            <a:fillRect/>
+          </a:stretch>
+        </p:blipFill>
+        <p:spPr bwMode="auto">
+          <a:xfrm>
+            <a:off x="258129" y="1567430"/>
+            <a:ext cx="3023747" cy="1861570"/>
+          </a:xfrm>
+          <a:prstGeom prst="rect">
+            <a:avLst/>
+          </a:prstGeom>
+          <a:noFill/>
+          <a:extLst>
+            <a:ext uri="{909E8E84-426E-40DD-AFC4-6F175D3DCCD1}">
+              <a14:hiddenFill xmlns:a14="http://schemas.microsoft.com/office/drawing/2010/main">
+                <a:solidFill>
+                  <a:srgbClr val="FFFFFF"/>
+                </a:solidFill>
+              </a14:hiddenFill>
+            </a:ext>
+          </a:extLst>
+        </p:spPr>
+      </p:pic>
+      <p:sp>
+        <p:nvSpPr>
+          <p:cNvPr id="2" name="TextBox 1">
+            <a:extLst>
+              <a:ext uri="{FF2B5EF4-FFF2-40B4-BE49-F238E27FC236}">
+                <a16:creationId xmlns:a16="http://schemas.microsoft.com/office/drawing/2014/main" id="{658F8EC0-5F85-67C1-FCCF-B0CC06CFCAC8}"/>
+              </a:ext>
+            </a:extLst>
+          </p:cNvPr>
+          <p:cNvSpPr txBox="1"/>
+          <p:nvPr/>
+        </p:nvSpPr>
+        <p:spPr>
+          <a:xfrm>
+            <a:off x="922020" y="3550920"/>
+            <a:ext cx="1828800" cy="307777"/>
+          </a:xfrm>
+          <a:prstGeom prst="rect">
+            <a:avLst/>
+          </a:prstGeom>
+        </p:spPr>
+        <p:txBody>
+          <a:bodyPr wrap="square" rtlCol="0">
+            <a:spAutoFit/>
+          </a:bodyPr>
+          <a:lstStyle/>
+          <a:p>
+            <a:r>
+              <a:rPr lang="en-US" altLang="ko-KR" sz="1400" dirty="0"/>
+              <a:t>Pre-trained BERT</a:t>
+            </a:r>
+            <a:endParaRPr lang="en-US" sz="1400" dirty="0"/>
+          </a:p>
+        </p:txBody>
+      </p:sp>
+      <p:sp>
+        <p:nvSpPr>
+          <p:cNvPr id="4" name="화살표: 오른쪽 3">
+            <a:extLst>
+              <a:ext uri="{FF2B5EF4-FFF2-40B4-BE49-F238E27FC236}">
+                <a16:creationId xmlns:a16="http://schemas.microsoft.com/office/drawing/2014/main" id="{D68CD9C1-8622-A032-C10B-507625038224}"/>
+              </a:ext>
+            </a:extLst>
+          </p:cNvPr>
+          <p:cNvSpPr/>
+          <p:nvPr/>
+        </p:nvSpPr>
+        <p:spPr>
+          <a:xfrm>
+            <a:off x="3776186" y="2194739"/>
+            <a:ext cx="2085940" cy="310650"/>
+          </a:xfrm>
+          <a:prstGeom prst="rightArrow">
+            <a:avLst/>
+          </a:prstGeom>
+          <a:solidFill>
+            <a:schemeClr val="accent1"/>
+          </a:solidFill>
+          <a:ln w="9525" cap="flat" cmpd="sng" algn="ctr">
+            <a:solidFill>
+              <a:schemeClr val="tx1"/>
+            </a:solidFill>
+            <a:prstDash val="solid"/>
+            <a:round/>
+            <a:headEnd w="med" len="med"/>
+            <a:tailEnd w="med" len="med"/>
+          </a:ln>
+          <a:effectLst/>
+        </p:spPr>
+        <p:txBody>
+          <a:bodyPr vert="horz" wrap="square" lIns="91440" tIns="45720" rIns="91440" bIns="45720" numCol="1" rtlCol="0" anchor="t" anchorCtr="0" compatLnSpc="1">
+            <a:prstTxWarp prst="textNoShape">
+              <a:avLst/>
+            </a:prstTxWarp>
+          </a:bodyPr>
+          <a:lstStyle/>
+          <a:p>
+            <a:pPr marL="0" marR="0" indent="0" algn="l" defTabSz="914400" rtl="0" eaLnBrk="0" fontAlgn="base" latinLnBrk="0" hangingPunct="0">
+              <a:lnSpc>
+                <a:spcPct val="100000"/>
+              </a:lnSpc>
+              <a:spcBef>
+                <a:spcPct val="0"/>
+              </a:spcBef>
+              <a:spcAft>
+                <a:spcPct val="0"/>
+              </a:spcAft>
+              <a:buClrTx/>
+              <a:buFontTx/>
+              <a:buNone/>
+            </a:pPr>
+            <a:endParaRPr kumimoji="0" lang="en-US" sz="2800" b="0" i="0" u="none" strike="noStrike" cap="none" normalizeH="0" baseline="0">
+              <a:solidFill>
+                <a:schemeClr val="tx1"/>
+              </a:solidFill>
+              <a:effectLst/>
+              <a:latin typeface="Arial"/>
+              <a:ea typeface="MS PGothic"/>
+              <a:cs typeface="MS PGothic"/>
+            </a:endParaRPr>
+          </a:p>
+        </p:txBody>
+      </p:sp>
+      <p:sp>
+        <p:nvSpPr>
+          <p:cNvPr id="5" name="TextBox 4">
+            <a:extLst>
+              <a:ext uri="{FF2B5EF4-FFF2-40B4-BE49-F238E27FC236}">
+                <a16:creationId xmlns:a16="http://schemas.microsoft.com/office/drawing/2014/main" id="{0677C807-1622-2E45-C538-B4D23300C8F7}"/>
+              </a:ext>
+            </a:extLst>
+          </p:cNvPr>
+          <p:cNvSpPr txBox="1"/>
+          <p:nvPr/>
+        </p:nvSpPr>
+        <p:spPr>
+          <a:xfrm>
+            <a:off x="3425666" y="2637426"/>
+            <a:ext cx="2921794" cy="523220"/>
+          </a:xfrm>
+          <a:prstGeom prst="rect">
+            <a:avLst/>
+          </a:prstGeom>
+        </p:spPr>
+        <p:txBody>
+          <a:bodyPr wrap="square" rtlCol="0">
+            <a:spAutoFit/>
+          </a:bodyPr>
+          <a:lstStyle/>
+          <a:p>
+            <a:r>
+              <a:rPr lang="en-US" altLang="ko-KR" sz="1400" dirty="0"/>
+              <a:t>Fine-tuning</a:t>
+            </a:r>
+          </a:p>
+          <a:p>
+            <a:r>
+              <a:rPr lang="en-US" altLang="ko-KR" sz="1400" dirty="0"/>
+              <a:t>(Training with our nuclear tweets)</a:t>
+            </a:r>
+            <a:endParaRPr lang="en-US" sz="1400" dirty="0"/>
+          </a:p>
+        </p:txBody>
+      </p:sp>
+      <p:pic>
+        <p:nvPicPr>
+          <p:cNvPr id="1028" name="Picture 4" descr="AI로봇, 내 손으로 만들어요…로봇체험캠퍼스 운영 &lt; 보도자료 &lt; 서울 &lt; 전국 &lt; 기사본문 - 국제뉴스">
+            <a:extLst>
+              <a:ext uri="{FF2B5EF4-FFF2-40B4-BE49-F238E27FC236}">
+                <a16:creationId xmlns:a16="http://schemas.microsoft.com/office/drawing/2014/main" id="{66BA177C-23F5-8D53-B661-52E7F3B43664}"/>
+              </a:ext>
+            </a:extLst>
+          </p:cNvPr>
+          <p:cNvPicPr>
+            <a:picLocks noChangeAspect="1" noChangeArrowheads="1"/>
+          </p:cNvPicPr>
+          <p:nvPr/>
+        </p:nvPicPr>
+        <p:blipFill>
+          <a:blip r:embed="rId4">
+            <a:extLst>
+              <a:ext uri="{28A0092B-C50C-407E-A947-70E740481C1C}">
+                <a14:useLocalDpi xmlns:a14="http://schemas.microsoft.com/office/drawing/2010/main" val="0"/>
+              </a:ext>
+            </a:extLst>
+          </a:blip>
+          <a:srcRect/>
+          <a:stretch>
+            <a:fillRect/>
+          </a:stretch>
+        </p:blipFill>
+        <p:spPr bwMode="auto">
+          <a:xfrm>
+            <a:off x="6196011" y="1231069"/>
+            <a:ext cx="2308860" cy="2381974"/>
+          </a:xfrm>
+          <a:prstGeom prst="rect">
+            <a:avLst/>
+          </a:prstGeom>
+          <a:noFill/>
+          <a:extLst>
+            <a:ext uri="{909E8E84-426E-40DD-AFC4-6F175D3DCCD1}">
+              <a14:hiddenFill xmlns:a14="http://schemas.microsoft.com/office/drawing/2010/main">
+                <a:solidFill>
+                  <a:srgbClr val="FFFFFF"/>
+                </a:solidFill>
+              </a14:hiddenFill>
+            </a:ext>
+          </a:extLst>
+        </p:spPr>
+      </p:pic>
+      <p:sp>
+        <p:nvSpPr>
+          <p:cNvPr id="7" name="TextBox 6">
+            <a:extLst>
+              <a:ext uri="{FF2B5EF4-FFF2-40B4-BE49-F238E27FC236}">
+                <a16:creationId xmlns:a16="http://schemas.microsoft.com/office/drawing/2014/main" id="{002059B9-F4A1-3BBE-203D-76938140D1F1}"/>
+              </a:ext>
+            </a:extLst>
+          </p:cNvPr>
+          <p:cNvSpPr txBox="1"/>
+          <p:nvPr/>
+        </p:nvSpPr>
+        <p:spPr>
+          <a:xfrm>
+            <a:off x="6530340" y="3696949"/>
+            <a:ext cx="1828800" cy="307777"/>
+          </a:xfrm>
+          <a:prstGeom prst="rect">
+            <a:avLst/>
+          </a:prstGeom>
+        </p:spPr>
+        <p:txBody>
+          <a:bodyPr wrap="square" rtlCol="0">
+            <a:spAutoFit/>
+          </a:bodyPr>
+          <a:lstStyle/>
+          <a:p>
+            <a:r>
+              <a:rPr lang="en-US" altLang="ko-KR" sz="1400" dirty="0"/>
+              <a:t>SURE project model</a:t>
+            </a:r>
+            <a:endParaRPr lang="en-US" sz="1400" dirty="0"/>
           </a:p>
         </p:txBody>
       </p:sp>
@@ -6204,7 +7085,7 @@
             </a:pPr>
             <a:r>
               <a:rPr lang="en-US" altLang="ko-KR" sz="2400" dirty="0"/>
-              <a:t>Possible Solution – Active Learning Process</a:t>
+              <a:t>Fine-tuning with Sentiment Analysis140</a:t>
             </a:r>
           </a:p>
         </p:txBody>
@@ -6225,7 +7106,7 @@
         </p:nvSpPr>
         <p:spPr>
           <a:xfrm>
-            <a:off x="0" y="839386"/>
+            <a:off x="-32374" y="730915"/>
             <a:ext cx="8416925" cy="391683"/>
           </a:xfrm>
           <a:prstGeom prst="rect">
@@ -6441,7 +7322,7 @@
         <p:spPr>
           <a:xfrm>
             <a:off x="346075" y="874567"/>
-            <a:ext cx="8416925" cy="2250598"/>
+            <a:ext cx="4068987" cy="1253183"/>
           </a:xfrm>
         </p:spPr>
         <p:txBody>
@@ -6449,7 +7330,7 @@
           <a:lstStyle/>
           <a:p>
             <a:r>
-              <a:rPr lang="en-US" dirty="0">
+              <a:rPr lang="en-US" altLang="ko-KR" dirty="0">
                 <a:latin typeface="+mj-lt"/>
                 <a:cs typeface="Times New Roman" panose="02020603050405020304" pitchFamily="18" charset="0"/>
               </a:rPr>
@@ -6457,30 +7338,6 @@
             </a:r>
           </a:p>
           <a:p>
-            <a:pPr marL="0" indent="0">
-              <a:buNone/>
-            </a:pPr>
-            <a:r>
-              <a:rPr lang="en-US" dirty="0">
-                <a:latin typeface="+mj-lt"/>
-                <a:cs typeface="Times New Roman" panose="02020603050405020304" pitchFamily="18" charset="0"/>
-              </a:rPr>
-              <a:t>ML is just like feeding a baby. Once they grow up, they feed themselves.</a:t>
-            </a:r>
-          </a:p>
-          <a:p>
-            <a:pPr marL="0" indent="0">
-              <a:buNone/>
-            </a:pPr>
-            <a:endParaRPr lang="en-US" dirty="0">
-              <a:latin typeface="+mj-lt"/>
-              <a:cs typeface="Times New Roman" panose="02020603050405020304" pitchFamily="18" charset="0"/>
-            </a:endParaRPr>
-          </a:p>
-          <a:p>
-            <a:pPr marL="0" indent="0">
-              <a:buNone/>
-            </a:pPr>
             <a:endParaRPr lang="en-US" dirty="0">
               <a:latin typeface="Times New Roman" panose="02020603050405020304" pitchFamily="18" charset="0"/>
               <a:cs typeface="Times New Roman" panose="02020603050405020304" pitchFamily="18" charset="0"/>
@@ -6490,10 +7347,250 @@
       </p:sp>
       <p:pic>
         <p:nvPicPr>
-          <p:cNvPr id="4" name="그림 3">
+          <p:cNvPr id="1026" name="Picture 2" descr="이미지:구글, 편집:본지">
             <a:extLst>
               <a:ext uri="{FF2B5EF4-FFF2-40B4-BE49-F238E27FC236}">
-                <a16:creationId xmlns:a16="http://schemas.microsoft.com/office/drawing/2014/main" id="{088A7E58-C6A3-F352-3A60-0BC28EB25176}"/>
+                <a16:creationId xmlns:a16="http://schemas.microsoft.com/office/drawing/2014/main" id="{48DB61B4-3350-3417-2998-5DBDEF2E6C23}"/>
+              </a:ext>
+            </a:extLst>
+          </p:cNvPr>
+          <p:cNvPicPr>
+            <a:picLocks noChangeAspect="1" noChangeArrowheads="1"/>
+          </p:cNvPicPr>
+          <p:nvPr/>
+        </p:nvPicPr>
+        <p:blipFill>
+          <a:blip r:embed="rId3">
+            <a:extLst>
+              <a:ext uri="{28A0092B-C50C-407E-A947-70E740481C1C}">
+                <a14:useLocalDpi xmlns:a14="http://schemas.microsoft.com/office/drawing/2010/main" val="0"/>
+              </a:ext>
+            </a:extLst>
+          </a:blip>
+          <a:srcRect/>
+          <a:stretch>
+            <a:fillRect/>
+          </a:stretch>
+        </p:blipFill>
+        <p:spPr bwMode="auto">
+          <a:xfrm>
+            <a:off x="242889" y="1383387"/>
+            <a:ext cx="3023747" cy="1861570"/>
+          </a:xfrm>
+          <a:prstGeom prst="rect">
+            <a:avLst/>
+          </a:prstGeom>
+          <a:noFill/>
+          <a:extLst>
+            <a:ext uri="{909E8E84-426E-40DD-AFC4-6F175D3DCCD1}">
+              <a14:hiddenFill xmlns:a14="http://schemas.microsoft.com/office/drawing/2010/main">
+                <a:solidFill>
+                  <a:srgbClr val="FFFFFF"/>
+                </a:solidFill>
+              </a14:hiddenFill>
+            </a:ext>
+          </a:extLst>
+        </p:spPr>
+      </p:pic>
+      <p:sp>
+        <p:nvSpPr>
+          <p:cNvPr id="2" name="TextBox 1">
+            <a:extLst>
+              <a:ext uri="{FF2B5EF4-FFF2-40B4-BE49-F238E27FC236}">
+                <a16:creationId xmlns:a16="http://schemas.microsoft.com/office/drawing/2014/main" id="{658F8EC0-5F85-67C1-FCCF-B0CC06CFCAC8}"/>
+              </a:ext>
+            </a:extLst>
+          </p:cNvPr>
+          <p:cNvSpPr txBox="1"/>
+          <p:nvPr/>
+        </p:nvSpPr>
+        <p:spPr>
+          <a:xfrm>
+            <a:off x="906780" y="3366877"/>
+            <a:ext cx="1828800" cy="307777"/>
+          </a:xfrm>
+          <a:prstGeom prst="rect">
+            <a:avLst/>
+          </a:prstGeom>
+        </p:spPr>
+        <p:txBody>
+          <a:bodyPr wrap="square" rtlCol="0">
+            <a:spAutoFit/>
+          </a:bodyPr>
+          <a:lstStyle/>
+          <a:p>
+            <a:r>
+              <a:rPr lang="en-US" altLang="ko-KR" sz="1400" dirty="0"/>
+              <a:t>Pre-trained BERT</a:t>
+            </a:r>
+            <a:endParaRPr lang="en-US" sz="1400" dirty="0"/>
+          </a:p>
+        </p:txBody>
+      </p:sp>
+      <p:sp>
+        <p:nvSpPr>
+          <p:cNvPr id="4" name="화살표: 오른쪽 3">
+            <a:extLst>
+              <a:ext uri="{FF2B5EF4-FFF2-40B4-BE49-F238E27FC236}">
+                <a16:creationId xmlns:a16="http://schemas.microsoft.com/office/drawing/2014/main" id="{D68CD9C1-8622-A032-C10B-507625038224}"/>
+              </a:ext>
+            </a:extLst>
+          </p:cNvPr>
+          <p:cNvSpPr/>
+          <p:nvPr/>
+        </p:nvSpPr>
+        <p:spPr>
+          <a:xfrm>
+            <a:off x="3584513" y="2054339"/>
+            <a:ext cx="2085940" cy="310650"/>
+          </a:xfrm>
+          <a:prstGeom prst="rightArrow">
+            <a:avLst/>
+          </a:prstGeom>
+          <a:solidFill>
+            <a:schemeClr val="accent1"/>
+          </a:solidFill>
+          <a:ln w="9525" cap="flat" cmpd="sng" algn="ctr">
+            <a:solidFill>
+              <a:schemeClr val="tx1"/>
+            </a:solidFill>
+            <a:prstDash val="solid"/>
+            <a:round/>
+            <a:headEnd w="med" len="med"/>
+            <a:tailEnd w="med" len="med"/>
+          </a:ln>
+          <a:effectLst/>
+        </p:spPr>
+        <p:txBody>
+          <a:bodyPr vert="horz" wrap="square" lIns="91440" tIns="45720" rIns="91440" bIns="45720" numCol="1" rtlCol="0" anchor="t" anchorCtr="0" compatLnSpc="1">
+            <a:prstTxWarp prst="textNoShape">
+              <a:avLst/>
+            </a:prstTxWarp>
+          </a:bodyPr>
+          <a:lstStyle/>
+          <a:p>
+            <a:pPr marL="0" marR="0" indent="0" algn="l" defTabSz="914400" rtl="0" eaLnBrk="0" fontAlgn="base" latinLnBrk="0" hangingPunct="0">
+              <a:lnSpc>
+                <a:spcPct val="100000"/>
+              </a:lnSpc>
+              <a:spcBef>
+                <a:spcPct val="0"/>
+              </a:spcBef>
+              <a:spcAft>
+                <a:spcPct val="0"/>
+              </a:spcAft>
+              <a:buClrTx/>
+              <a:buFontTx/>
+              <a:buNone/>
+            </a:pPr>
+            <a:endParaRPr kumimoji="0" lang="en-US" sz="2800" b="0" i="0" u="none" strike="noStrike" cap="none" normalizeH="0" baseline="0">
+              <a:solidFill>
+                <a:schemeClr val="tx1"/>
+              </a:solidFill>
+              <a:effectLst/>
+              <a:latin typeface="Arial"/>
+              <a:ea typeface="MS PGothic"/>
+              <a:cs typeface="MS PGothic"/>
+            </a:endParaRPr>
+          </a:p>
+        </p:txBody>
+      </p:sp>
+      <p:sp>
+        <p:nvSpPr>
+          <p:cNvPr id="5" name="TextBox 4">
+            <a:extLst>
+              <a:ext uri="{FF2B5EF4-FFF2-40B4-BE49-F238E27FC236}">
+                <a16:creationId xmlns:a16="http://schemas.microsoft.com/office/drawing/2014/main" id="{0677C807-1622-2E45-C538-B4D23300C8F7}"/>
+              </a:ext>
+            </a:extLst>
+          </p:cNvPr>
+          <p:cNvSpPr txBox="1"/>
+          <p:nvPr/>
+        </p:nvSpPr>
+        <p:spPr>
+          <a:xfrm>
+            <a:off x="3166586" y="2453383"/>
+            <a:ext cx="2921794" cy="523220"/>
+          </a:xfrm>
+          <a:prstGeom prst="rect">
+            <a:avLst/>
+          </a:prstGeom>
+        </p:spPr>
+        <p:txBody>
+          <a:bodyPr wrap="square" rtlCol="0">
+            <a:spAutoFit/>
+          </a:bodyPr>
+          <a:lstStyle/>
+          <a:p>
+            <a:pPr algn="ctr"/>
+            <a:r>
+              <a:rPr lang="en-US" altLang="ko-KR" sz="1400" dirty="0"/>
+              <a:t>Fine-tuning</a:t>
+            </a:r>
+          </a:p>
+          <a:p>
+            <a:pPr algn="ctr"/>
+            <a:r>
+              <a:rPr lang="en-US" altLang="ko-KR" sz="1400" dirty="0"/>
+              <a:t>(Sentiment Analysis 140)</a:t>
+            </a:r>
+            <a:endParaRPr lang="en-US" sz="1400" dirty="0"/>
+          </a:p>
+        </p:txBody>
+      </p:sp>
+      <p:pic>
+        <p:nvPicPr>
+          <p:cNvPr id="1028" name="Picture 4" descr="AI로봇, 내 손으로 만들어요…로봇체험캠퍼스 운영 &lt; 보도자료 &lt; 서울 &lt; 전국 &lt; 기사본문 - 국제뉴스">
+            <a:extLst>
+              <a:ext uri="{FF2B5EF4-FFF2-40B4-BE49-F238E27FC236}">
+                <a16:creationId xmlns:a16="http://schemas.microsoft.com/office/drawing/2014/main" id="{66BA177C-23F5-8D53-B661-52E7F3B43664}"/>
+              </a:ext>
+            </a:extLst>
+          </p:cNvPr>
+          <p:cNvPicPr>
+            <a:picLocks noChangeAspect="1" noChangeArrowheads="1"/>
+          </p:cNvPicPr>
+          <p:nvPr/>
+        </p:nvPicPr>
+        <p:blipFill>
+          <a:blip r:embed="rId4">
+            <a:extLst>
+              <a:ext uri="{28A0092B-C50C-407E-A947-70E740481C1C}">
+                <a14:useLocalDpi xmlns:a14="http://schemas.microsoft.com/office/drawing/2010/main" val="0"/>
+              </a:ext>
+            </a:extLst>
+          </a:blip>
+          <a:srcRect/>
+          <a:stretch>
+            <a:fillRect/>
+          </a:stretch>
+        </p:blipFill>
+        <p:spPr bwMode="auto">
+          <a:xfrm>
+            <a:off x="6180771" y="1047026"/>
+            <a:ext cx="2308860" cy="2381974"/>
+          </a:xfrm>
+          <a:prstGeom prst="rect">
+            <a:avLst/>
+          </a:prstGeom>
+          <a:noFill/>
+          <a:extLst>
+            <a:ext uri="{909E8E84-426E-40DD-AFC4-6F175D3DCCD1}">
+              <a14:hiddenFill xmlns:a14="http://schemas.microsoft.com/office/drawing/2010/main">
+                <a:solidFill>
+                  <a:srgbClr val="FFFFFF"/>
+                </a:solidFill>
+              </a14:hiddenFill>
+            </a:ext>
+          </a:extLst>
+        </p:spPr>
+      </p:pic>
+      <p:pic>
+        <p:nvPicPr>
+          <p:cNvPr id="11" name="그림 10">
+            <a:extLst>
+              <a:ext uri="{FF2B5EF4-FFF2-40B4-BE49-F238E27FC236}">
+                <a16:creationId xmlns:a16="http://schemas.microsoft.com/office/drawing/2014/main" id="{9C8BE66D-0058-EABD-8FDF-AD96A8776F90}"/>
               </a:ext>
             </a:extLst>
           </p:cNvPr>
@@ -6503,25 +7600,173 @@
           <p:nvPr/>
         </p:nvPicPr>
         <p:blipFill>
-          <a:blip r:embed="rId3"/>
+          <a:blip r:embed="rId5"/>
           <a:stretch>
             <a:fillRect/>
           </a:stretch>
         </p:blipFill>
         <p:spPr>
           <a:xfrm>
-            <a:off x="1354238" y="2030609"/>
-            <a:ext cx="5926907" cy="3363194"/>
+            <a:off x="180986" y="3768427"/>
+            <a:ext cx="7064352" cy="2309060"/>
           </a:xfrm>
           <a:prstGeom prst="rect">
             <a:avLst/>
           </a:prstGeom>
         </p:spPr>
       </p:pic>
+      <p:cxnSp>
+        <p:nvCxnSpPr>
+          <p:cNvPr id="8" name="직선 화살표 연결선 7">
+            <a:extLst>
+              <a:ext uri="{FF2B5EF4-FFF2-40B4-BE49-F238E27FC236}">
+                <a16:creationId xmlns:a16="http://schemas.microsoft.com/office/drawing/2014/main" id="{4364DBA3-3848-9D58-8E9B-5321319C89EA}"/>
+              </a:ext>
+            </a:extLst>
+          </p:cNvPr>
+          <p:cNvCxnSpPr>
+            <a:cxnSpLocks/>
+          </p:cNvCxnSpPr>
+          <p:nvPr/>
+        </p:nvCxnSpPr>
+        <p:spPr>
+          <a:xfrm flipV="1">
+            <a:off x="4895385" y="4270917"/>
+            <a:ext cx="2921620" cy="724829"/>
+          </a:xfrm>
+          <a:prstGeom prst="straightConnector1">
+            <a:avLst/>
+          </a:prstGeom>
+          <a:solidFill>
+            <a:schemeClr val="accent1"/>
+          </a:solidFill>
+          <a:ln w="9525" cap="flat" cmpd="sng" algn="ctr">
+            <a:solidFill>
+              <a:srgbClr val="00B0F0"/>
+            </a:solidFill>
+            <a:prstDash val="solid"/>
+            <a:round/>
+            <a:headEnd w="med" len="med"/>
+            <a:tailEnd type="triangle"/>
+          </a:ln>
+          <a:effectLst/>
+        </p:spPr>
+      </p:cxnSp>
+      <p:sp>
+        <p:nvSpPr>
+          <p:cNvPr id="10" name="TextBox 9">
+            <a:extLst>
+              <a:ext uri="{FF2B5EF4-FFF2-40B4-BE49-F238E27FC236}">
+                <a16:creationId xmlns:a16="http://schemas.microsoft.com/office/drawing/2014/main" id="{5F171F31-7D02-F791-F01D-A3F5AF25DBBA}"/>
+              </a:ext>
+            </a:extLst>
+          </p:cNvPr>
+          <p:cNvSpPr txBox="1"/>
+          <p:nvPr/>
+        </p:nvSpPr>
+        <p:spPr>
+          <a:xfrm flipH="1">
+            <a:off x="7245338" y="3932363"/>
+            <a:ext cx="1809452" cy="338554"/>
+          </a:xfrm>
+          <a:prstGeom prst="rect">
+            <a:avLst/>
+          </a:prstGeom>
+        </p:spPr>
+        <p:txBody>
+          <a:bodyPr wrap="square" rtlCol="0">
+            <a:spAutoFit/>
+          </a:bodyPr>
+          <a:lstStyle/>
+          <a:p>
+            <a:r>
+              <a:rPr lang="en-US" sz="1600" dirty="0"/>
+              <a:t>BERT NLP model</a:t>
+            </a:r>
+          </a:p>
+        </p:txBody>
+      </p:sp>
+      <p:cxnSp>
+        <p:nvCxnSpPr>
+          <p:cNvPr id="12" name="직선 화살표 연결선 11">
+            <a:extLst>
+              <a:ext uri="{FF2B5EF4-FFF2-40B4-BE49-F238E27FC236}">
+                <a16:creationId xmlns:a16="http://schemas.microsoft.com/office/drawing/2014/main" id="{35DF6363-C510-CF08-E3D5-97F3B213D033}"/>
+              </a:ext>
+            </a:extLst>
+          </p:cNvPr>
+          <p:cNvCxnSpPr>
+            <a:cxnSpLocks/>
+          </p:cNvCxnSpPr>
+          <p:nvPr/>
+        </p:nvCxnSpPr>
+        <p:spPr>
+          <a:xfrm>
+            <a:off x="4719961" y="5285371"/>
+            <a:ext cx="2700801" cy="523470"/>
+          </a:xfrm>
+          <a:prstGeom prst="straightConnector1">
+            <a:avLst/>
+          </a:prstGeom>
+          <a:solidFill>
+            <a:schemeClr val="accent1"/>
+          </a:solidFill>
+          <a:ln w="9525" cap="flat" cmpd="sng" algn="ctr">
+            <a:solidFill>
+              <a:srgbClr val="00B0F0"/>
+            </a:solidFill>
+            <a:prstDash val="solid"/>
+            <a:round/>
+            <a:headEnd w="med" len="med"/>
+            <a:tailEnd type="triangle"/>
+          </a:ln>
+          <a:effectLst/>
+        </p:spPr>
+      </p:cxnSp>
+      <p:sp>
+        <p:nvSpPr>
+          <p:cNvPr id="14" name="TextBox 13">
+            <a:extLst>
+              <a:ext uri="{FF2B5EF4-FFF2-40B4-BE49-F238E27FC236}">
+                <a16:creationId xmlns:a16="http://schemas.microsoft.com/office/drawing/2014/main" id="{5162393A-53FB-4888-4461-22CE34121551}"/>
+              </a:ext>
+            </a:extLst>
+          </p:cNvPr>
+          <p:cNvSpPr txBox="1"/>
+          <p:nvPr/>
+        </p:nvSpPr>
+        <p:spPr>
+          <a:xfrm flipH="1">
+            <a:off x="7420762" y="5547106"/>
+            <a:ext cx="1286511" cy="584775"/>
+          </a:xfrm>
+          <a:prstGeom prst="rect">
+            <a:avLst/>
+          </a:prstGeom>
+        </p:spPr>
+        <p:txBody>
+          <a:bodyPr wrap="square" rtlCol="0">
+            <a:spAutoFit/>
+          </a:bodyPr>
+          <a:lstStyle/>
+          <a:p>
+            <a:r>
+              <a:rPr lang="en-US" sz="1600" dirty="0"/>
+              <a:t>BERT </a:t>
+            </a:r>
+          </a:p>
+          <a:p>
+            <a:r>
+              <a:rPr lang="en-US" sz="1600" dirty="0"/>
+              <a:t>Tokenizer</a:t>
+            </a:r>
+          </a:p>
+        </p:txBody>
+      </p:sp>
     </p:spTree>
     <p:extLst>
       <p:ext uri="{BB962C8B-B14F-4D97-AF65-F5344CB8AC3E}">
-        <p14:creationId xmlns:p14="http://schemas.microsoft.com/office/powerpoint/2010/main" val="464984048"/>
+        <p14:creationId xmlns:p14="http://schemas.microsoft.com/office/powerpoint/2010/main" val="1874338634"/>
       </p:ext>
     </p:extLst>
   </p:cSld>
@@ -6574,332 +7819,566 @@
             </a:pPr>
             <a:r>
               <a:rPr lang="en-US" altLang="ko-KR" sz="2400" dirty="0"/>
-              <a:t>Possible Solution – Label manager (</a:t>
-            </a:r>
-            <a:r>
-              <a:rPr lang="en-US" altLang="ko-KR" sz="2400" dirty="0" err="1"/>
-              <a:t>Doccano</a:t>
-            </a:r>
-            <a:r>
-              <a:rPr lang="en-US" altLang="ko-KR" sz="2400" dirty="0"/>
-              <a:t>)</a:t>
+              <a:t>Summary of BERT language model</a:t>
             </a:r>
           </a:p>
         </p:txBody>
       </p:sp>
       <p:sp>
         <p:nvSpPr>
-          <p:cNvPr id="25" name="내용 개체 틀 4">
+          <p:cNvPr id="2" name="TextBox 1">
             <a:extLst>
               <a:ext uri="{FF2B5EF4-FFF2-40B4-BE49-F238E27FC236}">
-                <a16:creationId xmlns:a16="http://schemas.microsoft.com/office/drawing/2014/main" id="{78B6002A-9D14-3CD0-1C5C-ACA073463DB2}"/>
+                <a16:creationId xmlns:a16="http://schemas.microsoft.com/office/drawing/2014/main" id="{EF24A619-2EED-226B-3C78-8A0F1FC94C7E}"/>
               </a:ext>
             </a:extLst>
           </p:cNvPr>
-          <p:cNvSpPr txBox="1">
-            <a:spLocks/>
-          </p:cNvSpPr>
+          <p:cNvSpPr txBox="1"/>
           <p:nvPr/>
         </p:nvSpPr>
         <p:spPr>
           <a:xfrm>
-            <a:off x="0" y="839386"/>
-            <a:ext cx="8416925" cy="391683"/>
+            <a:off x="396240" y="1361690"/>
+            <a:ext cx="1935480" cy="1350819"/>
           </a:xfrm>
           <a:prstGeom prst="rect">
             <a:avLst/>
           </a:prstGeom>
+          <a:ln>
+            <a:noFill/>
+          </a:ln>
         </p:spPr>
         <p:txBody>
-          <a:bodyPr/>
-          <a:lstStyle>
-            <a:lvl1pPr marL="347663" indent="-347663" algn="l" rtl="0" eaLnBrk="0" fontAlgn="base" hangingPunct="0">
-              <a:spcBef>
-                <a:spcPct val="10000"/>
-              </a:spcBef>
-              <a:spcAft>
-                <a:spcPct val="10000"/>
-              </a:spcAft>
-              <a:buClr>
-                <a:srgbClr val="C00000"/>
-              </a:buClr>
-              <a:buFont typeface="Wingdings" charset="2"/>
-              <a:buChar char="n"/>
-              <a:defRPr sz="2000" baseline="0">
-                <a:solidFill>
-                  <a:schemeClr val="tx1"/>
-                </a:solidFill>
-                <a:latin typeface="+mn-lt"/>
-                <a:ea typeface="ＭＳ Ｐゴシック" pitchFamily="-112" charset="-128"/>
-                <a:cs typeface="ＭＳ Ｐゴシック" pitchFamily="-112" charset="-128"/>
-              </a:defRPr>
-            </a:lvl1pPr>
-            <a:lvl2pPr marL="685800" indent="-288925" algn="l" rtl="0" eaLnBrk="0" fontAlgn="base" hangingPunct="0">
-              <a:spcBef>
-                <a:spcPct val="10000"/>
-              </a:spcBef>
-              <a:spcAft>
-                <a:spcPct val="10000"/>
-              </a:spcAft>
-              <a:buClr>
-                <a:srgbClr val="C00000"/>
-              </a:buClr>
-              <a:buFont typeface="Arial" charset="0"/>
-              <a:buChar char="–"/>
-              <a:defRPr sz="1800" baseline="0">
-                <a:solidFill>
-                  <a:schemeClr val="tx1"/>
-                </a:solidFill>
-                <a:latin typeface="+mn-lt"/>
-                <a:ea typeface="ＭＳ Ｐゴシック" pitchFamily="27" charset="-128"/>
-              </a:defRPr>
-            </a:lvl2pPr>
-            <a:lvl3pPr marL="968375" indent="-168275" algn="l" rtl="0" eaLnBrk="0" fontAlgn="base" hangingPunct="0">
-              <a:spcBef>
-                <a:spcPct val="10000"/>
-              </a:spcBef>
-              <a:spcAft>
-                <a:spcPct val="10000"/>
-              </a:spcAft>
-              <a:buClr>
-                <a:srgbClr val="C00000"/>
-              </a:buClr>
-              <a:buFont typeface="Times" charset="0"/>
-              <a:buChar char="•"/>
-              <a:defRPr sz="1600" i="1" baseline="0">
-                <a:solidFill>
-                  <a:schemeClr val="tx1"/>
-                </a:solidFill>
-                <a:latin typeface="+mn-lt"/>
-                <a:ea typeface="ＭＳ Ｐゴシック" pitchFamily="27" charset="-128"/>
-              </a:defRPr>
-            </a:lvl3pPr>
-            <a:lvl4pPr marL="1363663" indent="-280988" algn="l" rtl="0" eaLnBrk="0" fontAlgn="base" hangingPunct="0">
-              <a:spcBef>
-                <a:spcPct val="10000"/>
-              </a:spcBef>
-              <a:spcAft>
-                <a:spcPct val="10000"/>
-              </a:spcAft>
-              <a:buClr>
-                <a:srgbClr val="C00000"/>
-              </a:buClr>
-              <a:buFont typeface="Times" charset="0"/>
-              <a:buChar char="–"/>
-              <a:defRPr sz="1500" baseline="0">
-                <a:solidFill>
-                  <a:schemeClr val="tx1"/>
-                </a:solidFill>
-                <a:latin typeface="+mn-lt"/>
-                <a:ea typeface="ＭＳ Ｐゴシック" pitchFamily="27" charset="-128"/>
-              </a:defRPr>
-            </a:lvl4pPr>
-            <a:lvl5pPr marL="1652588" indent="-174625" algn="l" rtl="0" eaLnBrk="0" fontAlgn="base" hangingPunct="0">
-              <a:spcBef>
-                <a:spcPct val="10000"/>
-              </a:spcBef>
-              <a:spcAft>
-                <a:spcPct val="10000"/>
-              </a:spcAft>
-              <a:buClr>
-                <a:srgbClr val="C00000"/>
-              </a:buClr>
-              <a:buFont typeface="Times" charset="0"/>
-              <a:buChar char="•"/>
-              <a:defRPr sz="1400" i="1" baseline="0">
-                <a:solidFill>
-                  <a:schemeClr val="tx1"/>
-                </a:solidFill>
-                <a:latin typeface="+mn-lt"/>
-                <a:ea typeface="ＭＳ Ｐゴシック" pitchFamily="27" charset="-128"/>
-              </a:defRPr>
-            </a:lvl5pPr>
-            <a:lvl6pPr marL="2109788" indent="-174625" algn="l" rtl="0" eaLnBrk="0" fontAlgn="base" hangingPunct="0">
-              <a:spcBef>
-                <a:spcPct val="10000"/>
-              </a:spcBef>
-              <a:spcAft>
-                <a:spcPct val="10000"/>
-              </a:spcAft>
-              <a:buClr>
-                <a:srgbClr val="800000"/>
-              </a:buClr>
-              <a:buFont typeface="Times" pitchFamily="27" charset="0"/>
-              <a:buChar char="•"/>
-              <a:defRPr i="1">
-                <a:solidFill>
-                  <a:schemeClr val="tx1"/>
-                </a:solidFill>
-                <a:latin typeface="+mn-lt"/>
-                <a:ea typeface="ＭＳ Ｐゴシック" pitchFamily="27" charset="-128"/>
-              </a:defRPr>
-            </a:lvl6pPr>
-            <a:lvl7pPr marL="2566988" indent="-174625" algn="l" rtl="0" eaLnBrk="0" fontAlgn="base" hangingPunct="0">
-              <a:spcBef>
-                <a:spcPct val="10000"/>
-              </a:spcBef>
-              <a:spcAft>
-                <a:spcPct val="10000"/>
-              </a:spcAft>
-              <a:buClr>
-                <a:srgbClr val="800000"/>
-              </a:buClr>
-              <a:buFont typeface="Times" pitchFamily="27" charset="0"/>
-              <a:buChar char="•"/>
-              <a:defRPr i="1">
-                <a:solidFill>
-                  <a:schemeClr val="tx1"/>
-                </a:solidFill>
-                <a:latin typeface="+mn-lt"/>
-                <a:ea typeface="ＭＳ Ｐゴシック" pitchFamily="27" charset="-128"/>
-              </a:defRPr>
-            </a:lvl7pPr>
-            <a:lvl8pPr marL="3024188" indent="-174625" algn="l" rtl="0" eaLnBrk="0" fontAlgn="base" hangingPunct="0">
-              <a:spcBef>
-                <a:spcPct val="10000"/>
-              </a:spcBef>
-              <a:spcAft>
-                <a:spcPct val="10000"/>
-              </a:spcAft>
-              <a:buClr>
-                <a:srgbClr val="800000"/>
-              </a:buClr>
-              <a:buFont typeface="Times" pitchFamily="27" charset="0"/>
-              <a:buChar char="•"/>
-              <a:defRPr i="1">
-                <a:solidFill>
-                  <a:schemeClr val="tx1"/>
-                </a:solidFill>
-                <a:latin typeface="+mn-lt"/>
-                <a:ea typeface="ＭＳ Ｐゴシック" pitchFamily="27" charset="-128"/>
-              </a:defRPr>
-            </a:lvl8pPr>
-            <a:lvl9pPr marL="3481388" indent="-174625" algn="l" rtl="0" eaLnBrk="0" fontAlgn="base" hangingPunct="0">
-              <a:spcBef>
-                <a:spcPct val="10000"/>
-              </a:spcBef>
-              <a:spcAft>
-                <a:spcPct val="10000"/>
-              </a:spcAft>
-              <a:buClr>
-                <a:srgbClr val="800000"/>
-              </a:buClr>
-              <a:buFont typeface="Times" pitchFamily="27" charset="0"/>
-              <a:buChar char="•"/>
-              <a:defRPr i="1">
-                <a:solidFill>
-                  <a:schemeClr val="tx1"/>
-                </a:solidFill>
-                <a:latin typeface="+mn-lt"/>
-                <a:ea typeface="ＭＳ Ｐゴシック" pitchFamily="27" charset="-128"/>
-              </a:defRPr>
-            </a:lvl9pPr>
-          </a:lstStyle>
-          <a:p>
-            <a:endParaRPr lang="en-US" kern="0" dirty="0"/>
+          <a:bodyPr wrap="square" rtlCol="0">
+            <a:spAutoFit/>
+          </a:bodyPr>
+          <a:lstStyle/>
+          <a:p>
+            <a:pPr algn="ctr">
+              <a:lnSpc>
+                <a:spcPct val="150000"/>
+              </a:lnSpc>
+            </a:pPr>
+            <a:r>
+              <a:rPr lang="en-US" altLang="ko-KR" sz="1600" dirty="0"/>
+              <a:t>Dataset</a:t>
+            </a:r>
+          </a:p>
+          <a:p>
+            <a:pPr algn="ctr">
+              <a:lnSpc>
+                <a:spcPct val="150000"/>
+              </a:lnSpc>
+            </a:pPr>
+            <a:r>
+              <a:rPr lang="en-US" altLang="ko-KR" sz="1600" dirty="0"/>
+              <a:t>(Sentiment 140)</a:t>
+            </a:r>
+          </a:p>
+          <a:p>
+            <a:pPr algn="ctr">
+              <a:lnSpc>
+                <a:spcPct val="150000"/>
+              </a:lnSpc>
+            </a:pPr>
+            <a:r>
+              <a:rPr lang="en-US" altLang="ko-KR" sz="1200" dirty="0"/>
+              <a:t>Feature : Tweet</a:t>
+            </a:r>
+          </a:p>
+          <a:p>
+            <a:pPr algn="ctr">
+              <a:lnSpc>
+                <a:spcPct val="150000"/>
+              </a:lnSpc>
+            </a:pPr>
+            <a:r>
+              <a:rPr lang="en-US" altLang="ko-KR" sz="1200" dirty="0"/>
+              <a:t>Label : Sentiment</a:t>
+            </a:r>
+            <a:endParaRPr lang="en-US" sz="1200" dirty="0"/>
           </a:p>
         </p:txBody>
       </p:sp>
       <p:sp>
         <p:nvSpPr>
-          <p:cNvPr id="6" name="내용 개체 틀 5">
+          <p:cNvPr id="4" name="화살표: 오른쪽 3">
             <a:extLst>
               <a:ext uri="{FF2B5EF4-FFF2-40B4-BE49-F238E27FC236}">
-                <a16:creationId xmlns:a16="http://schemas.microsoft.com/office/drawing/2014/main" id="{A6207B35-0340-12A4-6988-544FD03DE64A}"/>
+                <a16:creationId xmlns:a16="http://schemas.microsoft.com/office/drawing/2014/main" id="{C758686D-36A8-3A1E-E29B-04568F95D864}"/>
               </a:ext>
             </a:extLst>
           </p:cNvPr>
-          <p:cNvSpPr>
-            <a:spLocks noGrp="1"/>
-          </p:cNvSpPr>
-          <p:nvPr>
-            <p:ph idx="1"/>
-          </p:nvPr>
+          <p:cNvSpPr/>
+          <p:nvPr/>
         </p:nvSpPr>
         <p:spPr>
           <a:xfrm>
-            <a:off x="346075" y="874567"/>
-            <a:ext cx="8416925" cy="2250598"/>
+            <a:off x="2331720" y="1757183"/>
+            <a:ext cx="845820" cy="190500"/>
           </a:xfrm>
+          <a:prstGeom prst="rightArrow">
+            <a:avLst/>
+          </a:prstGeom>
+          <a:solidFill>
+            <a:schemeClr val="accent1"/>
+          </a:solidFill>
+          <a:ln w="9525" cap="flat" cmpd="sng" algn="ctr">
+            <a:solidFill>
+              <a:schemeClr val="tx1"/>
+            </a:solidFill>
+            <a:prstDash val="solid"/>
+            <a:round/>
+            <a:headEnd w="med" len="med"/>
+            <a:tailEnd w="med" len="med"/>
+          </a:ln>
+          <a:effectLst/>
         </p:spPr>
         <p:txBody>
-          <a:bodyPr/>
+          <a:bodyPr vert="horz" wrap="square" lIns="91440" tIns="45720" rIns="91440" bIns="45720" numCol="1" rtlCol="0" anchor="t" anchorCtr="0" compatLnSpc="1">
+            <a:prstTxWarp prst="textNoShape">
+              <a:avLst/>
+            </a:prstTxWarp>
+          </a:bodyPr>
           <a:lstStyle/>
           <a:p>
-            <a:r>
-              <a:rPr lang="en-US" dirty="0">
-                <a:latin typeface="+mj-lt"/>
-                <a:cs typeface="Times New Roman" panose="02020603050405020304" pitchFamily="18" charset="0"/>
-              </a:rPr>
-              <a:t>Idea</a:t>
-            </a:r>
-          </a:p>
-          <a:p>
-            <a:pPr marL="0" indent="0">
+            <a:pPr marL="0" marR="0" indent="0" algn="l" defTabSz="914400" rtl="0" eaLnBrk="0" fontAlgn="base" latinLnBrk="0" hangingPunct="0">
+              <a:lnSpc>
+                <a:spcPct val="100000"/>
+              </a:lnSpc>
+              <a:spcBef>
+                <a:spcPct val="0"/>
+              </a:spcBef>
+              <a:spcAft>
+                <a:spcPct val="0"/>
+              </a:spcAft>
+              <a:buClrTx/>
+              <a:buFontTx/>
               <a:buNone/>
             </a:pPr>
-            <a:r>
-              <a:rPr lang="en-US" dirty="0">
-                <a:latin typeface="+mj-lt"/>
-                <a:cs typeface="Times New Roman" panose="02020603050405020304" pitchFamily="18" charset="0"/>
-              </a:rPr>
-              <a:t>ML is just like feeding a baby. Once they grow up, they feed themselves.</a:t>
-            </a:r>
-          </a:p>
-          <a:p>
-            <a:pPr marL="0" indent="0">
-              <a:buNone/>
+            <a:endParaRPr kumimoji="0" lang="en-US" sz="2800" b="0" i="0" u="none" strike="noStrike" cap="none" normalizeH="0" baseline="0">
+              <a:solidFill>
+                <a:schemeClr val="tx1"/>
+              </a:solidFill>
+              <a:effectLst/>
+              <a:latin typeface="Arial"/>
+              <a:ea typeface="MS PGothic"/>
+              <a:cs typeface="MS PGothic"/>
+            </a:endParaRPr>
+          </a:p>
+        </p:txBody>
+      </p:sp>
+      <p:sp>
+        <p:nvSpPr>
+          <p:cNvPr id="6" name="TextBox 5">
+            <a:extLst>
+              <a:ext uri="{FF2B5EF4-FFF2-40B4-BE49-F238E27FC236}">
+                <a16:creationId xmlns:a16="http://schemas.microsoft.com/office/drawing/2014/main" id="{336BAAE4-48CD-A511-2C32-37A34CE449D3}"/>
+              </a:ext>
+            </a:extLst>
+          </p:cNvPr>
+          <p:cNvSpPr txBox="1"/>
+          <p:nvPr/>
+        </p:nvSpPr>
+        <p:spPr>
+          <a:xfrm>
+            <a:off x="2091215" y="2125425"/>
+            <a:ext cx="1440180" cy="889154"/>
+          </a:xfrm>
+          <a:prstGeom prst="rect">
+            <a:avLst/>
+          </a:prstGeom>
+          <a:ln>
+            <a:noFill/>
+          </a:ln>
+        </p:spPr>
+        <p:txBody>
+          <a:bodyPr wrap="square" rtlCol="0">
+            <a:spAutoFit/>
+          </a:bodyPr>
+          <a:lstStyle/>
+          <a:p>
+            <a:pPr algn="ctr">
+              <a:lnSpc>
+                <a:spcPct val="150000"/>
+              </a:lnSpc>
             </a:pPr>
-            <a:endParaRPr lang="en-US" dirty="0">
-              <a:latin typeface="+mj-lt"/>
-              <a:cs typeface="Times New Roman" panose="02020603050405020304" pitchFamily="18" charset="0"/>
-            </a:endParaRPr>
-          </a:p>
-          <a:p>
-            <a:pPr marL="0" indent="0">
-              <a:buNone/>
+            <a:r>
+              <a:rPr lang="en-US" altLang="ko-KR" sz="1200" dirty="0"/>
+              <a:t>Convert to tensor</a:t>
+            </a:r>
+          </a:p>
+          <a:p>
+            <a:pPr marL="171450" indent="-171450" algn="ctr">
+              <a:lnSpc>
+                <a:spcPct val="150000"/>
+              </a:lnSpc>
+              <a:buFontTx/>
+              <a:buChar char="-"/>
             </a:pPr>
-            <a:endParaRPr lang="en-US" dirty="0">
-              <a:latin typeface="Times New Roman" panose="02020603050405020304" pitchFamily="18" charset="0"/>
-              <a:cs typeface="Times New Roman" panose="02020603050405020304" pitchFamily="18" charset="0"/>
-            </a:endParaRPr>
+            <a:r>
+              <a:rPr lang="en-US" altLang="ko-KR" sz="1200" dirty="0"/>
+              <a:t>Tokenize</a:t>
+            </a:r>
+          </a:p>
+          <a:p>
+            <a:pPr marL="171450" indent="-171450" algn="ctr">
+              <a:lnSpc>
+                <a:spcPct val="150000"/>
+              </a:lnSpc>
+              <a:buFontTx/>
+              <a:buChar char="-"/>
+            </a:pPr>
+            <a:r>
+              <a:rPr lang="en-US" altLang="ko-KR" sz="1200" dirty="0"/>
+              <a:t>Encode</a:t>
+            </a:r>
+            <a:endParaRPr lang="en-US" sz="1200" dirty="0"/>
           </a:p>
         </p:txBody>
       </p:sp>
       <p:pic>
         <p:nvPicPr>
-          <p:cNvPr id="4" name="그림 3">
+          <p:cNvPr id="7" name="Picture 2" descr="이미지:구글, 편집:본지">
             <a:extLst>
               <a:ext uri="{FF2B5EF4-FFF2-40B4-BE49-F238E27FC236}">
-                <a16:creationId xmlns:a16="http://schemas.microsoft.com/office/drawing/2014/main" id="{088A7E58-C6A3-F352-3A60-0BC28EB25176}"/>
+                <a16:creationId xmlns:a16="http://schemas.microsoft.com/office/drawing/2014/main" id="{77E1D9EA-148D-EA8F-098F-5ED2CD3D9345}"/>
               </a:ext>
             </a:extLst>
           </p:cNvPr>
           <p:cNvPicPr>
-            <a:picLocks noChangeAspect="1"/>
+            <a:picLocks noChangeAspect="1" noChangeArrowheads="1"/>
           </p:cNvPicPr>
           <p:nvPr/>
         </p:nvPicPr>
         <p:blipFill>
-          <a:blip r:embed="rId3"/>
+          <a:blip r:embed="rId3">
+            <a:extLst>
+              <a:ext uri="{28A0092B-C50C-407E-A947-70E740481C1C}">
+                <a14:useLocalDpi xmlns:a14="http://schemas.microsoft.com/office/drawing/2010/main" val="0"/>
+              </a:ext>
+            </a:extLst>
+          </a:blip>
+          <a:srcRect/>
           <a:stretch>
             <a:fillRect/>
           </a:stretch>
         </p:blipFill>
-        <p:spPr>
+        <p:spPr bwMode="auto">
           <a:xfrm>
-            <a:off x="1354238" y="2030609"/>
-            <a:ext cx="5926907" cy="3363194"/>
+            <a:off x="3531395" y="1159733"/>
+            <a:ext cx="2530126" cy="1691640"/>
           </a:xfrm>
           <a:prstGeom prst="rect">
             <a:avLst/>
           </a:prstGeom>
+          <a:noFill/>
+          <a:extLst>
+            <a:ext uri="{909E8E84-426E-40DD-AFC4-6F175D3DCCD1}">
+              <a14:hiddenFill xmlns:a14="http://schemas.microsoft.com/office/drawing/2010/main">
+                <a:solidFill>
+                  <a:srgbClr val="FFFFFF"/>
+                </a:solidFill>
+              </a14:hiddenFill>
+            </a:ext>
+          </a:extLst>
         </p:spPr>
       </p:pic>
+      <p:sp>
+        <p:nvSpPr>
+          <p:cNvPr id="9" name="화살표: 오른쪽 8">
+            <a:extLst>
+              <a:ext uri="{FF2B5EF4-FFF2-40B4-BE49-F238E27FC236}">
+                <a16:creationId xmlns:a16="http://schemas.microsoft.com/office/drawing/2014/main" id="{A8EEC5D7-98C2-D689-956C-E7656F2CE56C}"/>
+              </a:ext>
+            </a:extLst>
+          </p:cNvPr>
+          <p:cNvSpPr/>
+          <p:nvPr/>
+        </p:nvSpPr>
+        <p:spPr>
+          <a:xfrm rot="5400000">
+            <a:off x="4920500" y="3110332"/>
+            <a:ext cx="459220" cy="257708"/>
+          </a:xfrm>
+          <a:prstGeom prst="rightArrow">
+            <a:avLst/>
+          </a:prstGeom>
+          <a:solidFill>
+            <a:schemeClr val="accent1"/>
+          </a:solidFill>
+          <a:ln w="9525" cap="flat" cmpd="sng" algn="ctr">
+            <a:solidFill>
+              <a:schemeClr val="tx1"/>
+            </a:solidFill>
+            <a:prstDash val="solid"/>
+            <a:round/>
+            <a:headEnd w="med" len="med"/>
+            <a:tailEnd w="med" len="med"/>
+          </a:ln>
+          <a:effectLst/>
+        </p:spPr>
+        <p:txBody>
+          <a:bodyPr vert="horz" wrap="square" lIns="91440" tIns="45720" rIns="91440" bIns="45720" numCol="1" rtlCol="0" anchor="t" anchorCtr="0" compatLnSpc="1">
+            <a:prstTxWarp prst="textNoShape">
+              <a:avLst/>
+            </a:prstTxWarp>
+          </a:bodyPr>
+          <a:lstStyle/>
+          <a:p>
+            <a:pPr marL="0" marR="0" indent="0" algn="l" defTabSz="914400" rtl="0" eaLnBrk="0" fontAlgn="base" latinLnBrk="0" hangingPunct="0">
+              <a:lnSpc>
+                <a:spcPct val="100000"/>
+              </a:lnSpc>
+              <a:spcBef>
+                <a:spcPct val="0"/>
+              </a:spcBef>
+              <a:spcAft>
+                <a:spcPct val="0"/>
+              </a:spcAft>
+              <a:buClrTx/>
+              <a:buFontTx/>
+              <a:buNone/>
+            </a:pPr>
+            <a:endParaRPr kumimoji="0" lang="en-US" sz="2800" b="0" i="0" u="none" strike="noStrike" cap="none" normalizeH="0" baseline="0">
+              <a:solidFill>
+                <a:schemeClr val="tx1"/>
+              </a:solidFill>
+              <a:effectLst/>
+              <a:latin typeface="Arial"/>
+              <a:ea typeface="MS PGothic"/>
+              <a:cs typeface="MS PGothic"/>
+            </a:endParaRPr>
+          </a:p>
+        </p:txBody>
+      </p:sp>
+      <p:sp>
+        <p:nvSpPr>
+          <p:cNvPr id="10" name="TextBox 9">
+            <a:extLst>
+              <a:ext uri="{FF2B5EF4-FFF2-40B4-BE49-F238E27FC236}">
+                <a16:creationId xmlns:a16="http://schemas.microsoft.com/office/drawing/2014/main" id="{253DA59D-BDA0-DAED-D290-C307CAD7601B}"/>
+              </a:ext>
+            </a:extLst>
+          </p:cNvPr>
+          <p:cNvSpPr txBox="1"/>
+          <p:nvPr/>
+        </p:nvSpPr>
+        <p:spPr>
+          <a:xfrm>
+            <a:off x="6111202" y="2662642"/>
+            <a:ext cx="1440180" cy="1166153"/>
+          </a:xfrm>
+          <a:prstGeom prst="rect">
+            <a:avLst/>
+          </a:prstGeom>
+          <a:ln>
+            <a:noFill/>
+          </a:ln>
+        </p:spPr>
+        <p:txBody>
+          <a:bodyPr wrap="square" rtlCol="0">
+            <a:spAutoFit/>
+          </a:bodyPr>
+          <a:lstStyle/>
+          <a:p>
+            <a:pPr algn="ctr">
+              <a:lnSpc>
+                <a:spcPct val="150000"/>
+              </a:lnSpc>
+            </a:pPr>
+            <a:r>
+              <a:rPr lang="en-US" altLang="ko-KR" sz="1200" dirty="0"/>
+              <a:t>Performance </a:t>
+            </a:r>
+          </a:p>
+          <a:p>
+            <a:pPr algn="ctr">
+              <a:lnSpc>
+                <a:spcPct val="150000"/>
+              </a:lnSpc>
+            </a:pPr>
+            <a:r>
+              <a:rPr lang="en-US" altLang="ko-KR" sz="1200" dirty="0"/>
+              <a:t>Evaluation</a:t>
+            </a:r>
+          </a:p>
+          <a:p>
+            <a:pPr algn="ctr">
+              <a:lnSpc>
+                <a:spcPct val="150000"/>
+              </a:lnSpc>
+            </a:pPr>
+            <a:r>
+              <a:rPr lang="en-US" altLang="ko-KR" sz="1200" dirty="0"/>
+              <a:t>With</a:t>
+            </a:r>
+          </a:p>
+          <a:p>
+            <a:pPr algn="ctr">
+              <a:lnSpc>
+                <a:spcPct val="150000"/>
+              </a:lnSpc>
+            </a:pPr>
+            <a:r>
+              <a:rPr lang="en-US" altLang="ko-KR" sz="1200" dirty="0"/>
+              <a:t>Nuclear tweets</a:t>
+            </a:r>
+            <a:endParaRPr lang="en-US" sz="1200" dirty="0"/>
+          </a:p>
+        </p:txBody>
+      </p:sp>
+      <p:pic>
+        <p:nvPicPr>
+          <p:cNvPr id="2050" name="Picture 2" descr="물음표">
+            <a:extLst>
+              <a:ext uri="{FF2B5EF4-FFF2-40B4-BE49-F238E27FC236}">
+                <a16:creationId xmlns:a16="http://schemas.microsoft.com/office/drawing/2014/main" id="{87E78DD1-237B-36F4-61ED-D279CA1D27CF}"/>
+              </a:ext>
+            </a:extLst>
+          </p:cNvPr>
+          <p:cNvPicPr>
+            <a:picLocks noChangeAspect="1" noChangeArrowheads="1"/>
+          </p:cNvPicPr>
+          <p:nvPr/>
+        </p:nvPicPr>
+        <p:blipFill>
+          <a:blip r:embed="rId4">
+            <a:extLst>
+              <a:ext uri="{28A0092B-C50C-407E-A947-70E740481C1C}">
+                <a14:useLocalDpi xmlns:a14="http://schemas.microsoft.com/office/drawing/2010/main" val="0"/>
+              </a:ext>
+            </a:extLst>
+          </a:blip>
+          <a:srcRect/>
+          <a:stretch>
+            <a:fillRect/>
+          </a:stretch>
+        </p:blipFill>
+        <p:spPr bwMode="auto">
+          <a:xfrm>
+            <a:off x="3844101" y="3640064"/>
+            <a:ext cx="2217420" cy="2217420"/>
+          </a:xfrm>
+          <a:prstGeom prst="rect">
+            <a:avLst/>
+          </a:prstGeom>
+          <a:noFill/>
+          <a:extLst>
+            <a:ext uri="{909E8E84-426E-40DD-AFC4-6F175D3DCCD1}">
+              <a14:hiddenFill xmlns:a14="http://schemas.microsoft.com/office/drawing/2010/main">
+                <a:solidFill>
+                  <a:srgbClr val="FFFFFF"/>
+                </a:solidFill>
+              </a14:hiddenFill>
+            </a:ext>
+          </a:extLst>
+        </p:spPr>
+      </p:pic>
+      <p:sp>
+        <p:nvSpPr>
+          <p:cNvPr id="5" name="TextBox 4">
+            <a:extLst>
+              <a:ext uri="{FF2B5EF4-FFF2-40B4-BE49-F238E27FC236}">
+                <a16:creationId xmlns:a16="http://schemas.microsoft.com/office/drawing/2014/main" id="{A6DC753D-235E-F25A-1156-D13C4706F9FE}"/>
+              </a:ext>
+            </a:extLst>
+          </p:cNvPr>
+          <p:cNvSpPr txBox="1"/>
+          <p:nvPr/>
+        </p:nvSpPr>
+        <p:spPr>
+          <a:xfrm>
+            <a:off x="6124193" y="809564"/>
+            <a:ext cx="2854378" cy="1720151"/>
+          </a:xfrm>
+          <a:prstGeom prst="rect">
+            <a:avLst/>
+          </a:prstGeom>
+          <a:ln>
+            <a:solidFill>
+              <a:schemeClr val="tx1"/>
+            </a:solidFill>
+          </a:ln>
+        </p:spPr>
+        <p:txBody>
+          <a:bodyPr wrap="square" rtlCol="0">
+            <a:spAutoFit/>
+          </a:bodyPr>
+          <a:lstStyle/>
+          <a:p>
+            <a:pPr algn="ctr">
+              <a:lnSpc>
+                <a:spcPct val="150000"/>
+              </a:lnSpc>
+            </a:pPr>
+            <a:r>
+              <a:rPr lang="en-US" altLang="ko-KR" sz="1200" dirty="0" err="1"/>
+              <a:t>Training_dataset</a:t>
+            </a:r>
+            <a:r>
+              <a:rPr lang="en-US" altLang="ko-KR" sz="1200" dirty="0"/>
+              <a:t> = 200 tweets</a:t>
+            </a:r>
+          </a:p>
+          <a:p>
+            <a:pPr algn="ctr">
+              <a:lnSpc>
+                <a:spcPct val="150000"/>
+              </a:lnSpc>
+            </a:pPr>
+            <a:r>
+              <a:rPr lang="en-US" altLang="ko-KR" sz="1200" dirty="0"/>
+              <a:t>Batch size = 32</a:t>
+            </a:r>
+          </a:p>
+          <a:p>
+            <a:pPr algn="ctr">
+              <a:lnSpc>
+                <a:spcPct val="150000"/>
+              </a:lnSpc>
+            </a:pPr>
+            <a:r>
+              <a:rPr lang="en-US" altLang="ko-KR" sz="1200" dirty="0"/>
+              <a:t>Epoch = 3</a:t>
+            </a:r>
+          </a:p>
+          <a:p>
+            <a:pPr algn="ctr">
+              <a:lnSpc>
+                <a:spcPct val="150000"/>
+              </a:lnSpc>
+            </a:pPr>
+            <a:r>
+              <a:rPr lang="en-US" altLang="ko-KR" sz="1200" dirty="0"/>
+              <a:t>Adam Optimizer : learning rate 2e-5</a:t>
+            </a:r>
+          </a:p>
+          <a:p>
+            <a:pPr algn="ctr">
+              <a:lnSpc>
+                <a:spcPct val="150000"/>
+              </a:lnSpc>
+            </a:pPr>
+            <a:r>
+              <a:rPr lang="en-US" altLang="ko-KR" sz="1200" dirty="0"/>
+              <a:t>Loss function = Cross Entropy function</a:t>
+            </a:r>
+          </a:p>
+          <a:p>
+            <a:pPr algn="ctr">
+              <a:lnSpc>
+                <a:spcPct val="150000"/>
+              </a:lnSpc>
+            </a:pPr>
+            <a:endParaRPr lang="en-US" sz="1200" dirty="0"/>
+          </a:p>
+        </p:txBody>
+      </p:sp>
     </p:spTree>
     <p:extLst>
       <p:ext uri="{BB962C8B-B14F-4D97-AF65-F5344CB8AC3E}">
-        <p14:creationId xmlns:p14="http://schemas.microsoft.com/office/powerpoint/2010/main" val="2652540399"/>
+        <p14:creationId xmlns:p14="http://schemas.microsoft.com/office/powerpoint/2010/main" val="1122257976"/>
       </p:ext>
     </p:extLst>
   </p:cSld>
@@ -6939,7 +8418,7 @@
         </p:nvSpPr>
         <p:spPr>
           <a:xfrm>
-            <a:off x="339725" y="330200"/>
+            <a:off x="346868" y="330200"/>
             <a:ext cx="8450263" cy="378565"/>
           </a:xfrm>
         </p:spPr>
@@ -6952,13 +8431,8 @@
             </a:pPr>
             <a:r>
               <a:rPr lang="en-US" altLang="ko-KR" sz="2400" dirty="0"/>
-              <a:t>Necessity for the Unified </a:t>
-            </a:r>
-            <a:r>
-              <a:rPr lang="en-US" altLang="ko-KR" sz="2400"/>
-              <a:t>Label system</a:t>
-            </a:r>
-            <a:endParaRPr lang="en-US" altLang="ko-KR" sz="2400" dirty="0"/>
+              <a:t>GPU Acceleration</a:t>
+            </a:r>
           </a:p>
         </p:txBody>
       </p:sp>
@@ -7202,40 +8676,59 @@
           <a:lstStyle/>
           <a:p>
             <a:r>
-              <a:rPr lang="en-US" dirty="0">
+              <a:rPr lang="en-US" altLang="ko-KR" dirty="0">
                 <a:latin typeface="+mj-lt"/>
                 <a:cs typeface="Times New Roman" panose="02020603050405020304" pitchFamily="18" charset="0"/>
               </a:rPr>
-              <a:t>Idea</a:t>
-            </a:r>
-          </a:p>
-          <a:p>
-            <a:pPr marL="0" indent="0">
-              <a:buNone/>
+              <a:t>Current status</a:t>
+            </a:r>
+          </a:p>
+          <a:p>
+            <a:pPr marL="457200" indent="-457200">
+              <a:buAutoNum type="arabicParenR"/>
             </a:pPr>
             <a:r>
-              <a:rPr lang="en-US" dirty="0">
+              <a:rPr lang="en-US" altLang="ko-KR" dirty="0" err="1">
                 <a:latin typeface="+mj-lt"/>
                 <a:cs typeface="Times New Roman" panose="02020603050405020304" pitchFamily="18" charset="0"/>
               </a:rPr>
-              <a:t>ML is just like feeding a baby. Once they grow up, they feed themselves.</a:t>
-            </a:r>
-          </a:p>
-          <a:p>
-            <a:pPr marL="0" indent="0">
-              <a:buNone/>
+              <a:t>Tensorflow-gpu</a:t>
+            </a:r>
+            <a:r>
+              <a:rPr lang="en-US" altLang="ko-KR" dirty="0">
+                <a:latin typeface="+mj-lt"/>
+                <a:cs typeface="Times New Roman" panose="02020603050405020304" pitchFamily="18" charset="0"/>
+              </a:rPr>
+              <a:t> library is deprecated.</a:t>
+            </a:r>
+          </a:p>
+          <a:p>
+            <a:pPr marL="457200" indent="-457200">
+              <a:buAutoNum type="arabicParenR"/>
             </a:pPr>
-            <a:endParaRPr lang="en-US" dirty="0">
+            <a:r>
+              <a:rPr lang="en-US" altLang="ko-KR" dirty="0" err="1">
+                <a:latin typeface="+mj-lt"/>
+                <a:cs typeface="Times New Roman" panose="02020603050405020304" pitchFamily="18" charset="0"/>
+              </a:rPr>
+              <a:t>Tensorflow</a:t>
+            </a:r>
+            <a:r>
+              <a:rPr lang="en-US" altLang="ko-KR" dirty="0">
+                <a:latin typeface="+mj-lt"/>
+                <a:cs typeface="Times New Roman" panose="02020603050405020304" pitchFamily="18" charset="0"/>
+              </a:rPr>
+              <a:t> documentation recommends </a:t>
+            </a:r>
+            <a:r>
+              <a:rPr lang="en-US" altLang="ko-KR" b="1" u="sng" dirty="0">
+                <a:latin typeface="+mj-lt"/>
+                <a:cs typeface="Times New Roman" panose="02020603050405020304" pitchFamily="18" charset="0"/>
+              </a:rPr>
+              <a:t>Docker.</a:t>
+            </a:r>
+            <a:endParaRPr lang="en-US" b="1" u="sng" dirty="0">
               <a:latin typeface="+mj-lt"/>
-              <a:cs typeface="Times New Roman" panose="02020603050405020304" pitchFamily="18" charset="0"/>
-            </a:endParaRPr>
-          </a:p>
-          <a:p>
-            <a:pPr marL="0" indent="0">
-              <a:buNone/>
-            </a:pPr>
-            <a:endParaRPr lang="en-US" dirty="0">
-              <a:latin typeface="Times New Roman" panose="02020603050405020304" pitchFamily="18" charset="0"/>
               <a:cs typeface="Times New Roman" panose="02020603050405020304" pitchFamily="18" charset="0"/>
             </a:endParaRPr>
           </a:p>
@@ -7243,38 +8736,671 @@
       </p:sp>
       <p:pic>
         <p:nvPicPr>
-          <p:cNvPr id="4" name="그림 3">
+          <p:cNvPr id="1026" name="Picture 2" descr="Docker Logo and symbol, meaning, history, PNG, brand">
             <a:extLst>
               <a:ext uri="{FF2B5EF4-FFF2-40B4-BE49-F238E27FC236}">
-                <a16:creationId xmlns:a16="http://schemas.microsoft.com/office/drawing/2014/main" id="{088A7E58-C6A3-F352-3A60-0BC28EB25176}"/>
+                <a16:creationId xmlns:a16="http://schemas.microsoft.com/office/drawing/2014/main" id="{CBC7E918-9BFF-92B3-8C40-BB1C1E2EA4C8}"/>
               </a:ext>
             </a:extLst>
           </p:cNvPr>
           <p:cNvPicPr>
-            <a:picLocks noChangeAspect="1"/>
+            <a:picLocks noChangeAspect="1" noChangeArrowheads="1"/>
           </p:cNvPicPr>
           <p:nvPr/>
         </p:nvPicPr>
         <p:blipFill>
-          <a:blip r:embed="rId3"/>
+          <a:blip r:embed="rId3">
+            <a:extLst>
+              <a:ext uri="{28A0092B-C50C-407E-A947-70E740481C1C}">
+                <a14:useLocalDpi xmlns:a14="http://schemas.microsoft.com/office/drawing/2010/main" val="0"/>
+              </a:ext>
+            </a:extLst>
+          </a:blip>
+          <a:srcRect/>
           <a:stretch>
             <a:fillRect/>
           </a:stretch>
         </p:blipFill>
+        <p:spPr bwMode="auto">
+          <a:xfrm>
+            <a:off x="5041900" y="2624619"/>
+            <a:ext cx="3619500" cy="2436814"/>
+          </a:xfrm>
+          <a:prstGeom prst="rect">
+            <a:avLst/>
+          </a:prstGeom>
+          <a:noFill/>
+          <a:extLst>
+            <a:ext uri="{909E8E84-426E-40DD-AFC4-6F175D3DCCD1}">
+              <a14:hiddenFill xmlns:a14="http://schemas.microsoft.com/office/drawing/2010/main">
+                <a:solidFill>
+                  <a:srgbClr val="FFFFFF"/>
+                </a:solidFill>
+              </a14:hiddenFill>
+            </a:ext>
+          </a:extLst>
+        </p:spPr>
+      </p:pic>
+      <p:sp>
+        <p:nvSpPr>
+          <p:cNvPr id="2" name="TextBox 1">
+            <a:extLst>
+              <a:ext uri="{FF2B5EF4-FFF2-40B4-BE49-F238E27FC236}">
+                <a16:creationId xmlns:a16="http://schemas.microsoft.com/office/drawing/2014/main" id="{050C8D1F-A622-4438-9EFA-119FDA42BA3B}"/>
+              </a:ext>
+            </a:extLst>
+          </p:cNvPr>
+          <p:cNvSpPr txBox="1"/>
+          <p:nvPr/>
+        </p:nvSpPr>
         <p:spPr>
           <a:xfrm>
-            <a:off x="1354238" y="2030609"/>
-            <a:ext cx="5926907" cy="3363194"/>
+            <a:off x="381000" y="3042807"/>
+            <a:ext cx="4464050" cy="1600438"/>
           </a:xfrm>
           <a:prstGeom prst="rect">
             <a:avLst/>
           </a:prstGeom>
         </p:spPr>
+        <p:txBody>
+          <a:bodyPr wrap="square" rtlCol="0">
+            <a:spAutoFit/>
+          </a:bodyPr>
+          <a:lstStyle/>
+          <a:p>
+            <a:pPr>
+              <a:lnSpc>
+                <a:spcPct val="150000"/>
+              </a:lnSpc>
+            </a:pPr>
+            <a:r>
+              <a:rPr lang="en-US" altLang="ko-KR" sz="1400" dirty="0"/>
+              <a:t>Prerequisites for using </a:t>
+            </a:r>
+            <a:r>
+              <a:rPr lang="en-US" altLang="ko-KR" sz="1400" dirty="0" err="1"/>
+              <a:t>Tensorflow</a:t>
+            </a:r>
+            <a:r>
+              <a:rPr lang="en-US" altLang="ko-KR" sz="1400" dirty="0"/>
+              <a:t> GPU</a:t>
+            </a:r>
+          </a:p>
+          <a:p>
+            <a:pPr marL="342900" indent="-342900">
+              <a:lnSpc>
+                <a:spcPct val="150000"/>
+              </a:lnSpc>
+              <a:buAutoNum type="arabicParenR"/>
+            </a:pPr>
+            <a:r>
+              <a:rPr lang="en-US" altLang="ko-KR" sz="1400" dirty="0"/>
+              <a:t>NVIDIA driver</a:t>
+            </a:r>
+          </a:p>
+          <a:p>
+            <a:pPr marL="342900" indent="-342900">
+              <a:lnSpc>
+                <a:spcPct val="150000"/>
+              </a:lnSpc>
+              <a:buAutoNum type="arabicParenR"/>
+            </a:pPr>
+            <a:r>
+              <a:rPr lang="en-US" altLang="ko-KR" sz="1400" dirty="0" err="1"/>
+              <a:t>Cuda</a:t>
+            </a:r>
+            <a:endParaRPr lang="en-US" altLang="ko-KR" sz="1400" dirty="0"/>
+          </a:p>
+          <a:p>
+            <a:pPr marL="342900" indent="-342900">
+              <a:lnSpc>
+                <a:spcPct val="150000"/>
+              </a:lnSpc>
+              <a:buAutoNum type="arabicParenR"/>
+            </a:pPr>
+            <a:r>
+              <a:rPr lang="en-US" altLang="ko-KR" sz="1400" dirty="0" err="1"/>
+              <a:t>Cuda</a:t>
+            </a:r>
+            <a:r>
+              <a:rPr lang="en-US" altLang="ko-KR" sz="1400" dirty="0"/>
+              <a:t> CNN </a:t>
+            </a:r>
+          </a:p>
+          <a:p>
+            <a:r>
+              <a:rPr lang="en-US" altLang="ko-KR" sz="1400" dirty="0"/>
+              <a:t> All of those should be </a:t>
+            </a:r>
+            <a:r>
+              <a:rPr lang="en-US" altLang="ko-KR" sz="1400" b="1" u="sng" dirty="0"/>
+              <a:t>updated properly.</a:t>
+            </a:r>
+            <a:endParaRPr lang="en-US" sz="1400" b="1" u="sng" dirty="0"/>
+          </a:p>
+        </p:txBody>
+      </p:sp>
+      <p:sp>
+        <p:nvSpPr>
+          <p:cNvPr id="4" name="화살표: 오른쪽 3">
+            <a:extLst>
+              <a:ext uri="{FF2B5EF4-FFF2-40B4-BE49-F238E27FC236}">
+                <a16:creationId xmlns:a16="http://schemas.microsoft.com/office/drawing/2014/main" id="{A5C42E6E-2D8C-86B3-5C93-4031DCD24196}"/>
+              </a:ext>
+            </a:extLst>
+          </p:cNvPr>
+          <p:cNvSpPr/>
+          <p:nvPr/>
+        </p:nvSpPr>
+        <p:spPr>
+          <a:xfrm>
+            <a:off x="4208462" y="3732836"/>
+            <a:ext cx="774700" cy="412750"/>
+          </a:xfrm>
+          <a:prstGeom prst="rightArrow">
+            <a:avLst/>
+          </a:prstGeom>
+          <a:solidFill>
+            <a:schemeClr val="accent1"/>
+          </a:solidFill>
+          <a:ln w="9525" cap="flat" cmpd="sng" algn="ctr">
+            <a:solidFill>
+              <a:schemeClr val="tx1"/>
+            </a:solidFill>
+            <a:prstDash val="solid"/>
+            <a:round/>
+            <a:headEnd w="med" len="med"/>
+            <a:tailEnd w="med" len="med"/>
+          </a:ln>
+          <a:effectLst/>
+        </p:spPr>
+        <p:txBody>
+          <a:bodyPr vert="horz" wrap="square" lIns="91440" tIns="45720" rIns="91440" bIns="45720" numCol="1" rtlCol="0" anchor="t" anchorCtr="0" compatLnSpc="1">
+            <a:prstTxWarp prst="textNoShape">
+              <a:avLst/>
+            </a:prstTxWarp>
+          </a:bodyPr>
+          <a:lstStyle/>
+          <a:p>
+            <a:pPr marL="0" marR="0" indent="0" algn="l" defTabSz="914400" rtl="0" eaLnBrk="0" fontAlgn="base" latinLnBrk="0" hangingPunct="0">
+              <a:lnSpc>
+                <a:spcPct val="100000"/>
+              </a:lnSpc>
+              <a:spcBef>
+                <a:spcPct val="0"/>
+              </a:spcBef>
+              <a:spcAft>
+                <a:spcPct val="0"/>
+              </a:spcAft>
+              <a:buClrTx/>
+              <a:buFontTx/>
+              <a:buNone/>
+            </a:pPr>
+            <a:endParaRPr kumimoji="0" lang="en-US" sz="2800" b="0" i="0" u="none" strike="noStrike" cap="none" normalizeH="0" baseline="0">
+              <a:solidFill>
+                <a:schemeClr val="tx1"/>
+              </a:solidFill>
+              <a:effectLst/>
+              <a:latin typeface="Arial"/>
+              <a:ea typeface="MS PGothic"/>
+              <a:cs typeface="MS PGothic"/>
+            </a:endParaRPr>
+          </a:p>
+        </p:txBody>
+      </p:sp>
+      <p:sp>
+        <p:nvSpPr>
+          <p:cNvPr id="9" name="TextBox 8">
+            <a:extLst>
+              <a:ext uri="{FF2B5EF4-FFF2-40B4-BE49-F238E27FC236}">
+                <a16:creationId xmlns:a16="http://schemas.microsoft.com/office/drawing/2014/main" id="{15476BBF-1F10-B1B5-F46C-D135265D9F37}"/>
+              </a:ext>
+            </a:extLst>
+          </p:cNvPr>
+          <p:cNvSpPr txBox="1"/>
+          <p:nvPr/>
+        </p:nvSpPr>
+        <p:spPr>
+          <a:xfrm>
+            <a:off x="2286000" y="3170283"/>
+            <a:ext cx="4572000" cy="523220"/>
+          </a:xfrm>
+          <a:prstGeom prst="rect">
+            <a:avLst/>
+          </a:prstGeom>
+          <a:noFill/>
+        </p:spPr>
+        <p:txBody>
+          <a:bodyPr wrap="square">
+            <a:spAutoFit/>
+          </a:bodyPr>
+          <a:lstStyle/>
+          <a:p>
+            <a:r>
+              <a:rPr lang="en-US" b="0" dirty="0">
+                <a:effectLst/>
+              </a:rPr>
+              <a:t> </a:t>
+            </a:r>
+            <a:endParaRPr lang="en-US" dirty="0"/>
+          </a:p>
+        </p:txBody>
+      </p:sp>
+    </p:spTree>
+    <p:extLst>
+      <p:ext uri="{BB962C8B-B14F-4D97-AF65-F5344CB8AC3E}">
+        <p14:creationId xmlns:p14="http://schemas.microsoft.com/office/powerpoint/2010/main" val="2652540399"/>
+      </p:ext>
+    </p:extLst>
+  </p:cSld>
+  <p:clrMapOvr>
+    <a:masterClrMapping/>
+  </p:clrMapOvr>
+  <p:transition/>
+</p:sld>
+</file>
+
+<file path=ppt/slides/slide9.xml><?xml version="1.0" encoding="utf-8"?>
+<p:sld xmlns:a="http://schemas.openxmlformats.org/drawingml/2006/main" xmlns:r="http://schemas.openxmlformats.org/officeDocument/2006/relationships" xmlns:p="http://schemas.openxmlformats.org/presentationml/2006/main">
+  <p:cSld>
+    <p:spTree>
+      <p:nvGrpSpPr>
+        <p:cNvPr id="1" name=""/>
+        <p:cNvGrpSpPr/>
+        <p:nvPr/>
+      </p:nvGrpSpPr>
+      <p:grpSpPr>
+        <a:xfrm>
+          <a:off x="0" y="0"/>
+          <a:ext cx="0" cy="0"/>
+          <a:chOff x="0" y="0"/>
+          <a:chExt cx="0" cy="0"/>
+        </a:xfrm>
+      </p:grpSpPr>
+      <p:sp>
+        <p:nvSpPr>
+          <p:cNvPr id="3" name="Title 2"/>
+          <p:cNvSpPr>
+            <a:spLocks noGrp="1"/>
+          </p:cNvSpPr>
+          <p:nvPr>
+            <p:ph type="title"/>
+          </p:nvPr>
+        </p:nvSpPr>
+        <p:spPr>
+          <a:xfrm>
+            <a:off x="346868" y="330200"/>
+            <a:ext cx="8450263" cy="378565"/>
+          </a:xfrm>
+        </p:spPr>
+        <p:txBody>
+          <a:bodyPr/>
+          <a:lstStyle/>
+          <a:p>
+            <a:pPr lvl="0">
+              <a:defRPr/>
+            </a:pPr>
+            <a:r>
+              <a:rPr lang="en-US" altLang="ko-KR" sz="2400" dirty="0"/>
+              <a:t>Using Docker for </a:t>
+            </a:r>
+            <a:r>
+              <a:rPr lang="en-US" altLang="ko-KR" sz="2400" dirty="0" err="1"/>
+              <a:t>Tensorflow</a:t>
+            </a:r>
+            <a:endParaRPr lang="en-US" altLang="ko-KR" sz="2400" dirty="0"/>
+          </a:p>
+        </p:txBody>
+      </p:sp>
+      <p:sp>
+        <p:nvSpPr>
+          <p:cNvPr id="25" name="내용 개체 틀 4">
+            <a:extLst>
+              <a:ext uri="{FF2B5EF4-FFF2-40B4-BE49-F238E27FC236}">
+                <a16:creationId xmlns:a16="http://schemas.microsoft.com/office/drawing/2014/main" id="{78B6002A-9D14-3CD0-1C5C-ACA073463DB2}"/>
+              </a:ext>
+            </a:extLst>
+          </p:cNvPr>
+          <p:cNvSpPr txBox="1">
+            <a:spLocks/>
+          </p:cNvSpPr>
+          <p:nvPr/>
+        </p:nvSpPr>
+        <p:spPr>
+          <a:xfrm>
+            <a:off x="0" y="839386"/>
+            <a:ext cx="8416925" cy="391683"/>
+          </a:xfrm>
+          <a:prstGeom prst="rect">
+            <a:avLst/>
+          </a:prstGeom>
+        </p:spPr>
+        <p:txBody>
+          <a:bodyPr/>
+          <a:lstStyle>
+            <a:lvl1pPr marL="347663" indent="-347663" algn="l" rtl="0" eaLnBrk="0" fontAlgn="base" hangingPunct="0">
+              <a:spcBef>
+                <a:spcPct val="10000"/>
+              </a:spcBef>
+              <a:spcAft>
+                <a:spcPct val="10000"/>
+              </a:spcAft>
+              <a:buClr>
+                <a:srgbClr val="C00000"/>
+              </a:buClr>
+              <a:buFont typeface="Wingdings" charset="2"/>
+              <a:buChar char="n"/>
+              <a:defRPr sz="2000" baseline="0">
+                <a:solidFill>
+                  <a:schemeClr val="tx1"/>
+                </a:solidFill>
+                <a:latin typeface="+mn-lt"/>
+                <a:ea typeface="ＭＳ Ｐゴシック" pitchFamily="-112" charset="-128"/>
+                <a:cs typeface="ＭＳ Ｐゴシック" pitchFamily="-112" charset="-128"/>
+              </a:defRPr>
+            </a:lvl1pPr>
+            <a:lvl2pPr marL="685800" indent="-288925" algn="l" rtl="0" eaLnBrk="0" fontAlgn="base" hangingPunct="0">
+              <a:spcBef>
+                <a:spcPct val="10000"/>
+              </a:spcBef>
+              <a:spcAft>
+                <a:spcPct val="10000"/>
+              </a:spcAft>
+              <a:buClr>
+                <a:srgbClr val="C00000"/>
+              </a:buClr>
+              <a:buFont typeface="Arial" charset="0"/>
+              <a:buChar char="–"/>
+              <a:defRPr sz="1800" baseline="0">
+                <a:solidFill>
+                  <a:schemeClr val="tx1"/>
+                </a:solidFill>
+                <a:latin typeface="+mn-lt"/>
+                <a:ea typeface="ＭＳ Ｐゴシック" pitchFamily="27" charset="-128"/>
+              </a:defRPr>
+            </a:lvl2pPr>
+            <a:lvl3pPr marL="968375" indent="-168275" algn="l" rtl="0" eaLnBrk="0" fontAlgn="base" hangingPunct="0">
+              <a:spcBef>
+                <a:spcPct val="10000"/>
+              </a:spcBef>
+              <a:spcAft>
+                <a:spcPct val="10000"/>
+              </a:spcAft>
+              <a:buClr>
+                <a:srgbClr val="C00000"/>
+              </a:buClr>
+              <a:buFont typeface="Times" charset="0"/>
+              <a:buChar char="•"/>
+              <a:defRPr sz="1600" i="1" baseline="0">
+                <a:solidFill>
+                  <a:schemeClr val="tx1"/>
+                </a:solidFill>
+                <a:latin typeface="+mn-lt"/>
+                <a:ea typeface="ＭＳ Ｐゴシック" pitchFamily="27" charset="-128"/>
+              </a:defRPr>
+            </a:lvl3pPr>
+            <a:lvl4pPr marL="1363663" indent="-280988" algn="l" rtl="0" eaLnBrk="0" fontAlgn="base" hangingPunct="0">
+              <a:spcBef>
+                <a:spcPct val="10000"/>
+              </a:spcBef>
+              <a:spcAft>
+                <a:spcPct val="10000"/>
+              </a:spcAft>
+              <a:buClr>
+                <a:srgbClr val="C00000"/>
+              </a:buClr>
+              <a:buFont typeface="Times" charset="0"/>
+              <a:buChar char="–"/>
+              <a:defRPr sz="1500" baseline="0">
+                <a:solidFill>
+                  <a:schemeClr val="tx1"/>
+                </a:solidFill>
+                <a:latin typeface="+mn-lt"/>
+                <a:ea typeface="ＭＳ Ｐゴシック" pitchFamily="27" charset="-128"/>
+              </a:defRPr>
+            </a:lvl4pPr>
+            <a:lvl5pPr marL="1652588" indent="-174625" algn="l" rtl="0" eaLnBrk="0" fontAlgn="base" hangingPunct="0">
+              <a:spcBef>
+                <a:spcPct val="10000"/>
+              </a:spcBef>
+              <a:spcAft>
+                <a:spcPct val="10000"/>
+              </a:spcAft>
+              <a:buClr>
+                <a:srgbClr val="C00000"/>
+              </a:buClr>
+              <a:buFont typeface="Times" charset="0"/>
+              <a:buChar char="•"/>
+              <a:defRPr sz="1400" i="1" baseline="0">
+                <a:solidFill>
+                  <a:schemeClr val="tx1"/>
+                </a:solidFill>
+                <a:latin typeface="+mn-lt"/>
+                <a:ea typeface="ＭＳ Ｐゴシック" pitchFamily="27" charset="-128"/>
+              </a:defRPr>
+            </a:lvl5pPr>
+            <a:lvl6pPr marL="2109788" indent="-174625" algn="l" rtl="0" eaLnBrk="0" fontAlgn="base" hangingPunct="0">
+              <a:spcBef>
+                <a:spcPct val="10000"/>
+              </a:spcBef>
+              <a:spcAft>
+                <a:spcPct val="10000"/>
+              </a:spcAft>
+              <a:buClr>
+                <a:srgbClr val="800000"/>
+              </a:buClr>
+              <a:buFont typeface="Times" pitchFamily="27" charset="0"/>
+              <a:buChar char="•"/>
+              <a:defRPr i="1">
+                <a:solidFill>
+                  <a:schemeClr val="tx1"/>
+                </a:solidFill>
+                <a:latin typeface="+mn-lt"/>
+                <a:ea typeface="ＭＳ Ｐゴシック" pitchFamily="27" charset="-128"/>
+              </a:defRPr>
+            </a:lvl6pPr>
+            <a:lvl7pPr marL="2566988" indent="-174625" algn="l" rtl="0" eaLnBrk="0" fontAlgn="base" hangingPunct="0">
+              <a:spcBef>
+                <a:spcPct val="10000"/>
+              </a:spcBef>
+              <a:spcAft>
+                <a:spcPct val="10000"/>
+              </a:spcAft>
+              <a:buClr>
+                <a:srgbClr val="800000"/>
+              </a:buClr>
+              <a:buFont typeface="Times" pitchFamily="27" charset="0"/>
+              <a:buChar char="•"/>
+              <a:defRPr i="1">
+                <a:solidFill>
+                  <a:schemeClr val="tx1"/>
+                </a:solidFill>
+                <a:latin typeface="+mn-lt"/>
+                <a:ea typeface="ＭＳ Ｐゴシック" pitchFamily="27" charset="-128"/>
+              </a:defRPr>
+            </a:lvl7pPr>
+            <a:lvl8pPr marL="3024188" indent="-174625" algn="l" rtl="0" eaLnBrk="0" fontAlgn="base" hangingPunct="0">
+              <a:spcBef>
+                <a:spcPct val="10000"/>
+              </a:spcBef>
+              <a:spcAft>
+                <a:spcPct val="10000"/>
+              </a:spcAft>
+              <a:buClr>
+                <a:srgbClr val="800000"/>
+              </a:buClr>
+              <a:buFont typeface="Times" pitchFamily="27" charset="0"/>
+              <a:buChar char="•"/>
+              <a:defRPr i="1">
+                <a:solidFill>
+                  <a:schemeClr val="tx1"/>
+                </a:solidFill>
+                <a:latin typeface="+mn-lt"/>
+                <a:ea typeface="ＭＳ Ｐゴシック" pitchFamily="27" charset="-128"/>
+              </a:defRPr>
+            </a:lvl8pPr>
+            <a:lvl9pPr marL="3481388" indent="-174625" algn="l" rtl="0" eaLnBrk="0" fontAlgn="base" hangingPunct="0">
+              <a:spcBef>
+                <a:spcPct val="10000"/>
+              </a:spcBef>
+              <a:spcAft>
+                <a:spcPct val="10000"/>
+              </a:spcAft>
+              <a:buClr>
+                <a:srgbClr val="800000"/>
+              </a:buClr>
+              <a:buFont typeface="Times" pitchFamily="27" charset="0"/>
+              <a:buChar char="•"/>
+              <a:defRPr i="1">
+                <a:solidFill>
+                  <a:schemeClr val="tx1"/>
+                </a:solidFill>
+                <a:latin typeface="+mn-lt"/>
+                <a:ea typeface="ＭＳ Ｐゴシック" pitchFamily="27" charset="-128"/>
+              </a:defRPr>
+            </a:lvl9pPr>
+          </a:lstStyle>
+          <a:p>
+            <a:endParaRPr lang="en-US" kern="0" dirty="0"/>
+          </a:p>
+        </p:txBody>
+      </p:sp>
+      <p:sp>
+        <p:nvSpPr>
+          <p:cNvPr id="9" name="TextBox 8">
+            <a:extLst>
+              <a:ext uri="{FF2B5EF4-FFF2-40B4-BE49-F238E27FC236}">
+                <a16:creationId xmlns:a16="http://schemas.microsoft.com/office/drawing/2014/main" id="{15476BBF-1F10-B1B5-F46C-D135265D9F37}"/>
+              </a:ext>
+            </a:extLst>
+          </p:cNvPr>
+          <p:cNvSpPr txBox="1"/>
+          <p:nvPr/>
+        </p:nvSpPr>
+        <p:spPr>
+          <a:xfrm>
+            <a:off x="2286000" y="3170283"/>
+            <a:ext cx="4572000" cy="523220"/>
+          </a:xfrm>
+          <a:prstGeom prst="rect">
+            <a:avLst/>
+          </a:prstGeom>
+          <a:noFill/>
+        </p:spPr>
+        <p:txBody>
+          <a:bodyPr wrap="square">
+            <a:spAutoFit/>
+          </a:bodyPr>
+          <a:lstStyle/>
+          <a:p>
+            <a:r>
+              <a:rPr lang="en-US" b="0" dirty="0">
+                <a:effectLst/>
+              </a:rPr>
+              <a:t> </a:t>
+            </a:r>
+            <a:endParaRPr lang="en-US" dirty="0"/>
+          </a:p>
+        </p:txBody>
+      </p:sp>
+      <p:pic>
+        <p:nvPicPr>
+          <p:cNvPr id="8" name="Picture 2" descr="Docker Logo and symbol, meaning, history, PNG, brand">
+            <a:extLst>
+              <a:ext uri="{FF2B5EF4-FFF2-40B4-BE49-F238E27FC236}">
+                <a16:creationId xmlns:a16="http://schemas.microsoft.com/office/drawing/2014/main" id="{E488E513-C5D3-DB14-2981-3A7AAD07A71C}"/>
+              </a:ext>
+            </a:extLst>
+          </p:cNvPr>
+          <p:cNvPicPr>
+            <a:picLocks noChangeAspect="1" noChangeArrowheads="1"/>
+          </p:cNvPicPr>
+          <p:nvPr/>
+        </p:nvPicPr>
+        <p:blipFill>
+          <a:blip r:embed="rId3">
+            <a:extLst>
+              <a:ext uri="{28A0092B-C50C-407E-A947-70E740481C1C}">
+                <a14:useLocalDpi xmlns:a14="http://schemas.microsoft.com/office/drawing/2010/main" val="0"/>
+              </a:ext>
+            </a:extLst>
+          </a:blip>
+          <a:srcRect/>
+          <a:stretch>
+            <a:fillRect/>
+          </a:stretch>
+        </p:blipFill>
+        <p:spPr bwMode="auto">
+          <a:xfrm>
+            <a:off x="0" y="794702"/>
+            <a:ext cx="1215342" cy="683630"/>
+          </a:xfrm>
+          <a:prstGeom prst="rect">
+            <a:avLst/>
+          </a:prstGeom>
+          <a:noFill/>
+          <a:extLst>
+            <a:ext uri="{909E8E84-426E-40DD-AFC4-6F175D3DCCD1}">
+              <a14:hiddenFill xmlns:a14="http://schemas.microsoft.com/office/drawing/2010/main">
+                <a:solidFill>
+                  <a:srgbClr val="FFFFFF"/>
+                </a:solidFill>
+              </a14:hiddenFill>
+            </a:ext>
+          </a:extLst>
+        </p:spPr>
+      </p:pic>
+      <p:pic>
+        <p:nvPicPr>
+          <p:cNvPr id="1028" name="Picture 4">
+            <a:extLst>
+              <a:ext uri="{FF2B5EF4-FFF2-40B4-BE49-F238E27FC236}">
+                <a16:creationId xmlns:a16="http://schemas.microsoft.com/office/drawing/2014/main" id="{9491EF57-1714-ADD3-6A2C-6DCEB66B0019}"/>
+              </a:ext>
+            </a:extLst>
+          </p:cNvPr>
+          <p:cNvPicPr>
+            <a:picLocks noChangeAspect="1" noChangeArrowheads="1"/>
+          </p:cNvPicPr>
+          <p:nvPr/>
+        </p:nvPicPr>
+        <p:blipFill>
+          <a:blip r:embed="rId4">
+            <a:extLst>
+              <a:ext uri="{28A0092B-C50C-407E-A947-70E740481C1C}">
+                <a14:useLocalDpi xmlns:a14="http://schemas.microsoft.com/office/drawing/2010/main" val="0"/>
+              </a:ext>
+            </a:extLst>
+          </a:blip>
+          <a:srcRect/>
+          <a:stretch>
+            <a:fillRect/>
+          </a:stretch>
+        </p:blipFill>
+        <p:spPr bwMode="auto">
+          <a:xfrm>
+            <a:off x="0" y="1658821"/>
+            <a:ext cx="8927416" cy="4237423"/>
+          </a:xfrm>
+          <a:prstGeom prst="rect">
+            <a:avLst/>
+          </a:prstGeom>
+          <a:noFill/>
+          <a:extLst>
+            <a:ext uri="{909E8E84-426E-40DD-AFC4-6F175D3DCCD1}">
+              <a14:hiddenFill xmlns:a14="http://schemas.microsoft.com/office/drawing/2010/main">
+                <a:solidFill>
+                  <a:srgbClr val="FFFFFF"/>
+                </a:solidFill>
+              </a14:hiddenFill>
+            </a:ext>
+          </a:extLst>
+        </p:spPr>
       </p:pic>
     </p:spTree>
     <p:extLst>
       <p:ext uri="{BB962C8B-B14F-4D97-AF65-F5344CB8AC3E}">
-        <p14:creationId xmlns:p14="http://schemas.microsoft.com/office/powerpoint/2010/main" val="4245134503"/>
+        <p14:creationId xmlns:p14="http://schemas.microsoft.com/office/powerpoint/2010/main" val="3527484619"/>
       </p:ext>
     </p:extLst>
   </p:cSld>
